--- a/docs/fig1.pptx
+++ b/docs/fig1.pptx
@@ -6,7 +6,6 @@
   </p:sldMasterIdLst>
   <p:sldIdLst>
     <p:sldId id="256" r:id="rId2"/>
-    <p:sldId id="257" r:id="rId3"/>
   </p:sldIdLst>
   <p:sldSz cx="12192000" cy="6858000"/>
   <p:notesSz cx="6858000" cy="9144000"/>
@@ -105,6 +104,11 @@
       </a:defRPr>
     </a:lvl9pPr>
   </p:defaultTextStyle>
+  <p:extLst>
+    <p:ext uri="{EFAFB233-063F-42B5-8137-9DF3F51BA10A}">
+      <p15:sldGuideLst xmlns:p15="http://schemas.microsoft.com/office/powerpoint/2012/main"/>
+    </p:ext>
+  </p:extLst>
 </p:presentation>
 </file>
 
@@ -3337,7 +3341,7 @@
           <p:nvPr>
             <p:extLst>
               <p:ext uri="{D42A27DB-BD31-4B8C-83A1-F6EECF244321}">
-                <p14:modId xmlns:p14="http://schemas.microsoft.com/office/powerpoint/2010/main" val="193633151"/>
+                <p14:modId xmlns:p14="http://schemas.microsoft.com/office/powerpoint/2010/main" val="1595739207"/>
               </p:ext>
             </p:extLst>
           </p:nvPr>
@@ -3404,6 +3408,7 @@
                     <a:bodyPr/>
                     <a:lstStyle/>
                     <a:p>
+                      <a:pPr algn="ctr"/>
                       <a:r>
                         <a:rPr lang="en-US" altLang="zh-CN" sz="1600" dirty="0">
                           <a:latin typeface="Times New Roman" panose="02020603050405020304" pitchFamily="18" charset="0"/>
@@ -3478,12 +3483,13 @@
                     <a:bodyPr/>
                     <a:lstStyle/>
                     <a:p>
+                      <a:pPr algn="ctr"/>
                       <a:r>
                         <a:rPr lang="en-US" altLang="zh-CN" sz="1600" dirty="0">
                           <a:latin typeface="Times New Roman" panose="02020603050405020304" pitchFamily="18" charset="0"/>
                           <a:cs typeface="Times New Roman" panose="02020603050405020304" pitchFamily="18" charset="0"/>
                         </a:rPr>
-                        <a:t>50</a:t>
+                        <a:t>5</a:t>
                       </a:r>
                       <a:endParaRPr lang="zh-CN" altLang="en-US" sz="1600" dirty="0">
                         <a:latin typeface="Times New Roman" panose="02020603050405020304" pitchFamily="18" charset="0"/>
@@ -3557,12 +3563,13 @@
                     <a:bodyPr/>
                     <a:lstStyle/>
                     <a:p>
+                      <a:pPr algn="ctr"/>
                       <a:r>
                         <a:rPr lang="en-US" altLang="zh-CN" sz="1600" dirty="0">
                           <a:latin typeface="Times New Roman" panose="02020603050405020304" pitchFamily="18" charset="0"/>
                           <a:cs typeface="Times New Roman" panose="02020603050405020304" pitchFamily="18" charset="0"/>
                         </a:rPr>
-                        <a:t>60</a:t>
+                        <a:t>6</a:t>
                       </a:r>
                       <a:endParaRPr lang="zh-CN" altLang="en-US" sz="1600" dirty="0">
                         <a:latin typeface="Times New Roman" panose="02020603050405020304" pitchFamily="18" charset="0"/>
@@ -3627,12 +3634,13 @@
                     <a:bodyPr/>
                     <a:lstStyle/>
                     <a:p>
+                      <a:pPr algn="ctr"/>
                       <a:r>
                         <a:rPr lang="en-US" altLang="zh-CN" sz="1600" dirty="0">
                           <a:latin typeface="Times New Roman" panose="02020603050405020304" pitchFamily="18" charset="0"/>
                           <a:cs typeface="Times New Roman" panose="02020603050405020304" pitchFamily="18" charset="0"/>
                         </a:rPr>
-                        <a:t>70</a:t>
+                        <a:t>7</a:t>
                       </a:r>
                       <a:endParaRPr lang="zh-CN" altLang="en-US" sz="1600" dirty="0">
                         <a:latin typeface="Times New Roman" panose="02020603050405020304" pitchFamily="18" charset="0"/>
@@ -3675,7 +3683,7 @@
           <p:nvPr>
             <p:extLst>
               <p:ext uri="{D42A27DB-BD31-4B8C-83A1-F6EECF244321}">
-                <p14:modId xmlns:p14="http://schemas.microsoft.com/office/powerpoint/2010/main" val="2025583960"/>
+                <p14:modId xmlns:p14="http://schemas.microsoft.com/office/powerpoint/2010/main" val="1250169964"/>
               </p:ext>
             </p:extLst>
           </p:nvPr>
@@ -3691,14 +3699,14 @@
                 <a:tableStyleId>{5940675A-B579-460E-94D1-54222C63F5DA}</a:tableStyleId>
               </a:tblPr>
               <a:tblGrid>
-                <a:gridCol w="869776">
+                <a:gridCol w="857140">
                   <a:extLst>
                     <a:ext uri="{9D8B030D-6E8A-4147-A177-3AD203B41FA5}">
                       <a16:colId xmlns:a16="http://schemas.microsoft.com/office/drawing/2014/main" val="1374597753"/>
                     </a:ext>
                   </a:extLst>
                 </a:gridCol>
-                <a:gridCol w="496045">
+                <a:gridCol w="508681">
                   <a:extLst>
                     <a:ext uri="{9D8B030D-6E8A-4147-A177-3AD203B41FA5}">
                       <a16:colId xmlns:a16="http://schemas.microsoft.com/office/drawing/2014/main" val="156625708"/>
@@ -3777,6 +3785,7 @@
                     <a:bodyPr/>
                     <a:lstStyle/>
                     <a:p>
+                      <a:pPr algn="ctr"/>
                       <a:r>
                         <a:rPr lang="en-US" altLang="zh-CN" sz="1600" dirty="0">
                           <a:latin typeface="Times New Roman" panose="02020603050405020304" pitchFamily="18" charset="0"/>
@@ -3911,12 +3920,13 @@
                     <a:bodyPr/>
                     <a:lstStyle/>
                     <a:p>
+                      <a:pPr algn="ctr"/>
                       <a:r>
                         <a:rPr lang="en-US" altLang="zh-CN" sz="1600" dirty="0">
                           <a:latin typeface="Times New Roman" panose="02020603050405020304" pitchFamily="18" charset="0"/>
                           <a:cs typeface="Times New Roman" panose="02020603050405020304" pitchFamily="18" charset="0"/>
                         </a:rPr>
-                        <a:t>100</a:t>
+                        <a:t>10</a:t>
                       </a:r>
                       <a:endParaRPr lang="zh-CN" altLang="en-US" sz="1600" dirty="0">
                         <a:latin typeface="Times New Roman" panose="02020603050405020304" pitchFamily="18" charset="0"/>
@@ -4033,12 +4043,13 @@
                     <a:bodyPr/>
                     <a:lstStyle/>
                     <a:p>
+                      <a:pPr algn="ctr"/>
                       <a:r>
                         <a:rPr lang="en-US" altLang="zh-CN" sz="1600" dirty="0">
                           <a:latin typeface="Times New Roman" panose="02020603050405020304" pitchFamily="18" charset="0"/>
                           <a:cs typeface="Times New Roman" panose="02020603050405020304" pitchFamily="18" charset="0"/>
                         </a:rPr>
-                        <a:t>150</a:t>
+                        <a:t>15</a:t>
                       </a:r>
                       <a:endParaRPr lang="zh-CN" altLang="en-US" sz="1600" dirty="0">
                         <a:latin typeface="Times New Roman" panose="02020603050405020304" pitchFamily="18" charset="0"/>
@@ -4146,12 +4157,13 @@
                     <a:bodyPr/>
                     <a:lstStyle/>
                     <a:p>
+                      <a:pPr algn="ctr"/>
                       <a:r>
                         <a:rPr lang="en-US" altLang="zh-CN" sz="1600" dirty="0">
                           <a:latin typeface="Times New Roman" panose="02020603050405020304" pitchFamily="18" charset="0"/>
                           <a:cs typeface="Times New Roman" panose="02020603050405020304" pitchFamily="18" charset="0"/>
                         </a:rPr>
-                        <a:t>130</a:t>
+                        <a:t>13</a:t>
                       </a:r>
                     </a:p>
                   </a:txBody>
@@ -4261,12 +4273,13 @@
                     <a:bodyPr/>
                     <a:lstStyle/>
                     <a:p>
+                      <a:pPr algn="ctr"/>
                       <a:r>
                         <a:rPr lang="en-US" altLang="zh-CN" sz="1600" dirty="0">
                           <a:latin typeface="Times New Roman" panose="02020603050405020304" pitchFamily="18" charset="0"/>
                           <a:cs typeface="Times New Roman" panose="02020603050405020304" pitchFamily="18" charset="0"/>
                         </a:rPr>
-                        <a:t>130</a:t>
+                        <a:t>13</a:t>
                       </a:r>
                     </a:p>
                   </a:txBody>
@@ -8958,8 +8971,8 @@
           </p:nvSpPr>
           <p:spPr>
             <a:xfrm>
-              <a:off x="6887717" y="1506916"/>
-              <a:ext cx="422316" cy="482600"/>
+              <a:off x="6972325" y="1572761"/>
+              <a:ext cx="318898" cy="357166"/>
             </a:xfrm>
             <a:prstGeom prst="mathMultiply">
               <a:avLst>
@@ -18959,9 +18972,9 @@
         <p:grpSpPr>
           <a:xfrm>
             <a:off x="367552" y="3429000"/>
-            <a:ext cx="4237570" cy="369332"/>
+            <a:ext cx="2566985" cy="584775"/>
             <a:chOff x="77620" y="3675479"/>
-            <a:chExt cx="4237570" cy="369332"/>
+            <a:chExt cx="2566985" cy="584775"/>
           </a:xfrm>
         </p:grpSpPr>
         <p:sp>
@@ -18979,7 +18992,7 @@
           <p:spPr>
             <a:xfrm>
               <a:off x="77620" y="3675479"/>
-              <a:ext cx="4237570" cy="369332"/>
+              <a:ext cx="2566985" cy="584775"/>
             </a:xfrm>
             <a:prstGeom prst="rect">
               <a:avLst/>
@@ -18993,14 +19006,51 @@
             <a:lstStyle/>
             <a:p>
               <a:r>
-                <a:rPr lang="en-US" altLang="zh-CN" dirty="0">
+                <a:rPr lang="en-US" altLang="zh-CN" sz="1600" dirty="0">
                   <a:latin typeface="Times New Roman" panose="02020603050405020304" pitchFamily="18" charset="0"/>
                   <a:cs typeface="Times New Roman" panose="02020603050405020304" pitchFamily="18" charset="0"/>
                 </a:rPr>
-                <a:t>Traffic        needs to be processed by </a:t>
+                <a:t>Traffic (</a:t>
               </a:r>
               <a:r>
-                <a:rPr lang="en-US" altLang="zh-CN" b="1" dirty="0">
+                <a:rPr lang="en-US" altLang="zh-CN" sz="1600" b="1" dirty="0">
+                  <a:latin typeface="Times New Roman" panose="02020603050405020304" pitchFamily="18" charset="0"/>
+                  <a:cs typeface="Times New Roman" panose="02020603050405020304" pitchFamily="18" charset="0"/>
+                </a:rPr>
+                <a:t>s</a:t>
+              </a:r>
+              <a:r>
+                <a:rPr lang="en-US" altLang="zh-CN" sz="1600" dirty="0">
+                  <a:latin typeface="Times New Roman" panose="02020603050405020304" pitchFamily="18" charset="0"/>
+                  <a:cs typeface="Times New Roman" panose="02020603050405020304" pitchFamily="18" charset="0"/>
+                </a:rPr>
+                <a:t>        </a:t>
+              </a:r>
+              <a:r>
+                <a:rPr lang="en-US" altLang="zh-CN" sz="1600" b="1" dirty="0">
+                  <a:latin typeface="Times New Roman" panose="02020603050405020304" pitchFamily="18" charset="0"/>
+                  <a:cs typeface="Times New Roman" panose="02020603050405020304" pitchFamily="18" charset="0"/>
+                </a:rPr>
+                <a:t>d)</a:t>
+              </a:r>
+              <a:r>
+                <a:rPr lang="en-US" altLang="zh-CN" sz="1600" dirty="0">
+                  <a:latin typeface="Times New Roman" panose="02020603050405020304" pitchFamily="18" charset="0"/>
+                  <a:cs typeface="Times New Roman" panose="02020603050405020304" pitchFamily="18" charset="0"/>
+                </a:rPr>
+                <a:t> needs to be </a:t>
+              </a:r>
+            </a:p>
+            <a:p>
+              <a:r>
+                <a:rPr lang="en-US" altLang="zh-CN" sz="1600" dirty="0">
+                  <a:latin typeface="Times New Roman" panose="02020603050405020304" pitchFamily="18" charset="0"/>
+                  <a:cs typeface="Times New Roman" panose="02020603050405020304" pitchFamily="18" charset="0"/>
+                </a:rPr>
+                <a:t>processed by </a:t>
+              </a:r>
+              <a:r>
+                <a:rPr lang="en-US" altLang="zh-CN" sz="1600" b="1" dirty="0">
                   <a:solidFill>
                     <a:srgbClr val="9933FF"/>
                   </a:solidFill>
@@ -19009,10 +19059,7 @@
                 </a:rPr>
                 <a:t>SFC 1</a:t>
               </a:r>
-              <a:endParaRPr lang="zh-CN" altLang="en-US" b="1" dirty="0">
-                <a:solidFill>
-                  <a:srgbClr val="9933FF"/>
-                </a:solidFill>
+              <a:endParaRPr lang="zh-CN" altLang="en-US" sz="1600" dirty="0">
                 <a:latin typeface="Times New Roman" panose="02020603050405020304" pitchFamily="18" charset="0"/>
                 <a:cs typeface="Times New Roman" panose="02020603050405020304" pitchFamily="18" charset="0"/>
               </a:endParaRPr>
@@ -19035,7 +19082,7 @@
           </p:nvCxnSpPr>
           <p:spPr>
             <a:xfrm>
-              <a:off x="841258" y="3860145"/>
+              <a:off x="951381" y="3860147"/>
               <a:ext cx="349084" cy="0"/>
             </a:xfrm>
             <a:prstGeom prst="straightConnector1">
@@ -19066,90 +19113,94 @@
           </p:style>
         </p:cxnSp>
       </p:grpSp>
-    </p:spTree>
-    <p:extLst>
-      <p:ext uri="{BB962C8B-B14F-4D97-AF65-F5344CB8AC3E}">
-        <p14:creationId xmlns:p14="http://schemas.microsoft.com/office/powerpoint/2010/main" val="1242188443"/>
-      </p:ext>
-    </p:extLst>
-  </p:cSld>
-  <p:clrMapOvr>
-    <a:masterClrMapping/>
-  </p:clrMapOvr>
-</p:sld>
-</file>
-
-<file path=ppt/slides/slide2.xml><?xml version="1.0" encoding="utf-8"?>
-<p:sld xmlns:a="http://schemas.openxmlformats.org/drawingml/2006/main" xmlns:r="http://schemas.openxmlformats.org/officeDocument/2006/relationships" xmlns:p="http://schemas.openxmlformats.org/presentationml/2006/main">
-  <p:cSld>
-    <p:spTree>
-      <p:nvGrpSpPr>
-        <p:cNvPr id="1" name=""/>
-        <p:cNvGrpSpPr/>
-        <p:nvPr/>
-      </p:nvGrpSpPr>
-      <p:grpSpPr>
-        <a:xfrm>
-          <a:off x="0" y="0"/>
-          <a:ext cx="0" cy="0"/>
-          <a:chOff x="0" y="0"/>
-          <a:chExt cx="0" cy="0"/>
-        </a:xfrm>
-      </p:grpSpPr>
       <p:sp>
         <p:nvSpPr>
-          <p:cNvPr id="2" name="标题 1">
+          <p:cNvPr id="2" name="文本框 1">
             <a:extLst>
               <a:ext uri="{FF2B5EF4-FFF2-40B4-BE49-F238E27FC236}">
-                <a16:creationId xmlns:a16="http://schemas.microsoft.com/office/drawing/2014/main" id="{58CED461-5D71-4DE1-878D-16F148B229C8}"/>
+                <a16:creationId xmlns:a16="http://schemas.microsoft.com/office/drawing/2014/main" id="{EC213B34-EC46-4A46-84E8-D6C94AFDA595}"/>
               </a:ext>
             </a:extLst>
           </p:cNvPr>
-          <p:cNvSpPr>
-            <a:spLocks noGrp="1"/>
-          </p:cNvSpPr>
-          <p:nvPr>
-            <p:ph type="title"/>
-          </p:nvPr>
+          <p:cNvSpPr txBox="1"/>
+          <p:nvPr/>
         </p:nvSpPr>
-        <p:spPr/>
+        <p:spPr>
+          <a:xfrm>
+            <a:off x="3733950" y="325396"/>
+            <a:ext cx="264816" cy="338554"/>
+          </a:xfrm>
+          <a:prstGeom prst="rect">
+            <a:avLst/>
+          </a:prstGeom>
+          <a:noFill/>
+        </p:spPr>
         <p:txBody>
-          <a:bodyPr/>
+          <a:bodyPr wrap="none" rtlCol="0">
+            <a:spAutoFit/>
+          </a:bodyPr>
           <a:lstStyle/>
           <a:p>
-            <a:endParaRPr lang="zh-CN" altLang="en-US"/>
+            <a:r>
+              <a:rPr lang="en-US" altLang="zh-CN" sz="1600" b="1" dirty="0">
+                <a:latin typeface="Times New Roman" panose="02020603050405020304" pitchFamily="18" charset="0"/>
+                <a:cs typeface="Times New Roman" panose="02020603050405020304" pitchFamily="18" charset="0"/>
+              </a:rPr>
+              <a:t>s</a:t>
+            </a:r>
+            <a:endParaRPr lang="zh-CN" altLang="en-US" sz="1600" b="1" dirty="0">
+              <a:latin typeface="Times New Roman" panose="02020603050405020304" pitchFamily="18" charset="0"/>
+              <a:cs typeface="Times New Roman" panose="02020603050405020304" pitchFamily="18" charset="0"/>
+            </a:endParaRPr>
           </a:p>
         </p:txBody>
       </p:sp>
       <p:sp>
         <p:nvSpPr>
-          <p:cNvPr id="3" name="内容占位符 2">
+          <p:cNvPr id="91" name="文本框 90">
             <a:extLst>
               <a:ext uri="{FF2B5EF4-FFF2-40B4-BE49-F238E27FC236}">
-                <a16:creationId xmlns:a16="http://schemas.microsoft.com/office/drawing/2014/main" id="{8DD28CE5-F1FB-4FCF-9AC5-F61CF86B44EA}"/>
+                <a16:creationId xmlns:a16="http://schemas.microsoft.com/office/drawing/2014/main" id="{EF99B2CC-EB61-43DA-A5D1-5EC55CAC0F3F}"/>
               </a:ext>
             </a:extLst>
           </p:cNvPr>
-          <p:cNvSpPr>
-            <a:spLocks noGrp="1"/>
-          </p:cNvSpPr>
-          <p:nvPr>
-            <p:ph idx="1"/>
-          </p:nvPr>
+          <p:cNvSpPr txBox="1"/>
+          <p:nvPr/>
         </p:nvSpPr>
-        <p:spPr/>
+        <p:spPr>
+          <a:xfrm>
+            <a:off x="3717118" y="3155410"/>
+            <a:ext cx="298480" cy="338554"/>
+          </a:xfrm>
+          <a:prstGeom prst="rect">
+            <a:avLst/>
+          </a:prstGeom>
+          <a:noFill/>
+        </p:spPr>
         <p:txBody>
-          <a:bodyPr/>
+          <a:bodyPr wrap="none" rtlCol="0">
+            <a:spAutoFit/>
+          </a:bodyPr>
           <a:lstStyle/>
           <a:p>
-            <a:endParaRPr lang="zh-CN" altLang="en-US"/>
+            <a:r>
+              <a:rPr lang="en-US" altLang="zh-CN" sz="1600" b="1" dirty="0">
+                <a:latin typeface="Times New Roman" panose="02020603050405020304" pitchFamily="18" charset="0"/>
+                <a:cs typeface="Times New Roman" panose="02020603050405020304" pitchFamily="18" charset="0"/>
+              </a:rPr>
+              <a:t>d</a:t>
+            </a:r>
+            <a:endParaRPr lang="zh-CN" altLang="en-US" sz="1600" b="1" dirty="0">
+              <a:latin typeface="Times New Roman" panose="02020603050405020304" pitchFamily="18" charset="0"/>
+              <a:cs typeface="Times New Roman" panose="02020603050405020304" pitchFamily="18" charset="0"/>
+            </a:endParaRPr>
           </a:p>
         </p:txBody>
       </p:sp>
     </p:spTree>
     <p:extLst>
       <p:ext uri="{BB962C8B-B14F-4D97-AF65-F5344CB8AC3E}">
-        <p14:creationId xmlns:p14="http://schemas.microsoft.com/office/powerpoint/2010/main" val="4082110828"/>
+        <p14:creationId xmlns:p14="http://schemas.microsoft.com/office/powerpoint/2010/main" val="1242188443"/>
       </p:ext>
     </p:extLst>
   </p:cSld>

--- a/docs/fig1.pptx
+++ b/docs/fig1.pptx
@@ -259,7 +259,7 @@
           <a:p>
             <a:fld id="{EF689252-A834-41A6-953A-DFD5468E7F32}" type="datetimeFigureOut">
               <a:rPr lang="zh-CN" altLang="en-US" smtClean="0"/>
-              <a:t>2020/1/12</a:t>
+              <a:t>2020/1/13</a:t>
             </a:fld>
             <a:endParaRPr lang="zh-CN" altLang="en-US"/>
           </a:p>
@@ -457,7 +457,7 @@
           <a:p>
             <a:fld id="{EF689252-A834-41A6-953A-DFD5468E7F32}" type="datetimeFigureOut">
               <a:rPr lang="zh-CN" altLang="en-US" smtClean="0"/>
-              <a:t>2020/1/12</a:t>
+              <a:t>2020/1/13</a:t>
             </a:fld>
             <a:endParaRPr lang="zh-CN" altLang="en-US"/>
           </a:p>
@@ -665,7 +665,7 @@
           <a:p>
             <a:fld id="{EF689252-A834-41A6-953A-DFD5468E7F32}" type="datetimeFigureOut">
               <a:rPr lang="zh-CN" altLang="en-US" smtClean="0"/>
-              <a:t>2020/1/12</a:t>
+              <a:t>2020/1/13</a:t>
             </a:fld>
             <a:endParaRPr lang="zh-CN" altLang="en-US"/>
           </a:p>
@@ -863,7 +863,7 @@
           <a:p>
             <a:fld id="{EF689252-A834-41A6-953A-DFD5468E7F32}" type="datetimeFigureOut">
               <a:rPr lang="zh-CN" altLang="en-US" smtClean="0"/>
-              <a:t>2020/1/12</a:t>
+              <a:t>2020/1/13</a:t>
             </a:fld>
             <a:endParaRPr lang="zh-CN" altLang="en-US"/>
           </a:p>
@@ -1138,7 +1138,7 @@
           <a:p>
             <a:fld id="{EF689252-A834-41A6-953A-DFD5468E7F32}" type="datetimeFigureOut">
               <a:rPr lang="zh-CN" altLang="en-US" smtClean="0"/>
-              <a:t>2020/1/12</a:t>
+              <a:t>2020/1/13</a:t>
             </a:fld>
             <a:endParaRPr lang="zh-CN" altLang="en-US"/>
           </a:p>
@@ -1403,7 +1403,7 @@
           <a:p>
             <a:fld id="{EF689252-A834-41A6-953A-DFD5468E7F32}" type="datetimeFigureOut">
               <a:rPr lang="zh-CN" altLang="en-US" smtClean="0"/>
-              <a:t>2020/1/12</a:t>
+              <a:t>2020/1/13</a:t>
             </a:fld>
             <a:endParaRPr lang="zh-CN" altLang="en-US"/>
           </a:p>
@@ -1815,7 +1815,7 @@
           <a:p>
             <a:fld id="{EF689252-A834-41A6-953A-DFD5468E7F32}" type="datetimeFigureOut">
               <a:rPr lang="zh-CN" altLang="en-US" smtClean="0"/>
-              <a:t>2020/1/12</a:t>
+              <a:t>2020/1/13</a:t>
             </a:fld>
             <a:endParaRPr lang="zh-CN" altLang="en-US"/>
           </a:p>
@@ -1956,7 +1956,7 @@
           <a:p>
             <a:fld id="{EF689252-A834-41A6-953A-DFD5468E7F32}" type="datetimeFigureOut">
               <a:rPr lang="zh-CN" altLang="en-US" smtClean="0"/>
-              <a:t>2020/1/12</a:t>
+              <a:t>2020/1/13</a:t>
             </a:fld>
             <a:endParaRPr lang="zh-CN" altLang="en-US"/>
           </a:p>
@@ -2069,7 +2069,7 @@
           <a:p>
             <a:fld id="{EF689252-A834-41A6-953A-DFD5468E7F32}" type="datetimeFigureOut">
               <a:rPr lang="zh-CN" altLang="en-US" smtClean="0"/>
-              <a:t>2020/1/12</a:t>
+              <a:t>2020/1/13</a:t>
             </a:fld>
             <a:endParaRPr lang="zh-CN" altLang="en-US"/>
           </a:p>
@@ -2380,7 +2380,7 @@
           <a:p>
             <a:fld id="{EF689252-A834-41A6-953A-DFD5468E7F32}" type="datetimeFigureOut">
               <a:rPr lang="zh-CN" altLang="en-US" smtClean="0"/>
-              <a:t>2020/1/12</a:t>
+              <a:t>2020/1/13</a:t>
             </a:fld>
             <a:endParaRPr lang="zh-CN" altLang="en-US"/>
           </a:p>
@@ -2668,7 +2668,7 @@
           <a:p>
             <a:fld id="{EF689252-A834-41A6-953A-DFD5468E7F32}" type="datetimeFigureOut">
               <a:rPr lang="zh-CN" altLang="en-US" smtClean="0"/>
-              <a:t>2020/1/12</a:t>
+              <a:t>2020/1/13</a:t>
             </a:fld>
             <a:endParaRPr lang="zh-CN" altLang="en-US"/>
           </a:p>
@@ -2909,7 +2909,7 @@
           <a:p>
             <a:fld id="{EF689252-A834-41A6-953A-DFD5468E7F32}" type="datetimeFigureOut">
               <a:rPr lang="zh-CN" altLang="en-US" smtClean="0"/>
-              <a:t>2020/1/12</a:t>
+              <a:t>2020/1/13</a:t>
             </a:fld>
             <a:endParaRPr lang="zh-CN" altLang="en-US"/>
           </a:p>
@@ -4652,7 +4652,7 @@
             </a:prstGeom>
             <a:ln w="19050">
               <a:headEnd type="none" w="med" len="med"/>
-              <a:tailEnd type="arrow" w="med" len="med"/>
+              <a:tailEnd type="none" w="med" len="med"/>
             </a:ln>
           </p:spPr>
           <p:style>
@@ -4696,7 +4696,7 @@
             </a:prstGeom>
             <a:ln w="19050">
               <a:headEnd type="none" w="med" len="med"/>
-              <a:tailEnd type="arrow" w="med" len="med"/>
+              <a:tailEnd type="none" w="med" len="med"/>
             </a:ln>
           </p:spPr>
           <p:style>
@@ -4740,7 +4740,7 @@
             </a:prstGeom>
             <a:ln w="19050">
               <a:headEnd type="none" w="med" len="med"/>
-              <a:tailEnd type="arrow" w="med" len="med"/>
+              <a:tailEnd type="none" w="med" len="med"/>
             </a:ln>
           </p:spPr>
           <p:style>
@@ -4784,7 +4784,7 @@
             </a:prstGeom>
             <a:ln w="19050">
               <a:headEnd type="none" w="med" len="med"/>
-              <a:tailEnd type="arrow" w="med" len="med"/>
+              <a:tailEnd type="none" w="med" len="med"/>
             </a:ln>
           </p:spPr>
           <p:style>
@@ -4827,7 +4827,7 @@
             </a:prstGeom>
             <a:ln w="19050">
               <a:headEnd type="none" w="med" len="med"/>
-              <a:tailEnd type="arrow" w="med" len="med"/>
+              <a:tailEnd type="none" w="med" len="med"/>
             </a:ln>
           </p:spPr>
           <p:style>
@@ -4870,7 +4870,7 @@
             </a:prstGeom>
             <a:ln w="19050">
               <a:headEnd type="none" w="med" len="med"/>
-              <a:tailEnd type="arrow" w="med" len="med"/>
+              <a:tailEnd type="none" w="med" len="med"/>
             </a:ln>
           </p:spPr>
           <p:style>
@@ -5715,7 +5715,7 @@
               </a:prstGeom>
               <a:ln w="19050">
                 <a:headEnd type="none" w="med" len="med"/>
-                <a:tailEnd type="arrow" w="med" len="med"/>
+                <a:tailEnd type="none" w="med" len="med"/>
               </a:ln>
             </p:spPr>
             <p:style>
@@ -5759,7 +5759,7 @@
               </a:prstGeom>
               <a:ln w="19050">
                 <a:headEnd type="none" w="med" len="med"/>
-                <a:tailEnd type="arrow" w="med" len="med"/>
+                <a:tailEnd type="none" w="med" len="med"/>
               </a:ln>
             </p:spPr>
             <p:style>
@@ -5803,7 +5803,7 @@
               </a:prstGeom>
               <a:ln w="19050">
                 <a:headEnd type="none" w="med" len="med"/>
-                <a:tailEnd type="arrow" w="med" len="med"/>
+                <a:tailEnd type="none" w="med" len="med"/>
               </a:ln>
             </p:spPr>
             <p:style>
@@ -5847,7 +5847,7 @@
               </a:prstGeom>
               <a:ln w="19050">
                 <a:headEnd type="none" w="med" len="med"/>
-                <a:tailEnd type="arrow" w="med" len="med"/>
+                <a:tailEnd type="none" w="med" len="med"/>
               </a:ln>
             </p:spPr>
             <p:style>
@@ -5890,7 +5890,7 @@
               </a:prstGeom>
               <a:ln w="19050">
                 <a:headEnd type="none" w="med" len="med"/>
-                <a:tailEnd type="arrow" w="med" len="med"/>
+                <a:tailEnd type="none" w="med" len="med"/>
               </a:ln>
             </p:spPr>
             <p:style>
@@ -5933,7 +5933,7 @@
               </a:prstGeom>
               <a:ln w="19050">
                 <a:headEnd type="none" w="med" len="med"/>
-                <a:tailEnd type="arrow" w="med" len="med"/>
+                <a:tailEnd type="none" w="med" len="med"/>
               </a:ln>
             </p:spPr>
             <p:style>
@@ -8145,9 +8145,9 @@
         <p:grpSpPr>
           <a:xfrm>
             <a:off x="4905158" y="809071"/>
-            <a:ext cx="2034471" cy="2574988"/>
+            <a:ext cx="1911776" cy="2574988"/>
             <a:chOff x="6131825" y="975463"/>
-            <a:chExt cx="2034471" cy="2574988"/>
+            <a:chExt cx="1911776" cy="2574988"/>
           </a:xfrm>
         </p:grpSpPr>
         <p:grpSp>
@@ -8720,7 +8720,7 @@
               </a:prstGeom>
               <a:ln w="19050">
                 <a:headEnd type="none" w="med" len="med"/>
-                <a:tailEnd type="arrow" w="med" len="med"/>
+                <a:tailEnd type="none" w="med" len="med"/>
               </a:ln>
             </p:spPr>
             <p:style>
@@ -8764,7 +8764,7 @@
               </a:prstGeom>
               <a:ln w="19050">
                 <a:headEnd type="none" w="med" len="med"/>
-                <a:tailEnd type="arrow" w="med" len="med"/>
+                <a:tailEnd type="none" w="med" len="med"/>
               </a:ln>
             </p:spPr>
             <p:style>
@@ -8808,7 +8808,7 @@
               </a:prstGeom>
               <a:ln w="19050">
                 <a:headEnd type="none" w="med" len="med"/>
-                <a:tailEnd type="arrow" w="med" len="med"/>
+                <a:tailEnd type="none" w="med" len="med"/>
               </a:ln>
             </p:spPr>
             <p:style>
@@ -8852,7 +8852,7 @@
               </a:prstGeom>
               <a:ln w="19050">
                 <a:headEnd type="none" w="med" len="med"/>
-                <a:tailEnd type="arrow" w="med" len="med"/>
+                <a:tailEnd type="none" w="med" len="med"/>
               </a:ln>
             </p:spPr>
             <p:style>
@@ -8895,7 +8895,7 @@
               </a:prstGeom>
               <a:ln w="19050">
                 <a:headEnd type="none" w="med" len="med"/>
-                <a:tailEnd type="arrow" w="med" len="med"/>
+                <a:tailEnd type="none" w="med" len="med"/>
               </a:ln>
             </p:spPr>
             <p:style>
@@ -8938,7 +8938,7 @@
               </a:prstGeom>
               <a:ln w="19050">
                 <a:headEnd type="none" w="med" len="med"/>
-                <a:tailEnd type="arrow" w="med" len="med"/>
+                <a:tailEnd type="none" w="med" len="med"/>
               </a:ln>
             </p:spPr>
             <p:style>
@@ -8971,7 +8971,7 @@
           </p:nvSpPr>
           <p:spPr>
             <a:xfrm>
-              <a:off x="6972325" y="1572761"/>
+              <a:off x="6164752" y="1910149"/>
               <a:ext cx="318898" cy="357166"/>
             </a:xfrm>
             <a:prstGeom prst="mathMultiply">
@@ -9025,7 +9025,7 @@
           </p:nvSpPr>
           <p:spPr>
             <a:xfrm>
-              <a:off x="7165702" y="1691925"/>
+              <a:off x="7043007" y="1699816"/>
               <a:ext cx="1000594" cy="523220"/>
             </a:xfrm>
             <a:prstGeom prst="rect">
@@ -9412,7 +9412,7 @@
               </a:prstGeom>
               <a:ln w="19050">
                 <a:headEnd type="none" w="med" len="med"/>
-                <a:tailEnd type="arrow" w="med" len="med"/>
+                <a:tailEnd type="none" w="med" len="med"/>
               </a:ln>
             </p:spPr>
             <p:style>
@@ -9456,7 +9456,7 @@
               </a:prstGeom>
               <a:ln w="19050">
                 <a:headEnd type="none" w="med" len="med"/>
-                <a:tailEnd type="arrow" w="med" len="med"/>
+                <a:tailEnd type="none" w="med" len="med"/>
               </a:ln>
             </p:spPr>
             <p:style>
@@ -9500,7 +9500,7 @@
               </a:prstGeom>
               <a:ln w="19050">
                 <a:headEnd type="none" w="med" len="med"/>
-                <a:tailEnd type="arrow" w="med" len="med"/>
+                <a:tailEnd type="none" w="med" len="med"/>
               </a:ln>
             </p:spPr>
             <p:style>
@@ -9544,7 +9544,7 @@
               </a:prstGeom>
               <a:ln w="19050">
                 <a:headEnd type="none" w="med" len="med"/>
-                <a:tailEnd type="arrow" w="med" len="med"/>
+                <a:tailEnd type="none" w="med" len="med"/>
               </a:ln>
             </p:spPr>
             <p:style>
@@ -9587,7 +9587,7 @@
               </a:prstGeom>
               <a:ln w="19050">
                 <a:headEnd type="none" w="med" len="med"/>
-                <a:tailEnd type="arrow" w="med" len="med"/>
+                <a:tailEnd type="none" w="med" len="med"/>
               </a:ln>
             </p:spPr>
             <p:style>
@@ -9630,7 +9630,7 @@
               </a:prstGeom>
               <a:ln w="19050">
                 <a:headEnd type="none" w="med" len="med"/>
-                <a:tailEnd type="arrow" w="med" len="med"/>
+                <a:tailEnd type="none" w="med" len="med"/>
               </a:ln>
             </p:spPr>
             <p:style>
@@ -19197,6 +19197,168 @@
           </a:p>
         </p:txBody>
       </p:sp>
+      <p:sp>
+        <p:nvSpPr>
+          <p:cNvPr id="92" name="乘号 91">
+            <a:extLst>
+              <a:ext uri="{FF2B5EF4-FFF2-40B4-BE49-F238E27FC236}">
+                <a16:creationId xmlns:a16="http://schemas.microsoft.com/office/drawing/2014/main" id="{58DCE110-7E1A-4FD1-9B10-C5339AA059AB}"/>
+              </a:ext>
+            </a:extLst>
+          </p:cNvPr>
+          <p:cNvSpPr/>
+          <p:nvPr/>
+        </p:nvSpPr>
+        <p:spPr>
+          <a:xfrm>
+            <a:off x="5613085" y="1984701"/>
+            <a:ext cx="318898" cy="357166"/>
+          </a:xfrm>
+          <a:prstGeom prst="mathMultiply">
+            <a:avLst>
+              <a:gd name="adj1" fmla="val 14498"/>
+            </a:avLst>
+          </a:prstGeom>
+          <a:solidFill>
+            <a:srgbClr val="990000"/>
+          </a:solidFill>
+          <a:ln>
+            <a:noFill/>
+          </a:ln>
+        </p:spPr>
+        <p:style>
+          <a:lnRef idx="2">
+            <a:schemeClr val="accent1">
+              <a:shade val="50000"/>
+            </a:schemeClr>
+          </a:lnRef>
+          <a:fillRef idx="1">
+            <a:schemeClr val="accent1"/>
+          </a:fillRef>
+          <a:effectRef idx="0">
+            <a:schemeClr val="accent1"/>
+          </a:effectRef>
+          <a:fontRef idx="minor">
+            <a:schemeClr val="lt1"/>
+          </a:fontRef>
+        </p:style>
+        <p:txBody>
+          <a:bodyPr rtlCol="0" anchor="ctr"/>
+          <a:lstStyle/>
+          <a:p>
+            <a:pPr algn="ctr"/>
+            <a:endParaRPr lang="zh-CN" altLang="en-US" dirty="0"/>
+          </a:p>
+        </p:txBody>
+      </p:sp>
+      <p:sp>
+        <p:nvSpPr>
+          <p:cNvPr id="93" name="乘号 92">
+            <a:extLst>
+              <a:ext uri="{FF2B5EF4-FFF2-40B4-BE49-F238E27FC236}">
+                <a16:creationId xmlns:a16="http://schemas.microsoft.com/office/drawing/2014/main" id="{670FCE5C-3322-4915-A028-376FF8F50C02}"/>
+              </a:ext>
+            </a:extLst>
+          </p:cNvPr>
+          <p:cNvSpPr/>
+          <p:nvPr/>
+        </p:nvSpPr>
+        <p:spPr>
+          <a:xfrm>
+            <a:off x="5266216" y="1166712"/>
+            <a:ext cx="318898" cy="357166"/>
+          </a:xfrm>
+          <a:prstGeom prst="mathMultiply">
+            <a:avLst>
+              <a:gd name="adj1" fmla="val 14498"/>
+            </a:avLst>
+          </a:prstGeom>
+          <a:solidFill>
+            <a:srgbClr val="990000"/>
+          </a:solidFill>
+          <a:ln>
+            <a:noFill/>
+          </a:ln>
+        </p:spPr>
+        <p:style>
+          <a:lnRef idx="2">
+            <a:schemeClr val="accent1">
+              <a:shade val="50000"/>
+            </a:schemeClr>
+          </a:lnRef>
+          <a:fillRef idx="1">
+            <a:schemeClr val="accent1"/>
+          </a:fillRef>
+          <a:effectRef idx="0">
+            <a:schemeClr val="accent1"/>
+          </a:effectRef>
+          <a:fontRef idx="minor">
+            <a:schemeClr val="lt1"/>
+          </a:fontRef>
+        </p:style>
+        <p:txBody>
+          <a:bodyPr rtlCol="0" anchor="ctr"/>
+          <a:lstStyle/>
+          <a:p>
+            <a:pPr algn="ctr"/>
+            <a:endParaRPr lang="zh-CN" altLang="en-US" dirty="0"/>
+          </a:p>
+        </p:txBody>
+      </p:sp>
+      <p:sp>
+        <p:nvSpPr>
+          <p:cNvPr id="94" name="乘号 93">
+            <a:extLst>
+              <a:ext uri="{FF2B5EF4-FFF2-40B4-BE49-F238E27FC236}">
+                <a16:creationId xmlns:a16="http://schemas.microsoft.com/office/drawing/2014/main" id="{309F1FB1-2E21-4F4C-A7CF-DC92AC328B9F}"/>
+              </a:ext>
+            </a:extLst>
+          </p:cNvPr>
+          <p:cNvSpPr/>
+          <p:nvPr/>
+        </p:nvSpPr>
+        <p:spPr>
+          <a:xfrm>
+            <a:off x="5266216" y="2550449"/>
+            <a:ext cx="318898" cy="357166"/>
+          </a:xfrm>
+          <a:prstGeom prst="mathMultiply">
+            <a:avLst>
+              <a:gd name="adj1" fmla="val 14498"/>
+            </a:avLst>
+          </a:prstGeom>
+          <a:solidFill>
+            <a:srgbClr val="990000"/>
+          </a:solidFill>
+          <a:ln>
+            <a:noFill/>
+          </a:ln>
+        </p:spPr>
+        <p:style>
+          <a:lnRef idx="2">
+            <a:schemeClr val="accent1">
+              <a:shade val="50000"/>
+            </a:schemeClr>
+          </a:lnRef>
+          <a:fillRef idx="1">
+            <a:schemeClr val="accent1"/>
+          </a:fillRef>
+          <a:effectRef idx="0">
+            <a:schemeClr val="accent1"/>
+          </a:effectRef>
+          <a:fontRef idx="minor">
+            <a:schemeClr val="lt1"/>
+          </a:fontRef>
+        </p:style>
+        <p:txBody>
+          <a:bodyPr rtlCol="0" anchor="ctr"/>
+          <a:lstStyle/>
+          <a:p>
+            <a:pPr algn="ctr"/>
+            <a:endParaRPr lang="zh-CN" altLang="en-US" dirty="0"/>
+          </a:p>
+        </p:txBody>
+      </p:sp>
     </p:spTree>
     <p:extLst>
       <p:ext uri="{BB962C8B-B14F-4D97-AF65-F5344CB8AC3E}">

--- a/docs/fig1.pptx
+++ b/docs/fig1.pptx
@@ -3326,6 +3326,2573 @@
           <a:chExt cx="0" cy="0"/>
         </a:xfrm>
       </p:grpSpPr>
+      <p:sp>
+        <p:nvSpPr>
+          <p:cNvPr id="8" name="任意多边形: 形状 7">
+            <a:extLst>
+              <a:ext uri="{FF2B5EF4-FFF2-40B4-BE49-F238E27FC236}">
+                <a16:creationId xmlns:a16="http://schemas.microsoft.com/office/drawing/2014/main" id="{F8F8B786-118E-4E6E-8C91-746D17187E91}"/>
+              </a:ext>
+            </a:extLst>
+          </p:cNvPr>
+          <p:cNvSpPr/>
+          <p:nvPr/>
+        </p:nvSpPr>
+        <p:spPr>
+          <a:xfrm>
+            <a:off x="3249234" y="752349"/>
+            <a:ext cx="1251633" cy="2291440"/>
+          </a:xfrm>
+          <a:custGeom>
+            <a:avLst/>
+            <a:gdLst>
+              <a:gd name="connsiteX0" fmla="*/ 750085 w 1988685"/>
+              <a:gd name="connsiteY0" fmla="*/ 2290439 h 2290439"/>
+              <a:gd name="connsiteX1" fmla="*/ 750085 w 1988685"/>
+              <a:gd name="connsiteY1" fmla="*/ 2290439 h 2290439"/>
+              <a:gd name="connsiteX2" fmla="*/ 687941 w 1988685"/>
+              <a:gd name="connsiteY2" fmla="*/ 2237173 h 2290439"/>
+              <a:gd name="connsiteX3" fmla="*/ 554776 w 1988685"/>
+              <a:gd name="connsiteY3" fmla="*/ 2130641 h 2290439"/>
+              <a:gd name="connsiteX4" fmla="*/ 412733 w 1988685"/>
+              <a:gd name="connsiteY4" fmla="*/ 1961965 h 2290439"/>
+              <a:gd name="connsiteX5" fmla="*/ 315079 w 1988685"/>
+              <a:gd name="connsiteY5" fmla="*/ 1846556 h 2290439"/>
+              <a:gd name="connsiteX6" fmla="*/ 297324 w 1988685"/>
+              <a:gd name="connsiteY6" fmla="*/ 1819923 h 2290439"/>
+              <a:gd name="connsiteX7" fmla="*/ 75382 w 1988685"/>
+              <a:gd name="connsiteY7" fmla="*/ 1526959 h 2290439"/>
+              <a:gd name="connsiteX8" fmla="*/ 22116 w 1988685"/>
+              <a:gd name="connsiteY8" fmla="*/ 1402672 h 2290439"/>
+              <a:gd name="connsiteX9" fmla="*/ 30994 w 1988685"/>
+              <a:gd name="connsiteY9" fmla="*/ 905523 h 2290439"/>
+              <a:gd name="connsiteX10" fmla="*/ 39871 w 1988685"/>
+              <a:gd name="connsiteY10" fmla="*/ 870012 h 2290439"/>
+              <a:gd name="connsiteX11" fmla="*/ 119770 w 1988685"/>
+              <a:gd name="connsiteY11" fmla="*/ 656948 h 2290439"/>
+              <a:gd name="connsiteX12" fmla="*/ 128648 w 1988685"/>
+              <a:gd name="connsiteY12" fmla="*/ 630315 h 2290439"/>
+              <a:gd name="connsiteX13" fmla="*/ 217425 w 1988685"/>
+              <a:gd name="connsiteY13" fmla="*/ 435006 h 2290439"/>
+              <a:gd name="connsiteX14" fmla="*/ 226302 w 1988685"/>
+              <a:gd name="connsiteY14" fmla="*/ 399495 h 2290439"/>
+              <a:gd name="connsiteX15" fmla="*/ 341712 w 1988685"/>
+              <a:gd name="connsiteY15" fmla="*/ 221942 h 2290439"/>
+              <a:gd name="connsiteX16" fmla="*/ 457122 w 1988685"/>
+              <a:gd name="connsiteY16" fmla="*/ 97655 h 2290439"/>
+              <a:gd name="connsiteX17" fmla="*/ 652430 w 1988685"/>
+              <a:gd name="connsiteY17" fmla="*/ 35511 h 2290439"/>
+              <a:gd name="connsiteX18" fmla="*/ 918761 w 1988685"/>
+              <a:gd name="connsiteY18" fmla="*/ 0 h 2290439"/>
+              <a:gd name="connsiteX19" fmla="*/ 1167335 w 1988685"/>
+              <a:gd name="connsiteY19" fmla="*/ 26633 h 2290439"/>
+              <a:gd name="connsiteX20" fmla="*/ 1291623 w 1988685"/>
+              <a:gd name="connsiteY20" fmla="*/ 79899 h 2290439"/>
+              <a:gd name="connsiteX21" fmla="*/ 1424788 w 1988685"/>
+              <a:gd name="connsiteY21" fmla="*/ 150921 h 2290439"/>
+              <a:gd name="connsiteX22" fmla="*/ 1531320 w 1988685"/>
+              <a:gd name="connsiteY22" fmla="*/ 221942 h 2290439"/>
+              <a:gd name="connsiteX23" fmla="*/ 1682240 w 1988685"/>
+              <a:gd name="connsiteY23" fmla="*/ 381740 h 2290439"/>
+              <a:gd name="connsiteX24" fmla="*/ 1815405 w 1988685"/>
+              <a:gd name="connsiteY24" fmla="*/ 621437 h 2290439"/>
+              <a:gd name="connsiteX25" fmla="*/ 1824283 w 1988685"/>
+              <a:gd name="connsiteY25" fmla="*/ 648070 h 2290439"/>
+              <a:gd name="connsiteX26" fmla="*/ 1957448 w 1988685"/>
+              <a:gd name="connsiteY26" fmla="*/ 932156 h 2290439"/>
+              <a:gd name="connsiteX27" fmla="*/ 1975203 w 1988685"/>
+              <a:gd name="connsiteY27" fmla="*/ 1020932 h 2290439"/>
+              <a:gd name="connsiteX28" fmla="*/ 1966326 w 1988685"/>
+              <a:gd name="connsiteY28" fmla="*/ 1633492 h 2290439"/>
+              <a:gd name="connsiteX29" fmla="*/ 1939693 w 1988685"/>
+              <a:gd name="connsiteY29" fmla="*/ 1713391 h 2290439"/>
+              <a:gd name="connsiteX30" fmla="*/ 1859794 w 1988685"/>
+              <a:gd name="connsiteY30" fmla="*/ 1855433 h 2290439"/>
+              <a:gd name="connsiteX31" fmla="*/ 1744384 w 1988685"/>
+              <a:gd name="connsiteY31" fmla="*/ 1961965 h 2290439"/>
+              <a:gd name="connsiteX32" fmla="*/ 1602341 w 1988685"/>
+              <a:gd name="connsiteY32" fmla="*/ 2041864 h 2290439"/>
+              <a:gd name="connsiteX33" fmla="*/ 1495809 w 1988685"/>
+              <a:gd name="connsiteY33" fmla="*/ 2104008 h 2290439"/>
+              <a:gd name="connsiteX34" fmla="*/ 1451421 w 1988685"/>
+              <a:gd name="connsiteY34" fmla="*/ 2121763 h 2290439"/>
+              <a:gd name="connsiteX35" fmla="*/ 1344889 w 1988685"/>
+              <a:gd name="connsiteY35" fmla="*/ 2148396 h 2290439"/>
+              <a:gd name="connsiteX36" fmla="*/ 1273867 w 1988685"/>
+              <a:gd name="connsiteY36" fmla="*/ 2175029 h 2290439"/>
+              <a:gd name="connsiteX37" fmla="*/ 1176213 w 1988685"/>
+              <a:gd name="connsiteY37" fmla="*/ 2192785 h 2290439"/>
+              <a:gd name="connsiteX38" fmla="*/ 1078559 w 1988685"/>
+              <a:gd name="connsiteY38" fmla="*/ 2219418 h 2290439"/>
+              <a:gd name="connsiteX39" fmla="*/ 945394 w 1988685"/>
+              <a:gd name="connsiteY39" fmla="*/ 2228295 h 2290439"/>
+              <a:gd name="connsiteX40" fmla="*/ 909883 w 1988685"/>
+              <a:gd name="connsiteY40" fmla="*/ 2237173 h 2290439"/>
+              <a:gd name="connsiteX41" fmla="*/ 883250 w 1988685"/>
+              <a:gd name="connsiteY41" fmla="*/ 2246051 h 2290439"/>
+              <a:gd name="connsiteX42" fmla="*/ 794473 w 1988685"/>
+              <a:gd name="connsiteY42" fmla="*/ 2263806 h 2290439"/>
+              <a:gd name="connsiteX43" fmla="*/ 750085 w 1988685"/>
+              <a:gd name="connsiteY43" fmla="*/ 2290439 h 2290439"/>
+              <a:gd name="connsiteX0" fmla="*/ 750085 w 1988685"/>
+              <a:gd name="connsiteY0" fmla="*/ 2290439 h 2290439"/>
+              <a:gd name="connsiteX1" fmla="*/ 750085 w 1988685"/>
+              <a:gd name="connsiteY1" fmla="*/ 2290439 h 2290439"/>
+              <a:gd name="connsiteX2" fmla="*/ 687941 w 1988685"/>
+              <a:gd name="connsiteY2" fmla="*/ 2237173 h 2290439"/>
+              <a:gd name="connsiteX3" fmla="*/ 554776 w 1988685"/>
+              <a:gd name="connsiteY3" fmla="*/ 2130641 h 2290439"/>
+              <a:gd name="connsiteX4" fmla="*/ 412733 w 1988685"/>
+              <a:gd name="connsiteY4" fmla="*/ 1961965 h 2290439"/>
+              <a:gd name="connsiteX5" fmla="*/ 315079 w 1988685"/>
+              <a:gd name="connsiteY5" fmla="*/ 1846556 h 2290439"/>
+              <a:gd name="connsiteX6" fmla="*/ 297324 w 1988685"/>
+              <a:gd name="connsiteY6" fmla="*/ 1819923 h 2290439"/>
+              <a:gd name="connsiteX7" fmla="*/ 75382 w 1988685"/>
+              <a:gd name="connsiteY7" fmla="*/ 1526959 h 2290439"/>
+              <a:gd name="connsiteX8" fmla="*/ 22116 w 1988685"/>
+              <a:gd name="connsiteY8" fmla="*/ 1402672 h 2290439"/>
+              <a:gd name="connsiteX9" fmla="*/ 30994 w 1988685"/>
+              <a:gd name="connsiteY9" fmla="*/ 905523 h 2290439"/>
+              <a:gd name="connsiteX10" fmla="*/ 39871 w 1988685"/>
+              <a:gd name="connsiteY10" fmla="*/ 870012 h 2290439"/>
+              <a:gd name="connsiteX11" fmla="*/ 119770 w 1988685"/>
+              <a:gd name="connsiteY11" fmla="*/ 656948 h 2290439"/>
+              <a:gd name="connsiteX12" fmla="*/ 128648 w 1988685"/>
+              <a:gd name="connsiteY12" fmla="*/ 630315 h 2290439"/>
+              <a:gd name="connsiteX13" fmla="*/ 217425 w 1988685"/>
+              <a:gd name="connsiteY13" fmla="*/ 435006 h 2290439"/>
+              <a:gd name="connsiteX14" fmla="*/ 226302 w 1988685"/>
+              <a:gd name="connsiteY14" fmla="*/ 399495 h 2290439"/>
+              <a:gd name="connsiteX15" fmla="*/ 341712 w 1988685"/>
+              <a:gd name="connsiteY15" fmla="*/ 221942 h 2290439"/>
+              <a:gd name="connsiteX16" fmla="*/ 457122 w 1988685"/>
+              <a:gd name="connsiteY16" fmla="*/ 97655 h 2290439"/>
+              <a:gd name="connsiteX17" fmla="*/ 652430 w 1988685"/>
+              <a:gd name="connsiteY17" fmla="*/ 35511 h 2290439"/>
+              <a:gd name="connsiteX18" fmla="*/ 918761 w 1988685"/>
+              <a:gd name="connsiteY18" fmla="*/ 0 h 2290439"/>
+              <a:gd name="connsiteX19" fmla="*/ 1167335 w 1988685"/>
+              <a:gd name="connsiteY19" fmla="*/ 26633 h 2290439"/>
+              <a:gd name="connsiteX20" fmla="*/ 1291623 w 1988685"/>
+              <a:gd name="connsiteY20" fmla="*/ 79899 h 2290439"/>
+              <a:gd name="connsiteX21" fmla="*/ 1424788 w 1988685"/>
+              <a:gd name="connsiteY21" fmla="*/ 150921 h 2290439"/>
+              <a:gd name="connsiteX22" fmla="*/ 1531320 w 1988685"/>
+              <a:gd name="connsiteY22" fmla="*/ 221942 h 2290439"/>
+              <a:gd name="connsiteX23" fmla="*/ 1682240 w 1988685"/>
+              <a:gd name="connsiteY23" fmla="*/ 381740 h 2290439"/>
+              <a:gd name="connsiteX24" fmla="*/ 1815405 w 1988685"/>
+              <a:gd name="connsiteY24" fmla="*/ 621437 h 2290439"/>
+              <a:gd name="connsiteX25" fmla="*/ 1824283 w 1988685"/>
+              <a:gd name="connsiteY25" fmla="*/ 648070 h 2290439"/>
+              <a:gd name="connsiteX26" fmla="*/ 1957448 w 1988685"/>
+              <a:gd name="connsiteY26" fmla="*/ 932156 h 2290439"/>
+              <a:gd name="connsiteX27" fmla="*/ 1975203 w 1988685"/>
+              <a:gd name="connsiteY27" fmla="*/ 1020932 h 2290439"/>
+              <a:gd name="connsiteX28" fmla="*/ 1966326 w 1988685"/>
+              <a:gd name="connsiteY28" fmla="*/ 1633492 h 2290439"/>
+              <a:gd name="connsiteX29" fmla="*/ 1939693 w 1988685"/>
+              <a:gd name="connsiteY29" fmla="*/ 1713391 h 2290439"/>
+              <a:gd name="connsiteX30" fmla="*/ 1859794 w 1988685"/>
+              <a:gd name="connsiteY30" fmla="*/ 1855433 h 2290439"/>
+              <a:gd name="connsiteX31" fmla="*/ 1744384 w 1988685"/>
+              <a:gd name="connsiteY31" fmla="*/ 1961965 h 2290439"/>
+              <a:gd name="connsiteX32" fmla="*/ 1602341 w 1988685"/>
+              <a:gd name="connsiteY32" fmla="*/ 2041864 h 2290439"/>
+              <a:gd name="connsiteX33" fmla="*/ 1495809 w 1988685"/>
+              <a:gd name="connsiteY33" fmla="*/ 2104008 h 2290439"/>
+              <a:gd name="connsiteX34" fmla="*/ 1451421 w 1988685"/>
+              <a:gd name="connsiteY34" fmla="*/ 2121763 h 2290439"/>
+              <a:gd name="connsiteX35" fmla="*/ 1344889 w 1988685"/>
+              <a:gd name="connsiteY35" fmla="*/ 2148396 h 2290439"/>
+              <a:gd name="connsiteX36" fmla="*/ 1273867 w 1988685"/>
+              <a:gd name="connsiteY36" fmla="*/ 2175029 h 2290439"/>
+              <a:gd name="connsiteX37" fmla="*/ 1176213 w 1988685"/>
+              <a:gd name="connsiteY37" fmla="*/ 2192785 h 2290439"/>
+              <a:gd name="connsiteX38" fmla="*/ 1078559 w 1988685"/>
+              <a:gd name="connsiteY38" fmla="*/ 2219418 h 2290439"/>
+              <a:gd name="connsiteX39" fmla="*/ 945394 w 1988685"/>
+              <a:gd name="connsiteY39" fmla="*/ 2228295 h 2290439"/>
+              <a:gd name="connsiteX40" fmla="*/ 909883 w 1988685"/>
+              <a:gd name="connsiteY40" fmla="*/ 2237173 h 2290439"/>
+              <a:gd name="connsiteX41" fmla="*/ 794473 w 1988685"/>
+              <a:gd name="connsiteY41" fmla="*/ 2263806 h 2290439"/>
+              <a:gd name="connsiteX42" fmla="*/ 750085 w 1988685"/>
+              <a:gd name="connsiteY42" fmla="*/ 2290439 h 2290439"/>
+              <a:gd name="connsiteX0" fmla="*/ 750085 w 1988685"/>
+              <a:gd name="connsiteY0" fmla="*/ 2290439 h 2290439"/>
+              <a:gd name="connsiteX1" fmla="*/ 750085 w 1988685"/>
+              <a:gd name="connsiteY1" fmla="*/ 2290439 h 2290439"/>
+              <a:gd name="connsiteX2" fmla="*/ 687941 w 1988685"/>
+              <a:gd name="connsiteY2" fmla="*/ 2237173 h 2290439"/>
+              <a:gd name="connsiteX3" fmla="*/ 554776 w 1988685"/>
+              <a:gd name="connsiteY3" fmla="*/ 2130641 h 2290439"/>
+              <a:gd name="connsiteX4" fmla="*/ 412733 w 1988685"/>
+              <a:gd name="connsiteY4" fmla="*/ 1961965 h 2290439"/>
+              <a:gd name="connsiteX5" fmla="*/ 315079 w 1988685"/>
+              <a:gd name="connsiteY5" fmla="*/ 1846556 h 2290439"/>
+              <a:gd name="connsiteX6" fmla="*/ 297324 w 1988685"/>
+              <a:gd name="connsiteY6" fmla="*/ 1819923 h 2290439"/>
+              <a:gd name="connsiteX7" fmla="*/ 75382 w 1988685"/>
+              <a:gd name="connsiteY7" fmla="*/ 1526959 h 2290439"/>
+              <a:gd name="connsiteX8" fmla="*/ 22116 w 1988685"/>
+              <a:gd name="connsiteY8" fmla="*/ 1402672 h 2290439"/>
+              <a:gd name="connsiteX9" fmla="*/ 30994 w 1988685"/>
+              <a:gd name="connsiteY9" fmla="*/ 905523 h 2290439"/>
+              <a:gd name="connsiteX10" fmla="*/ 39871 w 1988685"/>
+              <a:gd name="connsiteY10" fmla="*/ 870012 h 2290439"/>
+              <a:gd name="connsiteX11" fmla="*/ 119770 w 1988685"/>
+              <a:gd name="connsiteY11" fmla="*/ 656948 h 2290439"/>
+              <a:gd name="connsiteX12" fmla="*/ 128648 w 1988685"/>
+              <a:gd name="connsiteY12" fmla="*/ 630315 h 2290439"/>
+              <a:gd name="connsiteX13" fmla="*/ 217425 w 1988685"/>
+              <a:gd name="connsiteY13" fmla="*/ 435006 h 2290439"/>
+              <a:gd name="connsiteX14" fmla="*/ 226302 w 1988685"/>
+              <a:gd name="connsiteY14" fmla="*/ 399495 h 2290439"/>
+              <a:gd name="connsiteX15" fmla="*/ 341712 w 1988685"/>
+              <a:gd name="connsiteY15" fmla="*/ 221942 h 2290439"/>
+              <a:gd name="connsiteX16" fmla="*/ 457122 w 1988685"/>
+              <a:gd name="connsiteY16" fmla="*/ 97655 h 2290439"/>
+              <a:gd name="connsiteX17" fmla="*/ 652430 w 1988685"/>
+              <a:gd name="connsiteY17" fmla="*/ 35511 h 2290439"/>
+              <a:gd name="connsiteX18" fmla="*/ 918761 w 1988685"/>
+              <a:gd name="connsiteY18" fmla="*/ 0 h 2290439"/>
+              <a:gd name="connsiteX19" fmla="*/ 1167335 w 1988685"/>
+              <a:gd name="connsiteY19" fmla="*/ 26633 h 2290439"/>
+              <a:gd name="connsiteX20" fmla="*/ 1291623 w 1988685"/>
+              <a:gd name="connsiteY20" fmla="*/ 79899 h 2290439"/>
+              <a:gd name="connsiteX21" fmla="*/ 1424788 w 1988685"/>
+              <a:gd name="connsiteY21" fmla="*/ 150921 h 2290439"/>
+              <a:gd name="connsiteX22" fmla="*/ 1531320 w 1988685"/>
+              <a:gd name="connsiteY22" fmla="*/ 221942 h 2290439"/>
+              <a:gd name="connsiteX23" fmla="*/ 1682240 w 1988685"/>
+              <a:gd name="connsiteY23" fmla="*/ 381740 h 2290439"/>
+              <a:gd name="connsiteX24" fmla="*/ 1815405 w 1988685"/>
+              <a:gd name="connsiteY24" fmla="*/ 621437 h 2290439"/>
+              <a:gd name="connsiteX25" fmla="*/ 1824283 w 1988685"/>
+              <a:gd name="connsiteY25" fmla="*/ 648070 h 2290439"/>
+              <a:gd name="connsiteX26" fmla="*/ 1957448 w 1988685"/>
+              <a:gd name="connsiteY26" fmla="*/ 932156 h 2290439"/>
+              <a:gd name="connsiteX27" fmla="*/ 1975203 w 1988685"/>
+              <a:gd name="connsiteY27" fmla="*/ 1020932 h 2290439"/>
+              <a:gd name="connsiteX28" fmla="*/ 1966326 w 1988685"/>
+              <a:gd name="connsiteY28" fmla="*/ 1633492 h 2290439"/>
+              <a:gd name="connsiteX29" fmla="*/ 1939693 w 1988685"/>
+              <a:gd name="connsiteY29" fmla="*/ 1713391 h 2290439"/>
+              <a:gd name="connsiteX30" fmla="*/ 1859794 w 1988685"/>
+              <a:gd name="connsiteY30" fmla="*/ 1855433 h 2290439"/>
+              <a:gd name="connsiteX31" fmla="*/ 1744384 w 1988685"/>
+              <a:gd name="connsiteY31" fmla="*/ 1961965 h 2290439"/>
+              <a:gd name="connsiteX32" fmla="*/ 1602341 w 1988685"/>
+              <a:gd name="connsiteY32" fmla="*/ 2041864 h 2290439"/>
+              <a:gd name="connsiteX33" fmla="*/ 1495809 w 1988685"/>
+              <a:gd name="connsiteY33" fmla="*/ 2104008 h 2290439"/>
+              <a:gd name="connsiteX34" fmla="*/ 1451421 w 1988685"/>
+              <a:gd name="connsiteY34" fmla="*/ 2121763 h 2290439"/>
+              <a:gd name="connsiteX35" fmla="*/ 1344889 w 1988685"/>
+              <a:gd name="connsiteY35" fmla="*/ 2148396 h 2290439"/>
+              <a:gd name="connsiteX36" fmla="*/ 1273867 w 1988685"/>
+              <a:gd name="connsiteY36" fmla="*/ 2175029 h 2290439"/>
+              <a:gd name="connsiteX37" fmla="*/ 1176213 w 1988685"/>
+              <a:gd name="connsiteY37" fmla="*/ 2192785 h 2290439"/>
+              <a:gd name="connsiteX38" fmla="*/ 1078559 w 1988685"/>
+              <a:gd name="connsiteY38" fmla="*/ 2219418 h 2290439"/>
+              <a:gd name="connsiteX39" fmla="*/ 945394 w 1988685"/>
+              <a:gd name="connsiteY39" fmla="*/ 2228295 h 2290439"/>
+              <a:gd name="connsiteX40" fmla="*/ 794473 w 1988685"/>
+              <a:gd name="connsiteY40" fmla="*/ 2263806 h 2290439"/>
+              <a:gd name="connsiteX41" fmla="*/ 750085 w 1988685"/>
+              <a:gd name="connsiteY41" fmla="*/ 2290439 h 2290439"/>
+              <a:gd name="connsiteX0" fmla="*/ 750085 w 1988685"/>
+              <a:gd name="connsiteY0" fmla="*/ 2290439 h 2290439"/>
+              <a:gd name="connsiteX1" fmla="*/ 750085 w 1988685"/>
+              <a:gd name="connsiteY1" fmla="*/ 2290439 h 2290439"/>
+              <a:gd name="connsiteX2" fmla="*/ 687941 w 1988685"/>
+              <a:gd name="connsiteY2" fmla="*/ 2237173 h 2290439"/>
+              <a:gd name="connsiteX3" fmla="*/ 554776 w 1988685"/>
+              <a:gd name="connsiteY3" fmla="*/ 2130641 h 2290439"/>
+              <a:gd name="connsiteX4" fmla="*/ 412733 w 1988685"/>
+              <a:gd name="connsiteY4" fmla="*/ 1961965 h 2290439"/>
+              <a:gd name="connsiteX5" fmla="*/ 315079 w 1988685"/>
+              <a:gd name="connsiteY5" fmla="*/ 1846556 h 2290439"/>
+              <a:gd name="connsiteX6" fmla="*/ 297324 w 1988685"/>
+              <a:gd name="connsiteY6" fmla="*/ 1819923 h 2290439"/>
+              <a:gd name="connsiteX7" fmla="*/ 75382 w 1988685"/>
+              <a:gd name="connsiteY7" fmla="*/ 1526959 h 2290439"/>
+              <a:gd name="connsiteX8" fmla="*/ 22116 w 1988685"/>
+              <a:gd name="connsiteY8" fmla="*/ 1402672 h 2290439"/>
+              <a:gd name="connsiteX9" fmla="*/ 30994 w 1988685"/>
+              <a:gd name="connsiteY9" fmla="*/ 905523 h 2290439"/>
+              <a:gd name="connsiteX10" fmla="*/ 39871 w 1988685"/>
+              <a:gd name="connsiteY10" fmla="*/ 870012 h 2290439"/>
+              <a:gd name="connsiteX11" fmla="*/ 119770 w 1988685"/>
+              <a:gd name="connsiteY11" fmla="*/ 656948 h 2290439"/>
+              <a:gd name="connsiteX12" fmla="*/ 128648 w 1988685"/>
+              <a:gd name="connsiteY12" fmla="*/ 630315 h 2290439"/>
+              <a:gd name="connsiteX13" fmla="*/ 217425 w 1988685"/>
+              <a:gd name="connsiteY13" fmla="*/ 435006 h 2290439"/>
+              <a:gd name="connsiteX14" fmla="*/ 226302 w 1988685"/>
+              <a:gd name="connsiteY14" fmla="*/ 399495 h 2290439"/>
+              <a:gd name="connsiteX15" fmla="*/ 341712 w 1988685"/>
+              <a:gd name="connsiteY15" fmla="*/ 221942 h 2290439"/>
+              <a:gd name="connsiteX16" fmla="*/ 457122 w 1988685"/>
+              <a:gd name="connsiteY16" fmla="*/ 97655 h 2290439"/>
+              <a:gd name="connsiteX17" fmla="*/ 652430 w 1988685"/>
+              <a:gd name="connsiteY17" fmla="*/ 35511 h 2290439"/>
+              <a:gd name="connsiteX18" fmla="*/ 918761 w 1988685"/>
+              <a:gd name="connsiteY18" fmla="*/ 0 h 2290439"/>
+              <a:gd name="connsiteX19" fmla="*/ 1167335 w 1988685"/>
+              <a:gd name="connsiteY19" fmla="*/ 26633 h 2290439"/>
+              <a:gd name="connsiteX20" fmla="*/ 1291623 w 1988685"/>
+              <a:gd name="connsiteY20" fmla="*/ 79899 h 2290439"/>
+              <a:gd name="connsiteX21" fmla="*/ 1424788 w 1988685"/>
+              <a:gd name="connsiteY21" fmla="*/ 150921 h 2290439"/>
+              <a:gd name="connsiteX22" fmla="*/ 1531320 w 1988685"/>
+              <a:gd name="connsiteY22" fmla="*/ 221942 h 2290439"/>
+              <a:gd name="connsiteX23" fmla="*/ 1682240 w 1988685"/>
+              <a:gd name="connsiteY23" fmla="*/ 381740 h 2290439"/>
+              <a:gd name="connsiteX24" fmla="*/ 1815405 w 1988685"/>
+              <a:gd name="connsiteY24" fmla="*/ 621437 h 2290439"/>
+              <a:gd name="connsiteX25" fmla="*/ 1824283 w 1988685"/>
+              <a:gd name="connsiteY25" fmla="*/ 648070 h 2290439"/>
+              <a:gd name="connsiteX26" fmla="*/ 1957448 w 1988685"/>
+              <a:gd name="connsiteY26" fmla="*/ 932156 h 2290439"/>
+              <a:gd name="connsiteX27" fmla="*/ 1975203 w 1988685"/>
+              <a:gd name="connsiteY27" fmla="*/ 1020932 h 2290439"/>
+              <a:gd name="connsiteX28" fmla="*/ 1966326 w 1988685"/>
+              <a:gd name="connsiteY28" fmla="*/ 1633492 h 2290439"/>
+              <a:gd name="connsiteX29" fmla="*/ 1939693 w 1988685"/>
+              <a:gd name="connsiteY29" fmla="*/ 1713391 h 2290439"/>
+              <a:gd name="connsiteX30" fmla="*/ 1859794 w 1988685"/>
+              <a:gd name="connsiteY30" fmla="*/ 1855433 h 2290439"/>
+              <a:gd name="connsiteX31" fmla="*/ 1744384 w 1988685"/>
+              <a:gd name="connsiteY31" fmla="*/ 1961965 h 2290439"/>
+              <a:gd name="connsiteX32" fmla="*/ 1602341 w 1988685"/>
+              <a:gd name="connsiteY32" fmla="*/ 2041864 h 2290439"/>
+              <a:gd name="connsiteX33" fmla="*/ 1495809 w 1988685"/>
+              <a:gd name="connsiteY33" fmla="*/ 2104008 h 2290439"/>
+              <a:gd name="connsiteX34" fmla="*/ 1451421 w 1988685"/>
+              <a:gd name="connsiteY34" fmla="*/ 2121763 h 2290439"/>
+              <a:gd name="connsiteX35" fmla="*/ 1344889 w 1988685"/>
+              <a:gd name="connsiteY35" fmla="*/ 2148396 h 2290439"/>
+              <a:gd name="connsiteX36" fmla="*/ 1273867 w 1988685"/>
+              <a:gd name="connsiteY36" fmla="*/ 2175029 h 2290439"/>
+              <a:gd name="connsiteX37" fmla="*/ 1176213 w 1988685"/>
+              <a:gd name="connsiteY37" fmla="*/ 2192785 h 2290439"/>
+              <a:gd name="connsiteX38" fmla="*/ 1078559 w 1988685"/>
+              <a:gd name="connsiteY38" fmla="*/ 2219418 h 2290439"/>
+              <a:gd name="connsiteX39" fmla="*/ 794473 w 1988685"/>
+              <a:gd name="connsiteY39" fmla="*/ 2263806 h 2290439"/>
+              <a:gd name="connsiteX40" fmla="*/ 750085 w 1988685"/>
+              <a:gd name="connsiteY40" fmla="*/ 2290439 h 2290439"/>
+              <a:gd name="connsiteX0" fmla="*/ 794473 w 1988685"/>
+              <a:gd name="connsiteY0" fmla="*/ 2263806 h 2291091"/>
+              <a:gd name="connsiteX1" fmla="*/ 750085 w 1988685"/>
+              <a:gd name="connsiteY1" fmla="*/ 2290439 h 2291091"/>
+              <a:gd name="connsiteX2" fmla="*/ 687941 w 1988685"/>
+              <a:gd name="connsiteY2" fmla="*/ 2237173 h 2291091"/>
+              <a:gd name="connsiteX3" fmla="*/ 554776 w 1988685"/>
+              <a:gd name="connsiteY3" fmla="*/ 2130641 h 2291091"/>
+              <a:gd name="connsiteX4" fmla="*/ 412733 w 1988685"/>
+              <a:gd name="connsiteY4" fmla="*/ 1961965 h 2291091"/>
+              <a:gd name="connsiteX5" fmla="*/ 315079 w 1988685"/>
+              <a:gd name="connsiteY5" fmla="*/ 1846556 h 2291091"/>
+              <a:gd name="connsiteX6" fmla="*/ 297324 w 1988685"/>
+              <a:gd name="connsiteY6" fmla="*/ 1819923 h 2291091"/>
+              <a:gd name="connsiteX7" fmla="*/ 75382 w 1988685"/>
+              <a:gd name="connsiteY7" fmla="*/ 1526959 h 2291091"/>
+              <a:gd name="connsiteX8" fmla="*/ 22116 w 1988685"/>
+              <a:gd name="connsiteY8" fmla="*/ 1402672 h 2291091"/>
+              <a:gd name="connsiteX9" fmla="*/ 30994 w 1988685"/>
+              <a:gd name="connsiteY9" fmla="*/ 905523 h 2291091"/>
+              <a:gd name="connsiteX10" fmla="*/ 39871 w 1988685"/>
+              <a:gd name="connsiteY10" fmla="*/ 870012 h 2291091"/>
+              <a:gd name="connsiteX11" fmla="*/ 119770 w 1988685"/>
+              <a:gd name="connsiteY11" fmla="*/ 656948 h 2291091"/>
+              <a:gd name="connsiteX12" fmla="*/ 128648 w 1988685"/>
+              <a:gd name="connsiteY12" fmla="*/ 630315 h 2291091"/>
+              <a:gd name="connsiteX13" fmla="*/ 217425 w 1988685"/>
+              <a:gd name="connsiteY13" fmla="*/ 435006 h 2291091"/>
+              <a:gd name="connsiteX14" fmla="*/ 226302 w 1988685"/>
+              <a:gd name="connsiteY14" fmla="*/ 399495 h 2291091"/>
+              <a:gd name="connsiteX15" fmla="*/ 341712 w 1988685"/>
+              <a:gd name="connsiteY15" fmla="*/ 221942 h 2291091"/>
+              <a:gd name="connsiteX16" fmla="*/ 457122 w 1988685"/>
+              <a:gd name="connsiteY16" fmla="*/ 97655 h 2291091"/>
+              <a:gd name="connsiteX17" fmla="*/ 652430 w 1988685"/>
+              <a:gd name="connsiteY17" fmla="*/ 35511 h 2291091"/>
+              <a:gd name="connsiteX18" fmla="*/ 918761 w 1988685"/>
+              <a:gd name="connsiteY18" fmla="*/ 0 h 2291091"/>
+              <a:gd name="connsiteX19" fmla="*/ 1167335 w 1988685"/>
+              <a:gd name="connsiteY19" fmla="*/ 26633 h 2291091"/>
+              <a:gd name="connsiteX20" fmla="*/ 1291623 w 1988685"/>
+              <a:gd name="connsiteY20" fmla="*/ 79899 h 2291091"/>
+              <a:gd name="connsiteX21" fmla="*/ 1424788 w 1988685"/>
+              <a:gd name="connsiteY21" fmla="*/ 150921 h 2291091"/>
+              <a:gd name="connsiteX22" fmla="*/ 1531320 w 1988685"/>
+              <a:gd name="connsiteY22" fmla="*/ 221942 h 2291091"/>
+              <a:gd name="connsiteX23" fmla="*/ 1682240 w 1988685"/>
+              <a:gd name="connsiteY23" fmla="*/ 381740 h 2291091"/>
+              <a:gd name="connsiteX24" fmla="*/ 1815405 w 1988685"/>
+              <a:gd name="connsiteY24" fmla="*/ 621437 h 2291091"/>
+              <a:gd name="connsiteX25" fmla="*/ 1824283 w 1988685"/>
+              <a:gd name="connsiteY25" fmla="*/ 648070 h 2291091"/>
+              <a:gd name="connsiteX26" fmla="*/ 1957448 w 1988685"/>
+              <a:gd name="connsiteY26" fmla="*/ 932156 h 2291091"/>
+              <a:gd name="connsiteX27" fmla="*/ 1975203 w 1988685"/>
+              <a:gd name="connsiteY27" fmla="*/ 1020932 h 2291091"/>
+              <a:gd name="connsiteX28" fmla="*/ 1966326 w 1988685"/>
+              <a:gd name="connsiteY28" fmla="*/ 1633492 h 2291091"/>
+              <a:gd name="connsiteX29" fmla="*/ 1939693 w 1988685"/>
+              <a:gd name="connsiteY29" fmla="*/ 1713391 h 2291091"/>
+              <a:gd name="connsiteX30" fmla="*/ 1859794 w 1988685"/>
+              <a:gd name="connsiteY30" fmla="*/ 1855433 h 2291091"/>
+              <a:gd name="connsiteX31" fmla="*/ 1744384 w 1988685"/>
+              <a:gd name="connsiteY31" fmla="*/ 1961965 h 2291091"/>
+              <a:gd name="connsiteX32" fmla="*/ 1602341 w 1988685"/>
+              <a:gd name="connsiteY32" fmla="*/ 2041864 h 2291091"/>
+              <a:gd name="connsiteX33" fmla="*/ 1495809 w 1988685"/>
+              <a:gd name="connsiteY33" fmla="*/ 2104008 h 2291091"/>
+              <a:gd name="connsiteX34" fmla="*/ 1451421 w 1988685"/>
+              <a:gd name="connsiteY34" fmla="*/ 2121763 h 2291091"/>
+              <a:gd name="connsiteX35" fmla="*/ 1344889 w 1988685"/>
+              <a:gd name="connsiteY35" fmla="*/ 2148396 h 2291091"/>
+              <a:gd name="connsiteX36" fmla="*/ 1273867 w 1988685"/>
+              <a:gd name="connsiteY36" fmla="*/ 2175029 h 2291091"/>
+              <a:gd name="connsiteX37" fmla="*/ 1176213 w 1988685"/>
+              <a:gd name="connsiteY37" fmla="*/ 2192785 h 2291091"/>
+              <a:gd name="connsiteX38" fmla="*/ 1078559 w 1988685"/>
+              <a:gd name="connsiteY38" fmla="*/ 2219418 h 2291091"/>
+              <a:gd name="connsiteX39" fmla="*/ 794473 w 1988685"/>
+              <a:gd name="connsiteY39" fmla="*/ 2263806 h 2291091"/>
+              <a:gd name="connsiteX0" fmla="*/ 1078559 w 1988685"/>
+              <a:gd name="connsiteY0" fmla="*/ 2219418 h 2290596"/>
+              <a:gd name="connsiteX1" fmla="*/ 750085 w 1988685"/>
+              <a:gd name="connsiteY1" fmla="*/ 2290439 h 2290596"/>
+              <a:gd name="connsiteX2" fmla="*/ 687941 w 1988685"/>
+              <a:gd name="connsiteY2" fmla="*/ 2237173 h 2290596"/>
+              <a:gd name="connsiteX3" fmla="*/ 554776 w 1988685"/>
+              <a:gd name="connsiteY3" fmla="*/ 2130641 h 2290596"/>
+              <a:gd name="connsiteX4" fmla="*/ 412733 w 1988685"/>
+              <a:gd name="connsiteY4" fmla="*/ 1961965 h 2290596"/>
+              <a:gd name="connsiteX5" fmla="*/ 315079 w 1988685"/>
+              <a:gd name="connsiteY5" fmla="*/ 1846556 h 2290596"/>
+              <a:gd name="connsiteX6" fmla="*/ 297324 w 1988685"/>
+              <a:gd name="connsiteY6" fmla="*/ 1819923 h 2290596"/>
+              <a:gd name="connsiteX7" fmla="*/ 75382 w 1988685"/>
+              <a:gd name="connsiteY7" fmla="*/ 1526959 h 2290596"/>
+              <a:gd name="connsiteX8" fmla="*/ 22116 w 1988685"/>
+              <a:gd name="connsiteY8" fmla="*/ 1402672 h 2290596"/>
+              <a:gd name="connsiteX9" fmla="*/ 30994 w 1988685"/>
+              <a:gd name="connsiteY9" fmla="*/ 905523 h 2290596"/>
+              <a:gd name="connsiteX10" fmla="*/ 39871 w 1988685"/>
+              <a:gd name="connsiteY10" fmla="*/ 870012 h 2290596"/>
+              <a:gd name="connsiteX11" fmla="*/ 119770 w 1988685"/>
+              <a:gd name="connsiteY11" fmla="*/ 656948 h 2290596"/>
+              <a:gd name="connsiteX12" fmla="*/ 128648 w 1988685"/>
+              <a:gd name="connsiteY12" fmla="*/ 630315 h 2290596"/>
+              <a:gd name="connsiteX13" fmla="*/ 217425 w 1988685"/>
+              <a:gd name="connsiteY13" fmla="*/ 435006 h 2290596"/>
+              <a:gd name="connsiteX14" fmla="*/ 226302 w 1988685"/>
+              <a:gd name="connsiteY14" fmla="*/ 399495 h 2290596"/>
+              <a:gd name="connsiteX15" fmla="*/ 341712 w 1988685"/>
+              <a:gd name="connsiteY15" fmla="*/ 221942 h 2290596"/>
+              <a:gd name="connsiteX16" fmla="*/ 457122 w 1988685"/>
+              <a:gd name="connsiteY16" fmla="*/ 97655 h 2290596"/>
+              <a:gd name="connsiteX17" fmla="*/ 652430 w 1988685"/>
+              <a:gd name="connsiteY17" fmla="*/ 35511 h 2290596"/>
+              <a:gd name="connsiteX18" fmla="*/ 918761 w 1988685"/>
+              <a:gd name="connsiteY18" fmla="*/ 0 h 2290596"/>
+              <a:gd name="connsiteX19" fmla="*/ 1167335 w 1988685"/>
+              <a:gd name="connsiteY19" fmla="*/ 26633 h 2290596"/>
+              <a:gd name="connsiteX20" fmla="*/ 1291623 w 1988685"/>
+              <a:gd name="connsiteY20" fmla="*/ 79899 h 2290596"/>
+              <a:gd name="connsiteX21" fmla="*/ 1424788 w 1988685"/>
+              <a:gd name="connsiteY21" fmla="*/ 150921 h 2290596"/>
+              <a:gd name="connsiteX22" fmla="*/ 1531320 w 1988685"/>
+              <a:gd name="connsiteY22" fmla="*/ 221942 h 2290596"/>
+              <a:gd name="connsiteX23" fmla="*/ 1682240 w 1988685"/>
+              <a:gd name="connsiteY23" fmla="*/ 381740 h 2290596"/>
+              <a:gd name="connsiteX24" fmla="*/ 1815405 w 1988685"/>
+              <a:gd name="connsiteY24" fmla="*/ 621437 h 2290596"/>
+              <a:gd name="connsiteX25" fmla="*/ 1824283 w 1988685"/>
+              <a:gd name="connsiteY25" fmla="*/ 648070 h 2290596"/>
+              <a:gd name="connsiteX26" fmla="*/ 1957448 w 1988685"/>
+              <a:gd name="connsiteY26" fmla="*/ 932156 h 2290596"/>
+              <a:gd name="connsiteX27" fmla="*/ 1975203 w 1988685"/>
+              <a:gd name="connsiteY27" fmla="*/ 1020932 h 2290596"/>
+              <a:gd name="connsiteX28" fmla="*/ 1966326 w 1988685"/>
+              <a:gd name="connsiteY28" fmla="*/ 1633492 h 2290596"/>
+              <a:gd name="connsiteX29" fmla="*/ 1939693 w 1988685"/>
+              <a:gd name="connsiteY29" fmla="*/ 1713391 h 2290596"/>
+              <a:gd name="connsiteX30" fmla="*/ 1859794 w 1988685"/>
+              <a:gd name="connsiteY30" fmla="*/ 1855433 h 2290596"/>
+              <a:gd name="connsiteX31" fmla="*/ 1744384 w 1988685"/>
+              <a:gd name="connsiteY31" fmla="*/ 1961965 h 2290596"/>
+              <a:gd name="connsiteX32" fmla="*/ 1602341 w 1988685"/>
+              <a:gd name="connsiteY32" fmla="*/ 2041864 h 2290596"/>
+              <a:gd name="connsiteX33" fmla="*/ 1495809 w 1988685"/>
+              <a:gd name="connsiteY33" fmla="*/ 2104008 h 2290596"/>
+              <a:gd name="connsiteX34" fmla="*/ 1451421 w 1988685"/>
+              <a:gd name="connsiteY34" fmla="*/ 2121763 h 2290596"/>
+              <a:gd name="connsiteX35" fmla="*/ 1344889 w 1988685"/>
+              <a:gd name="connsiteY35" fmla="*/ 2148396 h 2290596"/>
+              <a:gd name="connsiteX36" fmla="*/ 1273867 w 1988685"/>
+              <a:gd name="connsiteY36" fmla="*/ 2175029 h 2290596"/>
+              <a:gd name="connsiteX37" fmla="*/ 1176213 w 1988685"/>
+              <a:gd name="connsiteY37" fmla="*/ 2192785 h 2290596"/>
+              <a:gd name="connsiteX38" fmla="*/ 1078559 w 1988685"/>
+              <a:gd name="connsiteY38" fmla="*/ 2219418 h 2290596"/>
+              <a:gd name="connsiteX0" fmla="*/ 1078559 w 1988685"/>
+              <a:gd name="connsiteY0" fmla="*/ 2219418 h 2241752"/>
+              <a:gd name="connsiteX1" fmla="*/ 687941 w 1988685"/>
+              <a:gd name="connsiteY1" fmla="*/ 2237173 h 2241752"/>
+              <a:gd name="connsiteX2" fmla="*/ 554776 w 1988685"/>
+              <a:gd name="connsiteY2" fmla="*/ 2130641 h 2241752"/>
+              <a:gd name="connsiteX3" fmla="*/ 412733 w 1988685"/>
+              <a:gd name="connsiteY3" fmla="*/ 1961965 h 2241752"/>
+              <a:gd name="connsiteX4" fmla="*/ 315079 w 1988685"/>
+              <a:gd name="connsiteY4" fmla="*/ 1846556 h 2241752"/>
+              <a:gd name="connsiteX5" fmla="*/ 297324 w 1988685"/>
+              <a:gd name="connsiteY5" fmla="*/ 1819923 h 2241752"/>
+              <a:gd name="connsiteX6" fmla="*/ 75382 w 1988685"/>
+              <a:gd name="connsiteY6" fmla="*/ 1526959 h 2241752"/>
+              <a:gd name="connsiteX7" fmla="*/ 22116 w 1988685"/>
+              <a:gd name="connsiteY7" fmla="*/ 1402672 h 2241752"/>
+              <a:gd name="connsiteX8" fmla="*/ 30994 w 1988685"/>
+              <a:gd name="connsiteY8" fmla="*/ 905523 h 2241752"/>
+              <a:gd name="connsiteX9" fmla="*/ 39871 w 1988685"/>
+              <a:gd name="connsiteY9" fmla="*/ 870012 h 2241752"/>
+              <a:gd name="connsiteX10" fmla="*/ 119770 w 1988685"/>
+              <a:gd name="connsiteY10" fmla="*/ 656948 h 2241752"/>
+              <a:gd name="connsiteX11" fmla="*/ 128648 w 1988685"/>
+              <a:gd name="connsiteY11" fmla="*/ 630315 h 2241752"/>
+              <a:gd name="connsiteX12" fmla="*/ 217425 w 1988685"/>
+              <a:gd name="connsiteY12" fmla="*/ 435006 h 2241752"/>
+              <a:gd name="connsiteX13" fmla="*/ 226302 w 1988685"/>
+              <a:gd name="connsiteY13" fmla="*/ 399495 h 2241752"/>
+              <a:gd name="connsiteX14" fmla="*/ 341712 w 1988685"/>
+              <a:gd name="connsiteY14" fmla="*/ 221942 h 2241752"/>
+              <a:gd name="connsiteX15" fmla="*/ 457122 w 1988685"/>
+              <a:gd name="connsiteY15" fmla="*/ 97655 h 2241752"/>
+              <a:gd name="connsiteX16" fmla="*/ 652430 w 1988685"/>
+              <a:gd name="connsiteY16" fmla="*/ 35511 h 2241752"/>
+              <a:gd name="connsiteX17" fmla="*/ 918761 w 1988685"/>
+              <a:gd name="connsiteY17" fmla="*/ 0 h 2241752"/>
+              <a:gd name="connsiteX18" fmla="*/ 1167335 w 1988685"/>
+              <a:gd name="connsiteY18" fmla="*/ 26633 h 2241752"/>
+              <a:gd name="connsiteX19" fmla="*/ 1291623 w 1988685"/>
+              <a:gd name="connsiteY19" fmla="*/ 79899 h 2241752"/>
+              <a:gd name="connsiteX20" fmla="*/ 1424788 w 1988685"/>
+              <a:gd name="connsiteY20" fmla="*/ 150921 h 2241752"/>
+              <a:gd name="connsiteX21" fmla="*/ 1531320 w 1988685"/>
+              <a:gd name="connsiteY21" fmla="*/ 221942 h 2241752"/>
+              <a:gd name="connsiteX22" fmla="*/ 1682240 w 1988685"/>
+              <a:gd name="connsiteY22" fmla="*/ 381740 h 2241752"/>
+              <a:gd name="connsiteX23" fmla="*/ 1815405 w 1988685"/>
+              <a:gd name="connsiteY23" fmla="*/ 621437 h 2241752"/>
+              <a:gd name="connsiteX24" fmla="*/ 1824283 w 1988685"/>
+              <a:gd name="connsiteY24" fmla="*/ 648070 h 2241752"/>
+              <a:gd name="connsiteX25" fmla="*/ 1957448 w 1988685"/>
+              <a:gd name="connsiteY25" fmla="*/ 932156 h 2241752"/>
+              <a:gd name="connsiteX26" fmla="*/ 1975203 w 1988685"/>
+              <a:gd name="connsiteY26" fmla="*/ 1020932 h 2241752"/>
+              <a:gd name="connsiteX27" fmla="*/ 1966326 w 1988685"/>
+              <a:gd name="connsiteY27" fmla="*/ 1633492 h 2241752"/>
+              <a:gd name="connsiteX28" fmla="*/ 1939693 w 1988685"/>
+              <a:gd name="connsiteY28" fmla="*/ 1713391 h 2241752"/>
+              <a:gd name="connsiteX29" fmla="*/ 1859794 w 1988685"/>
+              <a:gd name="connsiteY29" fmla="*/ 1855433 h 2241752"/>
+              <a:gd name="connsiteX30" fmla="*/ 1744384 w 1988685"/>
+              <a:gd name="connsiteY30" fmla="*/ 1961965 h 2241752"/>
+              <a:gd name="connsiteX31" fmla="*/ 1602341 w 1988685"/>
+              <a:gd name="connsiteY31" fmla="*/ 2041864 h 2241752"/>
+              <a:gd name="connsiteX32" fmla="*/ 1495809 w 1988685"/>
+              <a:gd name="connsiteY32" fmla="*/ 2104008 h 2241752"/>
+              <a:gd name="connsiteX33" fmla="*/ 1451421 w 1988685"/>
+              <a:gd name="connsiteY33" fmla="*/ 2121763 h 2241752"/>
+              <a:gd name="connsiteX34" fmla="*/ 1344889 w 1988685"/>
+              <a:gd name="connsiteY34" fmla="*/ 2148396 h 2241752"/>
+              <a:gd name="connsiteX35" fmla="*/ 1273867 w 1988685"/>
+              <a:gd name="connsiteY35" fmla="*/ 2175029 h 2241752"/>
+              <a:gd name="connsiteX36" fmla="*/ 1176213 w 1988685"/>
+              <a:gd name="connsiteY36" fmla="*/ 2192785 h 2241752"/>
+              <a:gd name="connsiteX37" fmla="*/ 1078559 w 1988685"/>
+              <a:gd name="connsiteY37" fmla="*/ 2219418 h 2241752"/>
+              <a:gd name="connsiteX0" fmla="*/ 1078559 w 1988685"/>
+              <a:gd name="connsiteY0" fmla="*/ 2219418 h 2241752"/>
+              <a:gd name="connsiteX1" fmla="*/ 687941 w 1988685"/>
+              <a:gd name="connsiteY1" fmla="*/ 2237173 h 2241752"/>
+              <a:gd name="connsiteX2" fmla="*/ 554776 w 1988685"/>
+              <a:gd name="connsiteY2" fmla="*/ 2130641 h 2241752"/>
+              <a:gd name="connsiteX3" fmla="*/ 412733 w 1988685"/>
+              <a:gd name="connsiteY3" fmla="*/ 1961965 h 2241752"/>
+              <a:gd name="connsiteX4" fmla="*/ 315079 w 1988685"/>
+              <a:gd name="connsiteY4" fmla="*/ 1846556 h 2241752"/>
+              <a:gd name="connsiteX5" fmla="*/ 297324 w 1988685"/>
+              <a:gd name="connsiteY5" fmla="*/ 1819923 h 2241752"/>
+              <a:gd name="connsiteX6" fmla="*/ 75382 w 1988685"/>
+              <a:gd name="connsiteY6" fmla="*/ 1526959 h 2241752"/>
+              <a:gd name="connsiteX7" fmla="*/ 22116 w 1988685"/>
+              <a:gd name="connsiteY7" fmla="*/ 1402672 h 2241752"/>
+              <a:gd name="connsiteX8" fmla="*/ 30994 w 1988685"/>
+              <a:gd name="connsiteY8" fmla="*/ 905523 h 2241752"/>
+              <a:gd name="connsiteX9" fmla="*/ 39871 w 1988685"/>
+              <a:gd name="connsiteY9" fmla="*/ 870012 h 2241752"/>
+              <a:gd name="connsiteX10" fmla="*/ 119770 w 1988685"/>
+              <a:gd name="connsiteY10" fmla="*/ 656948 h 2241752"/>
+              <a:gd name="connsiteX11" fmla="*/ 128648 w 1988685"/>
+              <a:gd name="connsiteY11" fmla="*/ 630315 h 2241752"/>
+              <a:gd name="connsiteX12" fmla="*/ 217425 w 1988685"/>
+              <a:gd name="connsiteY12" fmla="*/ 435006 h 2241752"/>
+              <a:gd name="connsiteX13" fmla="*/ 226302 w 1988685"/>
+              <a:gd name="connsiteY13" fmla="*/ 399495 h 2241752"/>
+              <a:gd name="connsiteX14" fmla="*/ 341712 w 1988685"/>
+              <a:gd name="connsiteY14" fmla="*/ 221942 h 2241752"/>
+              <a:gd name="connsiteX15" fmla="*/ 457122 w 1988685"/>
+              <a:gd name="connsiteY15" fmla="*/ 97655 h 2241752"/>
+              <a:gd name="connsiteX16" fmla="*/ 652430 w 1988685"/>
+              <a:gd name="connsiteY16" fmla="*/ 35511 h 2241752"/>
+              <a:gd name="connsiteX17" fmla="*/ 918761 w 1988685"/>
+              <a:gd name="connsiteY17" fmla="*/ 0 h 2241752"/>
+              <a:gd name="connsiteX18" fmla="*/ 1167335 w 1988685"/>
+              <a:gd name="connsiteY18" fmla="*/ 26633 h 2241752"/>
+              <a:gd name="connsiteX19" fmla="*/ 1291623 w 1988685"/>
+              <a:gd name="connsiteY19" fmla="*/ 79899 h 2241752"/>
+              <a:gd name="connsiteX20" fmla="*/ 1424788 w 1988685"/>
+              <a:gd name="connsiteY20" fmla="*/ 150921 h 2241752"/>
+              <a:gd name="connsiteX21" fmla="*/ 1531320 w 1988685"/>
+              <a:gd name="connsiteY21" fmla="*/ 221942 h 2241752"/>
+              <a:gd name="connsiteX22" fmla="*/ 1682240 w 1988685"/>
+              <a:gd name="connsiteY22" fmla="*/ 381740 h 2241752"/>
+              <a:gd name="connsiteX23" fmla="*/ 1815405 w 1988685"/>
+              <a:gd name="connsiteY23" fmla="*/ 621437 h 2241752"/>
+              <a:gd name="connsiteX24" fmla="*/ 1824283 w 1988685"/>
+              <a:gd name="connsiteY24" fmla="*/ 648070 h 2241752"/>
+              <a:gd name="connsiteX25" fmla="*/ 1957448 w 1988685"/>
+              <a:gd name="connsiteY25" fmla="*/ 932156 h 2241752"/>
+              <a:gd name="connsiteX26" fmla="*/ 1975203 w 1988685"/>
+              <a:gd name="connsiteY26" fmla="*/ 1020932 h 2241752"/>
+              <a:gd name="connsiteX27" fmla="*/ 1966326 w 1988685"/>
+              <a:gd name="connsiteY27" fmla="*/ 1633492 h 2241752"/>
+              <a:gd name="connsiteX28" fmla="*/ 1939693 w 1988685"/>
+              <a:gd name="connsiteY28" fmla="*/ 1713391 h 2241752"/>
+              <a:gd name="connsiteX29" fmla="*/ 1859794 w 1988685"/>
+              <a:gd name="connsiteY29" fmla="*/ 1855433 h 2241752"/>
+              <a:gd name="connsiteX30" fmla="*/ 1744384 w 1988685"/>
+              <a:gd name="connsiteY30" fmla="*/ 1961965 h 2241752"/>
+              <a:gd name="connsiteX31" fmla="*/ 1602341 w 1988685"/>
+              <a:gd name="connsiteY31" fmla="*/ 2041864 h 2241752"/>
+              <a:gd name="connsiteX32" fmla="*/ 1495809 w 1988685"/>
+              <a:gd name="connsiteY32" fmla="*/ 2104008 h 2241752"/>
+              <a:gd name="connsiteX33" fmla="*/ 1451421 w 1988685"/>
+              <a:gd name="connsiteY33" fmla="*/ 2121763 h 2241752"/>
+              <a:gd name="connsiteX34" fmla="*/ 1344889 w 1988685"/>
+              <a:gd name="connsiteY34" fmla="*/ 2148396 h 2241752"/>
+              <a:gd name="connsiteX35" fmla="*/ 1176213 w 1988685"/>
+              <a:gd name="connsiteY35" fmla="*/ 2192785 h 2241752"/>
+              <a:gd name="connsiteX36" fmla="*/ 1078559 w 1988685"/>
+              <a:gd name="connsiteY36" fmla="*/ 2219418 h 2241752"/>
+              <a:gd name="connsiteX0" fmla="*/ 1078559 w 1988685"/>
+              <a:gd name="connsiteY0" fmla="*/ 2219418 h 2241752"/>
+              <a:gd name="connsiteX1" fmla="*/ 687941 w 1988685"/>
+              <a:gd name="connsiteY1" fmla="*/ 2237173 h 2241752"/>
+              <a:gd name="connsiteX2" fmla="*/ 554776 w 1988685"/>
+              <a:gd name="connsiteY2" fmla="*/ 2130641 h 2241752"/>
+              <a:gd name="connsiteX3" fmla="*/ 412733 w 1988685"/>
+              <a:gd name="connsiteY3" fmla="*/ 1961965 h 2241752"/>
+              <a:gd name="connsiteX4" fmla="*/ 315079 w 1988685"/>
+              <a:gd name="connsiteY4" fmla="*/ 1846556 h 2241752"/>
+              <a:gd name="connsiteX5" fmla="*/ 297324 w 1988685"/>
+              <a:gd name="connsiteY5" fmla="*/ 1819923 h 2241752"/>
+              <a:gd name="connsiteX6" fmla="*/ 75382 w 1988685"/>
+              <a:gd name="connsiteY6" fmla="*/ 1526959 h 2241752"/>
+              <a:gd name="connsiteX7" fmla="*/ 22116 w 1988685"/>
+              <a:gd name="connsiteY7" fmla="*/ 1402672 h 2241752"/>
+              <a:gd name="connsiteX8" fmla="*/ 30994 w 1988685"/>
+              <a:gd name="connsiteY8" fmla="*/ 905523 h 2241752"/>
+              <a:gd name="connsiteX9" fmla="*/ 39871 w 1988685"/>
+              <a:gd name="connsiteY9" fmla="*/ 870012 h 2241752"/>
+              <a:gd name="connsiteX10" fmla="*/ 119770 w 1988685"/>
+              <a:gd name="connsiteY10" fmla="*/ 656948 h 2241752"/>
+              <a:gd name="connsiteX11" fmla="*/ 128648 w 1988685"/>
+              <a:gd name="connsiteY11" fmla="*/ 630315 h 2241752"/>
+              <a:gd name="connsiteX12" fmla="*/ 217425 w 1988685"/>
+              <a:gd name="connsiteY12" fmla="*/ 435006 h 2241752"/>
+              <a:gd name="connsiteX13" fmla="*/ 226302 w 1988685"/>
+              <a:gd name="connsiteY13" fmla="*/ 399495 h 2241752"/>
+              <a:gd name="connsiteX14" fmla="*/ 341712 w 1988685"/>
+              <a:gd name="connsiteY14" fmla="*/ 221942 h 2241752"/>
+              <a:gd name="connsiteX15" fmla="*/ 457122 w 1988685"/>
+              <a:gd name="connsiteY15" fmla="*/ 97655 h 2241752"/>
+              <a:gd name="connsiteX16" fmla="*/ 652430 w 1988685"/>
+              <a:gd name="connsiteY16" fmla="*/ 35511 h 2241752"/>
+              <a:gd name="connsiteX17" fmla="*/ 918761 w 1988685"/>
+              <a:gd name="connsiteY17" fmla="*/ 0 h 2241752"/>
+              <a:gd name="connsiteX18" fmla="*/ 1167335 w 1988685"/>
+              <a:gd name="connsiteY18" fmla="*/ 26633 h 2241752"/>
+              <a:gd name="connsiteX19" fmla="*/ 1291623 w 1988685"/>
+              <a:gd name="connsiteY19" fmla="*/ 79899 h 2241752"/>
+              <a:gd name="connsiteX20" fmla="*/ 1424788 w 1988685"/>
+              <a:gd name="connsiteY20" fmla="*/ 150921 h 2241752"/>
+              <a:gd name="connsiteX21" fmla="*/ 1531320 w 1988685"/>
+              <a:gd name="connsiteY21" fmla="*/ 221942 h 2241752"/>
+              <a:gd name="connsiteX22" fmla="*/ 1682240 w 1988685"/>
+              <a:gd name="connsiteY22" fmla="*/ 381740 h 2241752"/>
+              <a:gd name="connsiteX23" fmla="*/ 1815405 w 1988685"/>
+              <a:gd name="connsiteY23" fmla="*/ 621437 h 2241752"/>
+              <a:gd name="connsiteX24" fmla="*/ 1824283 w 1988685"/>
+              <a:gd name="connsiteY24" fmla="*/ 648070 h 2241752"/>
+              <a:gd name="connsiteX25" fmla="*/ 1957448 w 1988685"/>
+              <a:gd name="connsiteY25" fmla="*/ 932156 h 2241752"/>
+              <a:gd name="connsiteX26" fmla="*/ 1975203 w 1988685"/>
+              <a:gd name="connsiteY26" fmla="*/ 1020932 h 2241752"/>
+              <a:gd name="connsiteX27" fmla="*/ 1966326 w 1988685"/>
+              <a:gd name="connsiteY27" fmla="*/ 1633492 h 2241752"/>
+              <a:gd name="connsiteX28" fmla="*/ 1939693 w 1988685"/>
+              <a:gd name="connsiteY28" fmla="*/ 1713391 h 2241752"/>
+              <a:gd name="connsiteX29" fmla="*/ 1859794 w 1988685"/>
+              <a:gd name="connsiteY29" fmla="*/ 1855433 h 2241752"/>
+              <a:gd name="connsiteX30" fmla="*/ 1744384 w 1988685"/>
+              <a:gd name="connsiteY30" fmla="*/ 1961965 h 2241752"/>
+              <a:gd name="connsiteX31" fmla="*/ 1602341 w 1988685"/>
+              <a:gd name="connsiteY31" fmla="*/ 2041864 h 2241752"/>
+              <a:gd name="connsiteX32" fmla="*/ 1495809 w 1988685"/>
+              <a:gd name="connsiteY32" fmla="*/ 2104008 h 2241752"/>
+              <a:gd name="connsiteX33" fmla="*/ 1451421 w 1988685"/>
+              <a:gd name="connsiteY33" fmla="*/ 2121763 h 2241752"/>
+              <a:gd name="connsiteX34" fmla="*/ 1176213 w 1988685"/>
+              <a:gd name="connsiteY34" fmla="*/ 2192785 h 2241752"/>
+              <a:gd name="connsiteX35" fmla="*/ 1078559 w 1988685"/>
+              <a:gd name="connsiteY35" fmla="*/ 2219418 h 2241752"/>
+              <a:gd name="connsiteX0" fmla="*/ 1078559 w 1988685"/>
+              <a:gd name="connsiteY0" fmla="*/ 2219418 h 2241752"/>
+              <a:gd name="connsiteX1" fmla="*/ 687941 w 1988685"/>
+              <a:gd name="connsiteY1" fmla="*/ 2237173 h 2241752"/>
+              <a:gd name="connsiteX2" fmla="*/ 554776 w 1988685"/>
+              <a:gd name="connsiteY2" fmla="*/ 2130641 h 2241752"/>
+              <a:gd name="connsiteX3" fmla="*/ 412733 w 1988685"/>
+              <a:gd name="connsiteY3" fmla="*/ 1961965 h 2241752"/>
+              <a:gd name="connsiteX4" fmla="*/ 315079 w 1988685"/>
+              <a:gd name="connsiteY4" fmla="*/ 1846556 h 2241752"/>
+              <a:gd name="connsiteX5" fmla="*/ 297324 w 1988685"/>
+              <a:gd name="connsiteY5" fmla="*/ 1819923 h 2241752"/>
+              <a:gd name="connsiteX6" fmla="*/ 75382 w 1988685"/>
+              <a:gd name="connsiteY6" fmla="*/ 1526959 h 2241752"/>
+              <a:gd name="connsiteX7" fmla="*/ 22116 w 1988685"/>
+              <a:gd name="connsiteY7" fmla="*/ 1402672 h 2241752"/>
+              <a:gd name="connsiteX8" fmla="*/ 30994 w 1988685"/>
+              <a:gd name="connsiteY8" fmla="*/ 905523 h 2241752"/>
+              <a:gd name="connsiteX9" fmla="*/ 39871 w 1988685"/>
+              <a:gd name="connsiteY9" fmla="*/ 870012 h 2241752"/>
+              <a:gd name="connsiteX10" fmla="*/ 119770 w 1988685"/>
+              <a:gd name="connsiteY10" fmla="*/ 656948 h 2241752"/>
+              <a:gd name="connsiteX11" fmla="*/ 128648 w 1988685"/>
+              <a:gd name="connsiteY11" fmla="*/ 630315 h 2241752"/>
+              <a:gd name="connsiteX12" fmla="*/ 217425 w 1988685"/>
+              <a:gd name="connsiteY12" fmla="*/ 435006 h 2241752"/>
+              <a:gd name="connsiteX13" fmla="*/ 226302 w 1988685"/>
+              <a:gd name="connsiteY13" fmla="*/ 399495 h 2241752"/>
+              <a:gd name="connsiteX14" fmla="*/ 341712 w 1988685"/>
+              <a:gd name="connsiteY14" fmla="*/ 221942 h 2241752"/>
+              <a:gd name="connsiteX15" fmla="*/ 457122 w 1988685"/>
+              <a:gd name="connsiteY15" fmla="*/ 97655 h 2241752"/>
+              <a:gd name="connsiteX16" fmla="*/ 652430 w 1988685"/>
+              <a:gd name="connsiteY16" fmla="*/ 35511 h 2241752"/>
+              <a:gd name="connsiteX17" fmla="*/ 918761 w 1988685"/>
+              <a:gd name="connsiteY17" fmla="*/ 0 h 2241752"/>
+              <a:gd name="connsiteX18" fmla="*/ 1167335 w 1988685"/>
+              <a:gd name="connsiteY18" fmla="*/ 26633 h 2241752"/>
+              <a:gd name="connsiteX19" fmla="*/ 1291623 w 1988685"/>
+              <a:gd name="connsiteY19" fmla="*/ 79899 h 2241752"/>
+              <a:gd name="connsiteX20" fmla="*/ 1424788 w 1988685"/>
+              <a:gd name="connsiteY20" fmla="*/ 150921 h 2241752"/>
+              <a:gd name="connsiteX21" fmla="*/ 1531320 w 1988685"/>
+              <a:gd name="connsiteY21" fmla="*/ 221942 h 2241752"/>
+              <a:gd name="connsiteX22" fmla="*/ 1682240 w 1988685"/>
+              <a:gd name="connsiteY22" fmla="*/ 381740 h 2241752"/>
+              <a:gd name="connsiteX23" fmla="*/ 1815405 w 1988685"/>
+              <a:gd name="connsiteY23" fmla="*/ 621437 h 2241752"/>
+              <a:gd name="connsiteX24" fmla="*/ 1824283 w 1988685"/>
+              <a:gd name="connsiteY24" fmla="*/ 648070 h 2241752"/>
+              <a:gd name="connsiteX25" fmla="*/ 1957448 w 1988685"/>
+              <a:gd name="connsiteY25" fmla="*/ 932156 h 2241752"/>
+              <a:gd name="connsiteX26" fmla="*/ 1975203 w 1988685"/>
+              <a:gd name="connsiteY26" fmla="*/ 1020932 h 2241752"/>
+              <a:gd name="connsiteX27" fmla="*/ 1966326 w 1988685"/>
+              <a:gd name="connsiteY27" fmla="*/ 1633492 h 2241752"/>
+              <a:gd name="connsiteX28" fmla="*/ 1939693 w 1988685"/>
+              <a:gd name="connsiteY28" fmla="*/ 1713391 h 2241752"/>
+              <a:gd name="connsiteX29" fmla="*/ 1859794 w 1988685"/>
+              <a:gd name="connsiteY29" fmla="*/ 1855433 h 2241752"/>
+              <a:gd name="connsiteX30" fmla="*/ 1744384 w 1988685"/>
+              <a:gd name="connsiteY30" fmla="*/ 1961965 h 2241752"/>
+              <a:gd name="connsiteX31" fmla="*/ 1602341 w 1988685"/>
+              <a:gd name="connsiteY31" fmla="*/ 2041864 h 2241752"/>
+              <a:gd name="connsiteX32" fmla="*/ 1495809 w 1988685"/>
+              <a:gd name="connsiteY32" fmla="*/ 2104008 h 2241752"/>
+              <a:gd name="connsiteX33" fmla="*/ 1176213 w 1988685"/>
+              <a:gd name="connsiteY33" fmla="*/ 2192785 h 2241752"/>
+              <a:gd name="connsiteX34" fmla="*/ 1078559 w 1988685"/>
+              <a:gd name="connsiteY34" fmla="*/ 2219418 h 2241752"/>
+              <a:gd name="connsiteX0" fmla="*/ 1078559 w 1988685"/>
+              <a:gd name="connsiteY0" fmla="*/ 2219418 h 2241752"/>
+              <a:gd name="connsiteX1" fmla="*/ 687941 w 1988685"/>
+              <a:gd name="connsiteY1" fmla="*/ 2237173 h 2241752"/>
+              <a:gd name="connsiteX2" fmla="*/ 554776 w 1988685"/>
+              <a:gd name="connsiteY2" fmla="*/ 2130641 h 2241752"/>
+              <a:gd name="connsiteX3" fmla="*/ 412733 w 1988685"/>
+              <a:gd name="connsiteY3" fmla="*/ 1961965 h 2241752"/>
+              <a:gd name="connsiteX4" fmla="*/ 315079 w 1988685"/>
+              <a:gd name="connsiteY4" fmla="*/ 1846556 h 2241752"/>
+              <a:gd name="connsiteX5" fmla="*/ 297324 w 1988685"/>
+              <a:gd name="connsiteY5" fmla="*/ 1819923 h 2241752"/>
+              <a:gd name="connsiteX6" fmla="*/ 75382 w 1988685"/>
+              <a:gd name="connsiteY6" fmla="*/ 1526959 h 2241752"/>
+              <a:gd name="connsiteX7" fmla="*/ 22116 w 1988685"/>
+              <a:gd name="connsiteY7" fmla="*/ 1402672 h 2241752"/>
+              <a:gd name="connsiteX8" fmla="*/ 30994 w 1988685"/>
+              <a:gd name="connsiteY8" fmla="*/ 905523 h 2241752"/>
+              <a:gd name="connsiteX9" fmla="*/ 39871 w 1988685"/>
+              <a:gd name="connsiteY9" fmla="*/ 870012 h 2241752"/>
+              <a:gd name="connsiteX10" fmla="*/ 119770 w 1988685"/>
+              <a:gd name="connsiteY10" fmla="*/ 656948 h 2241752"/>
+              <a:gd name="connsiteX11" fmla="*/ 128648 w 1988685"/>
+              <a:gd name="connsiteY11" fmla="*/ 630315 h 2241752"/>
+              <a:gd name="connsiteX12" fmla="*/ 217425 w 1988685"/>
+              <a:gd name="connsiteY12" fmla="*/ 435006 h 2241752"/>
+              <a:gd name="connsiteX13" fmla="*/ 226302 w 1988685"/>
+              <a:gd name="connsiteY13" fmla="*/ 399495 h 2241752"/>
+              <a:gd name="connsiteX14" fmla="*/ 341712 w 1988685"/>
+              <a:gd name="connsiteY14" fmla="*/ 221942 h 2241752"/>
+              <a:gd name="connsiteX15" fmla="*/ 457122 w 1988685"/>
+              <a:gd name="connsiteY15" fmla="*/ 97655 h 2241752"/>
+              <a:gd name="connsiteX16" fmla="*/ 652430 w 1988685"/>
+              <a:gd name="connsiteY16" fmla="*/ 35511 h 2241752"/>
+              <a:gd name="connsiteX17" fmla="*/ 918761 w 1988685"/>
+              <a:gd name="connsiteY17" fmla="*/ 0 h 2241752"/>
+              <a:gd name="connsiteX18" fmla="*/ 1167335 w 1988685"/>
+              <a:gd name="connsiteY18" fmla="*/ 26633 h 2241752"/>
+              <a:gd name="connsiteX19" fmla="*/ 1291623 w 1988685"/>
+              <a:gd name="connsiteY19" fmla="*/ 79899 h 2241752"/>
+              <a:gd name="connsiteX20" fmla="*/ 1424788 w 1988685"/>
+              <a:gd name="connsiteY20" fmla="*/ 150921 h 2241752"/>
+              <a:gd name="connsiteX21" fmla="*/ 1531320 w 1988685"/>
+              <a:gd name="connsiteY21" fmla="*/ 221942 h 2241752"/>
+              <a:gd name="connsiteX22" fmla="*/ 1682240 w 1988685"/>
+              <a:gd name="connsiteY22" fmla="*/ 381740 h 2241752"/>
+              <a:gd name="connsiteX23" fmla="*/ 1815405 w 1988685"/>
+              <a:gd name="connsiteY23" fmla="*/ 621437 h 2241752"/>
+              <a:gd name="connsiteX24" fmla="*/ 1824283 w 1988685"/>
+              <a:gd name="connsiteY24" fmla="*/ 648070 h 2241752"/>
+              <a:gd name="connsiteX25" fmla="*/ 1957448 w 1988685"/>
+              <a:gd name="connsiteY25" fmla="*/ 932156 h 2241752"/>
+              <a:gd name="connsiteX26" fmla="*/ 1975203 w 1988685"/>
+              <a:gd name="connsiteY26" fmla="*/ 1020932 h 2241752"/>
+              <a:gd name="connsiteX27" fmla="*/ 1966326 w 1988685"/>
+              <a:gd name="connsiteY27" fmla="*/ 1633492 h 2241752"/>
+              <a:gd name="connsiteX28" fmla="*/ 1939693 w 1988685"/>
+              <a:gd name="connsiteY28" fmla="*/ 1713391 h 2241752"/>
+              <a:gd name="connsiteX29" fmla="*/ 1744384 w 1988685"/>
+              <a:gd name="connsiteY29" fmla="*/ 1961965 h 2241752"/>
+              <a:gd name="connsiteX30" fmla="*/ 1602341 w 1988685"/>
+              <a:gd name="connsiteY30" fmla="*/ 2041864 h 2241752"/>
+              <a:gd name="connsiteX31" fmla="*/ 1495809 w 1988685"/>
+              <a:gd name="connsiteY31" fmla="*/ 2104008 h 2241752"/>
+              <a:gd name="connsiteX32" fmla="*/ 1176213 w 1988685"/>
+              <a:gd name="connsiteY32" fmla="*/ 2192785 h 2241752"/>
+              <a:gd name="connsiteX33" fmla="*/ 1078559 w 1988685"/>
+              <a:gd name="connsiteY33" fmla="*/ 2219418 h 2241752"/>
+              <a:gd name="connsiteX0" fmla="*/ 1078559 w 1988685"/>
+              <a:gd name="connsiteY0" fmla="*/ 2219418 h 2241752"/>
+              <a:gd name="connsiteX1" fmla="*/ 687941 w 1988685"/>
+              <a:gd name="connsiteY1" fmla="*/ 2237173 h 2241752"/>
+              <a:gd name="connsiteX2" fmla="*/ 554776 w 1988685"/>
+              <a:gd name="connsiteY2" fmla="*/ 2130641 h 2241752"/>
+              <a:gd name="connsiteX3" fmla="*/ 412733 w 1988685"/>
+              <a:gd name="connsiteY3" fmla="*/ 1961965 h 2241752"/>
+              <a:gd name="connsiteX4" fmla="*/ 315079 w 1988685"/>
+              <a:gd name="connsiteY4" fmla="*/ 1846556 h 2241752"/>
+              <a:gd name="connsiteX5" fmla="*/ 297324 w 1988685"/>
+              <a:gd name="connsiteY5" fmla="*/ 1819923 h 2241752"/>
+              <a:gd name="connsiteX6" fmla="*/ 75382 w 1988685"/>
+              <a:gd name="connsiteY6" fmla="*/ 1526959 h 2241752"/>
+              <a:gd name="connsiteX7" fmla="*/ 22116 w 1988685"/>
+              <a:gd name="connsiteY7" fmla="*/ 1402672 h 2241752"/>
+              <a:gd name="connsiteX8" fmla="*/ 30994 w 1988685"/>
+              <a:gd name="connsiteY8" fmla="*/ 905523 h 2241752"/>
+              <a:gd name="connsiteX9" fmla="*/ 39871 w 1988685"/>
+              <a:gd name="connsiteY9" fmla="*/ 870012 h 2241752"/>
+              <a:gd name="connsiteX10" fmla="*/ 119770 w 1988685"/>
+              <a:gd name="connsiteY10" fmla="*/ 656948 h 2241752"/>
+              <a:gd name="connsiteX11" fmla="*/ 128648 w 1988685"/>
+              <a:gd name="connsiteY11" fmla="*/ 630315 h 2241752"/>
+              <a:gd name="connsiteX12" fmla="*/ 217425 w 1988685"/>
+              <a:gd name="connsiteY12" fmla="*/ 435006 h 2241752"/>
+              <a:gd name="connsiteX13" fmla="*/ 226302 w 1988685"/>
+              <a:gd name="connsiteY13" fmla="*/ 399495 h 2241752"/>
+              <a:gd name="connsiteX14" fmla="*/ 341712 w 1988685"/>
+              <a:gd name="connsiteY14" fmla="*/ 221942 h 2241752"/>
+              <a:gd name="connsiteX15" fmla="*/ 457122 w 1988685"/>
+              <a:gd name="connsiteY15" fmla="*/ 97655 h 2241752"/>
+              <a:gd name="connsiteX16" fmla="*/ 652430 w 1988685"/>
+              <a:gd name="connsiteY16" fmla="*/ 35511 h 2241752"/>
+              <a:gd name="connsiteX17" fmla="*/ 918761 w 1988685"/>
+              <a:gd name="connsiteY17" fmla="*/ 0 h 2241752"/>
+              <a:gd name="connsiteX18" fmla="*/ 1167335 w 1988685"/>
+              <a:gd name="connsiteY18" fmla="*/ 26633 h 2241752"/>
+              <a:gd name="connsiteX19" fmla="*/ 1424788 w 1988685"/>
+              <a:gd name="connsiteY19" fmla="*/ 150921 h 2241752"/>
+              <a:gd name="connsiteX20" fmla="*/ 1531320 w 1988685"/>
+              <a:gd name="connsiteY20" fmla="*/ 221942 h 2241752"/>
+              <a:gd name="connsiteX21" fmla="*/ 1682240 w 1988685"/>
+              <a:gd name="connsiteY21" fmla="*/ 381740 h 2241752"/>
+              <a:gd name="connsiteX22" fmla="*/ 1815405 w 1988685"/>
+              <a:gd name="connsiteY22" fmla="*/ 621437 h 2241752"/>
+              <a:gd name="connsiteX23" fmla="*/ 1824283 w 1988685"/>
+              <a:gd name="connsiteY23" fmla="*/ 648070 h 2241752"/>
+              <a:gd name="connsiteX24" fmla="*/ 1957448 w 1988685"/>
+              <a:gd name="connsiteY24" fmla="*/ 932156 h 2241752"/>
+              <a:gd name="connsiteX25" fmla="*/ 1975203 w 1988685"/>
+              <a:gd name="connsiteY25" fmla="*/ 1020932 h 2241752"/>
+              <a:gd name="connsiteX26" fmla="*/ 1966326 w 1988685"/>
+              <a:gd name="connsiteY26" fmla="*/ 1633492 h 2241752"/>
+              <a:gd name="connsiteX27" fmla="*/ 1939693 w 1988685"/>
+              <a:gd name="connsiteY27" fmla="*/ 1713391 h 2241752"/>
+              <a:gd name="connsiteX28" fmla="*/ 1744384 w 1988685"/>
+              <a:gd name="connsiteY28" fmla="*/ 1961965 h 2241752"/>
+              <a:gd name="connsiteX29" fmla="*/ 1602341 w 1988685"/>
+              <a:gd name="connsiteY29" fmla="*/ 2041864 h 2241752"/>
+              <a:gd name="connsiteX30" fmla="*/ 1495809 w 1988685"/>
+              <a:gd name="connsiteY30" fmla="*/ 2104008 h 2241752"/>
+              <a:gd name="connsiteX31" fmla="*/ 1176213 w 1988685"/>
+              <a:gd name="connsiteY31" fmla="*/ 2192785 h 2241752"/>
+              <a:gd name="connsiteX32" fmla="*/ 1078559 w 1988685"/>
+              <a:gd name="connsiteY32" fmla="*/ 2219418 h 2241752"/>
+              <a:gd name="connsiteX0" fmla="*/ 1078559 w 1988685"/>
+              <a:gd name="connsiteY0" fmla="*/ 2219418 h 2241752"/>
+              <a:gd name="connsiteX1" fmla="*/ 687941 w 1988685"/>
+              <a:gd name="connsiteY1" fmla="*/ 2237173 h 2241752"/>
+              <a:gd name="connsiteX2" fmla="*/ 554776 w 1988685"/>
+              <a:gd name="connsiteY2" fmla="*/ 2130641 h 2241752"/>
+              <a:gd name="connsiteX3" fmla="*/ 412733 w 1988685"/>
+              <a:gd name="connsiteY3" fmla="*/ 1961965 h 2241752"/>
+              <a:gd name="connsiteX4" fmla="*/ 315079 w 1988685"/>
+              <a:gd name="connsiteY4" fmla="*/ 1846556 h 2241752"/>
+              <a:gd name="connsiteX5" fmla="*/ 297324 w 1988685"/>
+              <a:gd name="connsiteY5" fmla="*/ 1819923 h 2241752"/>
+              <a:gd name="connsiteX6" fmla="*/ 75382 w 1988685"/>
+              <a:gd name="connsiteY6" fmla="*/ 1526959 h 2241752"/>
+              <a:gd name="connsiteX7" fmla="*/ 22116 w 1988685"/>
+              <a:gd name="connsiteY7" fmla="*/ 1402672 h 2241752"/>
+              <a:gd name="connsiteX8" fmla="*/ 30994 w 1988685"/>
+              <a:gd name="connsiteY8" fmla="*/ 905523 h 2241752"/>
+              <a:gd name="connsiteX9" fmla="*/ 39871 w 1988685"/>
+              <a:gd name="connsiteY9" fmla="*/ 870012 h 2241752"/>
+              <a:gd name="connsiteX10" fmla="*/ 119770 w 1988685"/>
+              <a:gd name="connsiteY10" fmla="*/ 656948 h 2241752"/>
+              <a:gd name="connsiteX11" fmla="*/ 128648 w 1988685"/>
+              <a:gd name="connsiteY11" fmla="*/ 630315 h 2241752"/>
+              <a:gd name="connsiteX12" fmla="*/ 217425 w 1988685"/>
+              <a:gd name="connsiteY12" fmla="*/ 435006 h 2241752"/>
+              <a:gd name="connsiteX13" fmla="*/ 341712 w 1988685"/>
+              <a:gd name="connsiteY13" fmla="*/ 221942 h 2241752"/>
+              <a:gd name="connsiteX14" fmla="*/ 457122 w 1988685"/>
+              <a:gd name="connsiteY14" fmla="*/ 97655 h 2241752"/>
+              <a:gd name="connsiteX15" fmla="*/ 652430 w 1988685"/>
+              <a:gd name="connsiteY15" fmla="*/ 35511 h 2241752"/>
+              <a:gd name="connsiteX16" fmla="*/ 918761 w 1988685"/>
+              <a:gd name="connsiteY16" fmla="*/ 0 h 2241752"/>
+              <a:gd name="connsiteX17" fmla="*/ 1167335 w 1988685"/>
+              <a:gd name="connsiteY17" fmla="*/ 26633 h 2241752"/>
+              <a:gd name="connsiteX18" fmla="*/ 1424788 w 1988685"/>
+              <a:gd name="connsiteY18" fmla="*/ 150921 h 2241752"/>
+              <a:gd name="connsiteX19" fmla="*/ 1531320 w 1988685"/>
+              <a:gd name="connsiteY19" fmla="*/ 221942 h 2241752"/>
+              <a:gd name="connsiteX20" fmla="*/ 1682240 w 1988685"/>
+              <a:gd name="connsiteY20" fmla="*/ 381740 h 2241752"/>
+              <a:gd name="connsiteX21" fmla="*/ 1815405 w 1988685"/>
+              <a:gd name="connsiteY21" fmla="*/ 621437 h 2241752"/>
+              <a:gd name="connsiteX22" fmla="*/ 1824283 w 1988685"/>
+              <a:gd name="connsiteY22" fmla="*/ 648070 h 2241752"/>
+              <a:gd name="connsiteX23" fmla="*/ 1957448 w 1988685"/>
+              <a:gd name="connsiteY23" fmla="*/ 932156 h 2241752"/>
+              <a:gd name="connsiteX24" fmla="*/ 1975203 w 1988685"/>
+              <a:gd name="connsiteY24" fmla="*/ 1020932 h 2241752"/>
+              <a:gd name="connsiteX25" fmla="*/ 1966326 w 1988685"/>
+              <a:gd name="connsiteY25" fmla="*/ 1633492 h 2241752"/>
+              <a:gd name="connsiteX26" fmla="*/ 1939693 w 1988685"/>
+              <a:gd name="connsiteY26" fmla="*/ 1713391 h 2241752"/>
+              <a:gd name="connsiteX27" fmla="*/ 1744384 w 1988685"/>
+              <a:gd name="connsiteY27" fmla="*/ 1961965 h 2241752"/>
+              <a:gd name="connsiteX28" fmla="*/ 1602341 w 1988685"/>
+              <a:gd name="connsiteY28" fmla="*/ 2041864 h 2241752"/>
+              <a:gd name="connsiteX29" fmla="*/ 1495809 w 1988685"/>
+              <a:gd name="connsiteY29" fmla="*/ 2104008 h 2241752"/>
+              <a:gd name="connsiteX30" fmla="*/ 1176213 w 1988685"/>
+              <a:gd name="connsiteY30" fmla="*/ 2192785 h 2241752"/>
+              <a:gd name="connsiteX31" fmla="*/ 1078559 w 1988685"/>
+              <a:gd name="connsiteY31" fmla="*/ 2219418 h 2241752"/>
+              <a:gd name="connsiteX0" fmla="*/ 1078559 w 1988685"/>
+              <a:gd name="connsiteY0" fmla="*/ 2219418 h 2241752"/>
+              <a:gd name="connsiteX1" fmla="*/ 687941 w 1988685"/>
+              <a:gd name="connsiteY1" fmla="*/ 2237173 h 2241752"/>
+              <a:gd name="connsiteX2" fmla="*/ 554776 w 1988685"/>
+              <a:gd name="connsiteY2" fmla="*/ 2130641 h 2241752"/>
+              <a:gd name="connsiteX3" fmla="*/ 412733 w 1988685"/>
+              <a:gd name="connsiteY3" fmla="*/ 1961965 h 2241752"/>
+              <a:gd name="connsiteX4" fmla="*/ 315079 w 1988685"/>
+              <a:gd name="connsiteY4" fmla="*/ 1846556 h 2241752"/>
+              <a:gd name="connsiteX5" fmla="*/ 297324 w 1988685"/>
+              <a:gd name="connsiteY5" fmla="*/ 1819923 h 2241752"/>
+              <a:gd name="connsiteX6" fmla="*/ 75382 w 1988685"/>
+              <a:gd name="connsiteY6" fmla="*/ 1526959 h 2241752"/>
+              <a:gd name="connsiteX7" fmla="*/ 22116 w 1988685"/>
+              <a:gd name="connsiteY7" fmla="*/ 1402672 h 2241752"/>
+              <a:gd name="connsiteX8" fmla="*/ 30994 w 1988685"/>
+              <a:gd name="connsiteY8" fmla="*/ 905523 h 2241752"/>
+              <a:gd name="connsiteX9" fmla="*/ 39871 w 1988685"/>
+              <a:gd name="connsiteY9" fmla="*/ 870012 h 2241752"/>
+              <a:gd name="connsiteX10" fmla="*/ 119770 w 1988685"/>
+              <a:gd name="connsiteY10" fmla="*/ 656948 h 2241752"/>
+              <a:gd name="connsiteX11" fmla="*/ 217425 w 1988685"/>
+              <a:gd name="connsiteY11" fmla="*/ 435006 h 2241752"/>
+              <a:gd name="connsiteX12" fmla="*/ 341712 w 1988685"/>
+              <a:gd name="connsiteY12" fmla="*/ 221942 h 2241752"/>
+              <a:gd name="connsiteX13" fmla="*/ 457122 w 1988685"/>
+              <a:gd name="connsiteY13" fmla="*/ 97655 h 2241752"/>
+              <a:gd name="connsiteX14" fmla="*/ 652430 w 1988685"/>
+              <a:gd name="connsiteY14" fmla="*/ 35511 h 2241752"/>
+              <a:gd name="connsiteX15" fmla="*/ 918761 w 1988685"/>
+              <a:gd name="connsiteY15" fmla="*/ 0 h 2241752"/>
+              <a:gd name="connsiteX16" fmla="*/ 1167335 w 1988685"/>
+              <a:gd name="connsiteY16" fmla="*/ 26633 h 2241752"/>
+              <a:gd name="connsiteX17" fmla="*/ 1424788 w 1988685"/>
+              <a:gd name="connsiteY17" fmla="*/ 150921 h 2241752"/>
+              <a:gd name="connsiteX18" fmla="*/ 1531320 w 1988685"/>
+              <a:gd name="connsiteY18" fmla="*/ 221942 h 2241752"/>
+              <a:gd name="connsiteX19" fmla="*/ 1682240 w 1988685"/>
+              <a:gd name="connsiteY19" fmla="*/ 381740 h 2241752"/>
+              <a:gd name="connsiteX20" fmla="*/ 1815405 w 1988685"/>
+              <a:gd name="connsiteY20" fmla="*/ 621437 h 2241752"/>
+              <a:gd name="connsiteX21" fmla="*/ 1824283 w 1988685"/>
+              <a:gd name="connsiteY21" fmla="*/ 648070 h 2241752"/>
+              <a:gd name="connsiteX22" fmla="*/ 1957448 w 1988685"/>
+              <a:gd name="connsiteY22" fmla="*/ 932156 h 2241752"/>
+              <a:gd name="connsiteX23" fmla="*/ 1975203 w 1988685"/>
+              <a:gd name="connsiteY23" fmla="*/ 1020932 h 2241752"/>
+              <a:gd name="connsiteX24" fmla="*/ 1966326 w 1988685"/>
+              <a:gd name="connsiteY24" fmla="*/ 1633492 h 2241752"/>
+              <a:gd name="connsiteX25" fmla="*/ 1939693 w 1988685"/>
+              <a:gd name="connsiteY25" fmla="*/ 1713391 h 2241752"/>
+              <a:gd name="connsiteX26" fmla="*/ 1744384 w 1988685"/>
+              <a:gd name="connsiteY26" fmla="*/ 1961965 h 2241752"/>
+              <a:gd name="connsiteX27" fmla="*/ 1602341 w 1988685"/>
+              <a:gd name="connsiteY27" fmla="*/ 2041864 h 2241752"/>
+              <a:gd name="connsiteX28" fmla="*/ 1495809 w 1988685"/>
+              <a:gd name="connsiteY28" fmla="*/ 2104008 h 2241752"/>
+              <a:gd name="connsiteX29" fmla="*/ 1176213 w 1988685"/>
+              <a:gd name="connsiteY29" fmla="*/ 2192785 h 2241752"/>
+              <a:gd name="connsiteX30" fmla="*/ 1078559 w 1988685"/>
+              <a:gd name="connsiteY30" fmla="*/ 2219418 h 2241752"/>
+              <a:gd name="connsiteX0" fmla="*/ 1058468 w 1968594"/>
+              <a:gd name="connsiteY0" fmla="*/ 2219418 h 2241752"/>
+              <a:gd name="connsiteX1" fmla="*/ 667850 w 1968594"/>
+              <a:gd name="connsiteY1" fmla="*/ 2237173 h 2241752"/>
+              <a:gd name="connsiteX2" fmla="*/ 534685 w 1968594"/>
+              <a:gd name="connsiteY2" fmla="*/ 2130641 h 2241752"/>
+              <a:gd name="connsiteX3" fmla="*/ 392642 w 1968594"/>
+              <a:gd name="connsiteY3" fmla="*/ 1961965 h 2241752"/>
+              <a:gd name="connsiteX4" fmla="*/ 294988 w 1968594"/>
+              <a:gd name="connsiteY4" fmla="*/ 1846556 h 2241752"/>
+              <a:gd name="connsiteX5" fmla="*/ 277233 w 1968594"/>
+              <a:gd name="connsiteY5" fmla="*/ 1819923 h 2241752"/>
+              <a:gd name="connsiteX6" fmla="*/ 55291 w 1968594"/>
+              <a:gd name="connsiteY6" fmla="*/ 1526959 h 2241752"/>
+              <a:gd name="connsiteX7" fmla="*/ 2025 w 1968594"/>
+              <a:gd name="connsiteY7" fmla="*/ 1402672 h 2241752"/>
+              <a:gd name="connsiteX8" fmla="*/ 19780 w 1968594"/>
+              <a:gd name="connsiteY8" fmla="*/ 870012 h 2241752"/>
+              <a:gd name="connsiteX9" fmla="*/ 99679 w 1968594"/>
+              <a:gd name="connsiteY9" fmla="*/ 656948 h 2241752"/>
+              <a:gd name="connsiteX10" fmla="*/ 197334 w 1968594"/>
+              <a:gd name="connsiteY10" fmla="*/ 435006 h 2241752"/>
+              <a:gd name="connsiteX11" fmla="*/ 321621 w 1968594"/>
+              <a:gd name="connsiteY11" fmla="*/ 221942 h 2241752"/>
+              <a:gd name="connsiteX12" fmla="*/ 437031 w 1968594"/>
+              <a:gd name="connsiteY12" fmla="*/ 97655 h 2241752"/>
+              <a:gd name="connsiteX13" fmla="*/ 632339 w 1968594"/>
+              <a:gd name="connsiteY13" fmla="*/ 35511 h 2241752"/>
+              <a:gd name="connsiteX14" fmla="*/ 898670 w 1968594"/>
+              <a:gd name="connsiteY14" fmla="*/ 0 h 2241752"/>
+              <a:gd name="connsiteX15" fmla="*/ 1147244 w 1968594"/>
+              <a:gd name="connsiteY15" fmla="*/ 26633 h 2241752"/>
+              <a:gd name="connsiteX16" fmla="*/ 1404697 w 1968594"/>
+              <a:gd name="connsiteY16" fmla="*/ 150921 h 2241752"/>
+              <a:gd name="connsiteX17" fmla="*/ 1511229 w 1968594"/>
+              <a:gd name="connsiteY17" fmla="*/ 221942 h 2241752"/>
+              <a:gd name="connsiteX18" fmla="*/ 1662149 w 1968594"/>
+              <a:gd name="connsiteY18" fmla="*/ 381740 h 2241752"/>
+              <a:gd name="connsiteX19" fmla="*/ 1795314 w 1968594"/>
+              <a:gd name="connsiteY19" fmla="*/ 621437 h 2241752"/>
+              <a:gd name="connsiteX20" fmla="*/ 1804192 w 1968594"/>
+              <a:gd name="connsiteY20" fmla="*/ 648070 h 2241752"/>
+              <a:gd name="connsiteX21" fmla="*/ 1937357 w 1968594"/>
+              <a:gd name="connsiteY21" fmla="*/ 932156 h 2241752"/>
+              <a:gd name="connsiteX22" fmla="*/ 1955112 w 1968594"/>
+              <a:gd name="connsiteY22" fmla="*/ 1020932 h 2241752"/>
+              <a:gd name="connsiteX23" fmla="*/ 1946235 w 1968594"/>
+              <a:gd name="connsiteY23" fmla="*/ 1633492 h 2241752"/>
+              <a:gd name="connsiteX24" fmla="*/ 1919602 w 1968594"/>
+              <a:gd name="connsiteY24" fmla="*/ 1713391 h 2241752"/>
+              <a:gd name="connsiteX25" fmla="*/ 1724293 w 1968594"/>
+              <a:gd name="connsiteY25" fmla="*/ 1961965 h 2241752"/>
+              <a:gd name="connsiteX26" fmla="*/ 1582250 w 1968594"/>
+              <a:gd name="connsiteY26" fmla="*/ 2041864 h 2241752"/>
+              <a:gd name="connsiteX27" fmla="*/ 1475718 w 1968594"/>
+              <a:gd name="connsiteY27" fmla="*/ 2104008 h 2241752"/>
+              <a:gd name="connsiteX28" fmla="*/ 1156122 w 1968594"/>
+              <a:gd name="connsiteY28" fmla="*/ 2192785 h 2241752"/>
+              <a:gd name="connsiteX29" fmla="*/ 1058468 w 1968594"/>
+              <a:gd name="connsiteY29" fmla="*/ 2219418 h 2241752"/>
+              <a:gd name="connsiteX0" fmla="*/ 1058468 w 1968594"/>
+              <a:gd name="connsiteY0" fmla="*/ 2219418 h 2241752"/>
+              <a:gd name="connsiteX1" fmla="*/ 667850 w 1968594"/>
+              <a:gd name="connsiteY1" fmla="*/ 2237173 h 2241752"/>
+              <a:gd name="connsiteX2" fmla="*/ 534685 w 1968594"/>
+              <a:gd name="connsiteY2" fmla="*/ 2130641 h 2241752"/>
+              <a:gd name="connsiteX3" fmla="*/ 392642 w 1968594"/>
+              <a:gd name="connsiteY3" fmla="*/ 1961965 h 2241752"/>
+              <a:gd name="connsiteX4" fmla="*/ 294988 w 1968594"/>
+              <a:gd name="connsiteY4" fmla="*/ 1846556 h 2241752"/>
+              <a:gd name="connsiteX5" fmla="*/ 277233 w 1968594"/>
+              <a:gd name="connsiteY5" fmla="*/ 1819923 h 2241752"/>
+              <a:gd name="connsiteX6" fmla="*/ 55291 w 1968594"/>
+              <a:gd name="connsiteY6" fmla="*/ 1526959 h 2241752"/>
+              <a:gd name="connsiteX7" fmla="*/ 2025 w 1968594"/>
+              <a:gd name="connsiteY7" fmla="*/ 1402672 h 2241752"/>
+              <a:gd name="connsiteX8" fmla="*/ 19780 w 1968594"/>
+              <a:gd name="connsiteY8" fmla="*/ 870012 h 2241752"/>
+              <a:gd name="connsiteX9" fmla="*/ 99679 w 1968594"/>
+              <a:gd name="connsiteY9" fmla="*/ 656948 h 2241752"/>
+              <a:gd name="connsiteX10" fmla="*/ 197334 w 1968594"/>
+              <a:gd name="connsiteY10" fmla="*/ 435006 h 2241752"/>
+              <a:gd name="connsiteX11" fmla="*/ 321621 w 1968594"/>
+              <a:gd name="connsiteY11" fmla="*/ 221942 h 2241752"/>
+              <a:gd name="connsiteX12" fmla="*/ 437031 w 1968594"/>
+              <a:gd name="connsiteY12" fmla="*/ 97655 h 2241752"/>
+              <a:gd name="connsiteX13" fmla="*/ 632339 w 1968594"/>
+              <a:gd name="connsiteY13" fmla="*/ 35511 h 2241752"/>
+              <a:gd name="connsiteX14" fmla="*/ 898670 w 1968594"/>
+              <a:gd name="connsiteY14" fmla="*/ 0 h 2241752"/>
+              <a:gd name="connsiteX15" fmla="*/ 1147244 w 1968594"/>
+              <a:gd name="connsiteY15" fmla="*/ 26633 h 2241752"/>
+              <a:gd name="connsiteX16" fmla="*/ 1404697 w 1968594"/>
+              <a:gd name="connsiteY16" fmla="*/ 150921 h 2241752"/>
+              <a:gd name="connsiteX17" fmla="*/ 1511229 w 1968594"/>
+              <a:gd name="connsiteY17" fmla="*/ 221942 h 2241752"/>
+              <a:gd name="connsiteX18" fmla="*/ 1662149 w 1968594"/>
+              <a:gd name="connsiteY18" fmla="*/ 381740 h 2241752"/>
+              <a:gd name="connsiteX19" fmla="*/ 1795314 w 1968594"/>
+              <a:gd name="connsiteY19" fmla="*/ 621437 h 2241752"/>
+              <a:gd name="connsiteX20" fmla="*/ 1937357 w 1968594"/>
+              <a:gd name="connsiteY20" fmla="*/ 932156 h 2241752"/>
+              <a:gd name="connsiteX21" fmla="*/ 1955112 w 1968594"/>
+              <a:gd name="connsiteY21" fmla="*/ 1020932 h 2241752"/>
+              <a:gd name="connsiteX22" fmla="*/ 1946235 w 1968594"/>
+              <a:gd name="connsiteY22" fmla="*/ 1633492 h 2241752"/>
+              <a:gd name="connsiteX23" fmla="*/ 1919602 w 1968594"/>
+              <a:gd name="connsiteY23" fmla="*/ 1713391 h 2241752"/>
+              <a:gd name="connsiteX24" fmla="*/ 1724293 w 1968594"/>
+              <a:gd name="connsiteY24" fmla="*/ 1961965 h 2241752"/>
+              <a:gd name="connsiteX25" fmla="*/ 1582250 w 1968594"/>
+              <a:gd name="connsiteY25" fmla="*/ 2041864 h 2241752"/>
+              <a:gd name="connsiteX26" fmla="*/ 1475718 w 1968594"/>
+              <a:gd name="connsiteY26" fmla="*/ 2104008 h 2241752"/>
+              <a:gd name="connsiteX27" fmla="*/ 1156122 w 1968594"/>
+              <a:gd name="connsiteY27" fmla="*/ 2192785 h 2241752"/>
+              <a:gd name="connsiteX28" fmla="*/ 1058468 w 1968594"/>
+              <a:gd name="connsiteY28" fmla="*/ 2219418 h 2241752"/>
+              <a:gd name="connsiteX0" fmla="*/ 1058468 w 1952400"/>
+              <a:gd name="connsiteY0" fmla="*/ 2219418 h 2241752"/>
+              <a:gd name="connsiteX1" fmla="*/ 667850 w 1952400"/>
+              <a:gd name="connsiteY1" fmla="*/ 2237173 h 2241752"/>
+              <a:gd name="connsiteX2" fmla="*/ 534685 w 1952400"/>
+              <a:gd name="connsiteY2" fmla="*/ 2130641 h 2241752"/>
+              <a:gd name="connsiteX3" fmla="*/ 392642 w 1952400"/>
+              <a:gd name="connsiteY3" fmla="*/ 1961965 h 2241752"/>
+              <a:gd name="connsiteX4" fmla="*/ 294988 w 1952400"/>
+              <a:gd name="connsiteY4" fmla="*/ 1846556 h 2241752"/>
+              <a:gd name="connsiteX5" fmla="*/ 277233 w 1952400"/>
+              <a:gd name="connsiteY5" fmla="*/ 1819923 h 2241752"/>
+              <a:gd name="connsiteX6" fmla="*/ 55291 w 1952400"/>
+              <a:gd name="connsiteY6" fmla="*/ 1526959 h 2241752"/>
+              <a:gd name="connsiteX7" fmla="*/ 2025 w 1952400"/>
+              <a:gd name="connsiteY7" fmla="*/ 1402672 h 2241752"/>
+              <a:gd name="connsiteX8" fmla="*/ 19780 w 1952400"/>
+              <a:gd name="connsiteY8" fmla="*/ 870012 h 2241752"/>
+              <a:gd name="connsiteX9" fmla="*/ 99679 w 1952400"/>
+              <a:gd name="connsiteY9" fmla="*/ 656948 h 2241752"/>
+              <a:gd name="connsiteX10" fmla="*/ 197334 w 1952400"/>
+              <a:gd name="connsiteY10" fmla="*/ 435006 h 2241752"/>
+              <a:gd name="connsiteX11" fmla="*/ 321621 w 1952400"/>
+              <a:gd name="connsiteY11" fmla="*/ 221942 h 2241752"/>
+              <a:gd name="connsiteX12" fmla="*/ 437031 w 1952400"/>
+              <a:gd name="connsiteY12" fmla="*/ 97655 h 2241752"/>
+              <a:gd name="connsiteX13" fmla="*/ 632339 w 1952400"/>
+              <a:gd name="connsiteY13" fmla="*/ 35511 h 2241752"/>
+              <a:gd name="connsiteX14" fmla="*/ 898670 w 1952400"/>
+              <a:gd name="connsiteY14" fmla="*/ 0 h 2241752"/>
+              <a:gd name="connsiteX15" fmla="*/ 1147244 w 1952400"/>
+              <a:gd name="connsiteY15" fmla="*/ 26633 h 2241752"/>
+              <a:gd name="connsiteX16" fmla="*/ 1404697 w 1952400"/>
+              <a:gd name="connsiteY16" fmla="*/ 150921 h 2241752"/>
+              <a:gd name="connsiteX17" fmla="*/ 1511229 w 1952400"/>
+              <a:gd name="connsiteY17" fmla="*/ 221942 h 2241752"/>
+              <a:gd name="connsiteX18" fmla="*/ 1662149 w 1952400"/>
+              <a:gd name="connsiteY18" fmla="*/ 381740 h 2241752"/>
+              <a:gd name="connsiteX19" fmla="*/ 1795314 w 1952400"/>
+              <a:gd name="connsiteY19" fmla="*/ 621437 h 2241752"/>
+              <a:gd name="connsiteX20" fmla="*/ 1937357 w 1952400"/>
+              <a:gd name="connsiteY20" fmla="*/ 932156 h 2241752"/>
+              <a:gd name="connsiteX21" fmla="*/ 1946235 w 1952400"/>
+              <a:gd name="connsiteY21" fmla="*/ 1633492 h 2241752"/>
+              <a:gd name="connsiteX22" fmla="*/ 1919602 w 1952400"/>
+              <a:gd name="connsiteY22" fmla="*/ 1713391 h 2241752"/>
+              <a:gd name="connsiteX23" fmla="*/ 1724293 w 1952400"/>
+              <a:gd name="connsiteY23" fmla="*/ 1961965 h 2241752"/>
+              <a:gd name="connsiteX24" fmla="*/ 1582250 w 1952400"/>
+              <a:gd name="connsiteY24" fmla="*/ 2041864 h 2241752"/>
+              <a:gd name="connsiteX25" fmla="*/ 1475718 w 1952400"/>
+              <a:gd name="connsiteY25" fmla="*/ 2104008 h 2241752"/>
+              <a:gd name="connsiteX26" fmla="*/ 1156122 w 1952400"/>
+              <a:gd name="connsiteY26" fmla="*/ 2192785 h 2241752"/>
+              <a:gd name="connsiteX27" fmla="*/ 1058468 w 1952400"/>
+              <a:gd name="connsiteY27" fmla="*/ 2219418 h 2241752"/>
+              <a:gd name="connsiteX0" fmla="*/ 1058468 w 1952400"/>
+              <a:gd name="connsiteY0" fmla="*/ 2219418 h 2241752"/>
+              <a:gd name="connsiteX1" fmla="*/ 667850 w 1952400"/>
+              <a:gd name="connsiteY1" fmla="*/ 2237173 h 2241752"/>
+              <a:gd name="connsiteX2" fmla="*/ 534685 w 1952400"/>
+              <a:gd name="connsiteY2" fmla="*/ 2130641 h 2241752"/>
+              <a:gd name="connsiteX3" fmla="*/ 392642 w 1952400"/>
+              <a:gd name="connsiteY3" fmla="*/ 1961965 h 2241752"/>
+              <a:gd name="connsiteX4" fmla="*/ 294988 w 1952400"/>
+              <a:gd name="connsiteY4" fmla="*/ 1846556 h 2241752"/>
+              <a:gd name="connsiteX5" fmla="*/ 277233 w 1952400"/>
+              <a:gd name="connsiteY5" fmla="*/ 1819923 h 2241752"/>
+              <a:gd name="connsiteX6" fmla="*/ 55291 w 1952400"/>
+              <a:gd name="connsiteY6" fmla="*/ 1526959 h 2241752"/>
+              <a:gd name="connsiteX7" fmla="*/ 2025 w 1952400"/>
+              <a:gd name="connsiteY7" fmla="*/ 1402672 h 2241752"/>
+              <a:gd name="connsiteX8" fmla="*/ 19780 w 1952400"/>
+              <a:gd name="connsiteY8" fmla="*/ 870012 h 2241752"/>
+              <a:gd name="connsiteX9" fmla="*/ 99679 w 1952400"/>
+              <a:gd name="connsiteY9" fmla="*/ 656948 h 2241752"/>
+              <a:gd name="connsiteX10" fmla="*/ 197334 w 1952400"/>
+              <a:gd name="connsiteY10" fmla="*/ 435006 h 2241752"/>
+              <a:gd name="connsiteX11" fmla="*/ 321621 w 1952400"/>
+              <a:gd name="connsiteY11" fmla="*/ 221942 h 2241752"/>
+              <a:gd name="connsiteX12" fmla="*/ 437031 w 1952400"/>
+              <a:gd name="connsiteY12" fmla="*/ 97655 h 2241752"/>
+              <a:gd name="connsiteX13" fmla="*/ 632339 w 1952400"/>
+              <a:gd name="connsiteY13" fmla="*/ 35511 h 2241752"/>
+              <a:gd name="connsiteX14" fmla="*/ 898670 w 1952400"/>
+              <a:gd name="connsiteY14" fmla="*/ 0 h 2241752"/>
+              <a:gd name="connsiteX15" fmla="*/ 1147244 w 1952400"/>
+              <a:gd name="connsiteY15" fmla="*/ 26633 h 2241752"/>
+              <a:gd name="connsiteX16" fmla="*/ 1404697 w 1952400"/>
+              <a:gd name="connsiteY16" fmla="*/ 150921 h 2241752"/>
+              <a:gd name="connsiteX17" fmla="*/ 1511229 w 1952400"/>
+              <a:gd name="connsiteY17" fmla="*/ 221942 h 2241752"/>
+              <a:gd name="connsiteX18" fmla="*/ 1662149 w 1952400"/>
+              <a:gd name="connsiteY18" fmla="*/ 381740 h 2241752"/>
+              <a:gd name="connsiteX19" fmla="*/ 1795314 w 1952400"/>
+              <a:gd name="connsiteY19" fmla="*/ 621437 h 2241752"/>
+              <a:gd name="connsiteX20" fmla="*/ 1937357 w 1952400"/>
+              <a:gd name="connsiteY20" fmla="*/ 932156 h 2241752"/>
+              <a:gd name="connsiteX21" fmla="*/ 1946235 w 1952400"/>
+              <a:gd name="connsiteY21" fmla="*/ 1633492 h 2241752"/>
+              <a:gd name="connsiteX22" fmla="*/ 1919602 w 1952400"/>
+              <a:gd name="connsiteY22" fmla="*/ 1713391 h 2241752"/>
+              <a:gd name="connsiteX23" fmla="*/ 1724293 w 1952400"/>
+              <a:gd name="connsiteY23" fmla="*/ 1961965 h 2241752"/>
+              <a:gd name="connsiteX24" fmla="*/ 1582250 w 1952400"/>
+              <a:gd name="connsiteY24" fmla="*/ 2041864 h 2241752"/>
+              <a:gd name="connsiteX25" fmla="*/ 1475718 w 1952400"/>
+              <a:gd name="connsiteY25" fmla="*/ 2104008 h 2241752"/>
+              <a:gd name="connsiteX26" fmla="*/ 1156122 w 1952400"/>
+              <a:gd name="connsiteY26" fmla="*/ 2192785 h 2241752"/>
+              <a:gd name="connsiteX27" fmla="*/ 1058468 w 1952400"/>
+              <a:gd name="connsiteY27" fmla="*/ 2219418 h 2241752"/>
+              <a:gd name="connsiteX0" fmla="*/ 1058468 w 1950286"/>
+              <a:gd name="connsiteY0" fmla="*/ 2219418 h 2241752"/>
+              <a:gd name="connsiteX1" fmla="*/ 667850 w 1950286"/>
+              <a:gd name="connsiteY1" fmla="*/ 2237173 h 2241752"/>
+              <a:gd name="connsiteX2" fmla="*/ 534685 w 1950286"/>
+              <a:gd name="connsiteY2" fmla="*/ 2130641 h 2241752"/>
+              <a:gd name="connsiteX3" fmla="*/ 392642 w 1950286"/>
+              <a:gd name="connsiteY3" fmla="*/ 1961965 h 2241752"/>
+              <a:gd name="connsiteX4" fmla="*/ 294988 w 1950286"/>
+              <a:gd name="connsiteY4" fmla="*/ 1846556 h 2241752"/>
+              <a:gd name="connsiteX5" fmla="*/ 277233 w 1950286"/>
+              <a:gd name="connsiteY5" fmla="*/ 1819923 h 2241752"/>
+              <a:gd name="connsiteX6" fmla="*/ 55291 w 1950286"/>
+              <a:gd name="connsiteY6" fmla="*/ 1526959 h 2241752"/>
+              <a:gd name="connsiteX7" fmla="*/ 2025 w 1950286"/>
+              <a:gd name="connsiteY7" fmla="*/ 1402672 h 2241752"/>
+              <a:gd name="connsiteX8" fmla="*/ 19780 w 1950286"/>
+              <a:gd name="connsiteY8" fmla="*/ 870012 h 2241752"/>
+              <a:gd name="connsiteX9" fmla="*/ 99679 w 1950286"/>
+              <a:gd name="connsiteY9" fmla="*/ 656948 h 2241752"/>
+              <a:gd name="connsiteX10" fmla="*/ 197334 w 1950286"/>
+              <a:gd name="connsiteY10" fmla="*/ 435006 h 2241752"/>
+              <a:gd name="connsiteX11" fmla="*/ 321621 w 1950286"/>
+              <a:gd name="connsiteY11" fmla="*/ 221942 h 2241752"/>
+              <a:gd name="connsiteX12" fmla="*/ 437031 w 1950286"/>
+              <a:gd name="connsiteY12" fmla="*/ 97655 h 2241752"/>
+              <a:gd name="connsiteX13" fmla="*/ 632339 w 1950286"/>
+              <a:gd name="connsiteY13" fmla="*/ 35511 h 2241752"/>
+              <a:gd name="connsiteX14" fmla="*/ 898670 w 1950286"/>
+              <a:gd name="connsiteY14" fmla="*/ 0 h 2241752"/>
+              <a:gd name="connsiteX15" fmla="*/ 1147244 w 1950286"/>
+              <a:gd name="connsiteY15" fmla="*/ 26633 h 2241752"/>
+              <a:gd name="connsiteX16" fmla="*/ 1404697 w 1950286"/>
+              <a:gd name="connsiteY16" fmla="*/ 150921 h 2241752"/>
+              <a:gd name="connsiteX17" fmla="*/ 1511229 w 1950286"/>
+              <a:gd name="connsiteY17" fmla="*/ 221942 h 2241752"/>
+              <a:gd name="connsiteX18" fmla="*/ 1662149 w 1950286"/>
+              <a:gd name="connsiteY18" fmla="*/ 381740 h 2241752"/>
+              <a:gd name="connsiteX19" fmla="*/ 1795314 w 1950286"/>
+              <a:gd name="connsiteY19" fmla="*/ 621437 h 2241752"/>
+              <a:gd name="connsiteX20" fmla="*/ 1937357 w 1950286"/>
+              <a:gd name="connsiteY20" fmla="*/ 932156 h 2241752"/>
+              <a:gd name="connsiteX21" fmla="*/ 1919602 w 1950286"/>
+              <a:gd name="connsiteY21" fmla="*/ 1713391 h 2241752"/>
+              <a:gd name="connsiteX22" fmla="*/ 1724293 w 1950286"/>
+              <a:gd name="connsiteY22" fmla="*/ 1961965 h 2241752"/>
+              <a:gd name="connsiteX23" fmla="*/ 1582250 w 1950286"/>
+              <a:gd name="connsiteY23" fmla="*/ 2041864 h 2241752"/>
+              <a:gd name="connsiteX24" fmla="*/ 1475718 w 1950286"/>
+              <a:gd name="connsiteY24" fmla="*/ 2104008 h 2241752"/>
+              <a:gd name="connsiteX25" fmla="*/ 1156122 w 1950286"/>
+              <a:gd name="connsiteY25" fmla="*/ 2192785 h 2241752"/>
+              <a:gd name="connsiteX26" fmla="*/ 1058468 w 1950286"/>
+              <a:gd name="connsiteY26" fmla="*/ 2219418 h 2241752"/>
+              <a:gd name="connsiteX0" fmla="*/ 1058468 w 1950286"/>
+              <a:gd name="connsiteY0" fmla="*/ 2219418 h 2241752"/>
+              <a:gd name="connsiteX1" fmla="*/ 667850 w 1950286"/>
+              <a:gd name="connsiteY1" fmla="*/ 2237173 h 2241752"/>
+              <a:gd name="connsiteX2" fmla="*/ 534685 w 1950286"/>
+              <a:gd name="connsiteY2" fmla="*/ 2130641 h 2241752"/>
+              <a:gd name="connsiteX3" fmla="*/ 392642 w 1950286"/>
+              <a:gd name="connsiteY3" fmla="*/ 1961965 h 2241752"/>
+              <a:gd name="connsiteX4" fmla="*/ 294988 w 1950286"/>
+              <a:gd name="connsiteY4" fmla="*/ 1846556 h 2241752"/>
+              <a:gd name="connsiteX5" fmla="*/ 277233 w 1950286"/>
+              <a:gd name="connsiteY5" fmla="*/ 1819923 h 2241752"/>
+              <a:gd name="connsiteX6" fmla="*/ 55291 w 1950286"/>
+              <a:gd name="connsiteY6" fmla="*/ 1526959 h 2241752"/>
+              <a:gd name="connsiteX7" fmla="*/ 2025 w 1950286"/>
+              <a:gd name="connsiteY7" fmla="*/ 1402672 h 2241752"/>
+              <a:gd name="connsiteX8" fmla="*/ 19780 w 1950286"/>
+              <a:gd name="connsiteY8" fmla="*/ 870012 h 2241752"/>
+              <a:gd name="connsiteX9" fmla="*/ 99679 w 1950286"/>
+              <a:gd name="connsiteY9" fmla="*/ 656948 h 2241752"/>
+              <a:gd name="connsiteX10" fmla="*/ 197334 w 1950286"/>
+              <a:gd name="connsiteY10" fmla="*/ 435006 h 2241752"/>
+              <a:gd name="connsiteX11" fmla="*/ 321621 w 1950286"/>
+              <a:gd name="connsiteY11" fmla="*/ 221942 h 2241752"/>
+              <a:gd name="connsiteX12" fmla="*/ 632339 w 1950286"/>
+              <a:gd name="connsiteY12" fmla="*/ 35511 h 2241752"/>
+              <a:gd name="connsiteX13" fmla="*/ 898670 w 1950286"/>
+              <a:gd name="connsiteY13" fmla="*/ 0 h 2241752"/>
+              <a:gd name="connsiteX14" fmla="*/ 1147244 w 1950286"/>
+              <a:gd name="connsiteY14" fmla="*/ 26633 h 2241752"/>
+              <a:gd name="connsiteX15" fmla="*/ 1404697 w 1950286"/>
+              <a:gd name="connsiteY15" fmla="*/ 150921 h 2241752"/>
+              <a:gd name="connsiteX16" fmla="*/ 1511229 w 1950286"/>
+              <a:gd name="connsiteY16" fmla="*/ 221942 h 2241752"/>
+              <a:gd name="connsiteX17" fmla="*/ 1662149 w 1950286"/>
+              <a:gd name="connsiteY17" fmla="*/ 381740 h 2241752"/>
+              <a:gd name="connsiteX18" fmla="*/ 1795314 w 1950286"/>
+              <a:gd name="connsiteY18" fmla="*/ 621437 h 2241752"/>
+              <a:gd name="connsiteX19" fmla="*/ 1937357 w 1950286"/>
+              <a:gd name="connsiteY19" fmla="*/ 932156 h 2241752"/>
+              <a:gd name="connsiteX20" fmla="*/ 1919602 w 1950286"/>
+              <a:gd name="connsiteY20" fmla="*/ 1713391 h 2241752"/>
+              <a:gd name="connsiteX21" fmla="*/ 1724293 w 1950286"/>
+              <a:gd name="connsiteY21" fmla="*/ 1961965 h 2241752"/>
+              <a:gd name="connsiteX22" fmla="*/ 1582250 w 1950286"/>
+              <a:gd name="connsiteY22" fmla="*/ 2041864 h 2241752"/>
+              <a:gd name="connsiteX23" fmla="*/ 1475718 w 1950286"/>
+              <a:gd name="connsiteY23" fmla="*/ 2104008 h 2241752"/>
+              <a:gd name="connsiteX24" fmla="*/ 1156122 w 1950286"/>
+              <a:gd name="connsiteY24" fmla="*/ 2192785 h 2241752"/>
+              <a:gd name="connsiteX25" fmla="*/ 1058468 w 1950286"/>
+              <a:gd name="connsiteY25" fmla="*/ 2219418 h 2241752"/>
+              <a:gd name="connsiteX0" fmla="*/ 1062192 w 1954010"/>
+              <a:gd name="connsiteY0" fmla="*/ 2219418 h 2241752"/>
+              <a:gd name="connsiteX1" fmla="*/ 671574 w 1954010"/>
+              <a:gd name="connsiteY1" fmla="*/ 2237173 h 2241752"/>
+              <a:gd name="connsiteX2" fmla="*/ 538409 w 1954010"/>
+              <a:gd name="connsiteY2" fmla="*/ 2130641 h 2241752"/>
+              <a:gd name="connsiteX3" fmla="*/ 396366 w 1954010"/>
+              <a:gd name="connsiteY3" fmla="*/ 1961965 h 2241752"/>
+              <a:gd name="connsiteX4" fmla="*/ 298712 w 1954010"/>
+              <a:gd name="connsiteY4" fmla="*/ 1846556 h 2241752"/>
+              <a:gd name="connsiteX5" fmla="*/ 280957 w 1954010"/>
+              <a:gd name="connsiteY5" fmla="*/ 1819923 h 2241752"/>
+              <a:gd name="connsiteX6" fmla="*/ 59015 w 1954010"/>
+              <a:gd name="connsiteY6" fmla="*/ 1526959 h 2241752"/>
+              <a:gd name="connsiteX7" fmla="*/ 5749 w 1954010"/>
+              <a:gd name="connsiteY7" fmla="*/ 1402672 h 2241752"/>
+              <a:gd name="connsiteX8" fmla="*/ 23504 w 1954010"/>
+              <a:gd name="connsiteY8" fmla="*/ 870012 h 2241752"/>
+              <a:gd name="connsiteX9" fmla="*/ 201058 w 1954010"/>
+              <a:gd name="connsiteY9" fmla="*/ 435006 h 2241752"/>
+              <a:gd name="connsiteX10" fmla="*/ 325345 w 1954010"/>
+              <a:gd name="connsiteY10" fmla="*/ 221942 h 2241752"/>
+              <a:gd name="connsiteX11" fmla="*/ 636063 w 1954010"/>
+              <a:gd name="connsiteY11" fmla="*/ 35511 h 2241752"/>
+              <a:gd name="connsiteX12" fmla="*/ 902394 w 1954010"/>
+              <a:gd name="connsiteY12" fmla="*/ 0 h 2241752"/>
+              <a:gd name="connsiteX13" fmla="*/ 1150968 w 1954010"/>
+              <a:gd name="connsiteY13" fmla="*/ 26633 h 2241752"/>
+              <a:gd name="connsiteX14" fmla="*/ 1408421 w 1954010"/>
+              <a:gd name="connsiteY14" fmla="*/ 150921 h 2241752"/>
+              <a:gd name="connsiteX15" fmla="*/ 1514953 w 1954010"/>
+              <a:gd name="connsiteY15" fmla="*/ 221942 h 2241752"/>
+              <a:gd name="connsiteX16" fmla="*/ 1665873 w 1954010"/>
+              <a:gd name="connsiteY16" fmla="*/ 381740 h 2241752"/>
+              <a:gd name="connsiteX17" fmla="*/ 1799038 w 1954010"/>
+              <a:gd name="connsiteY17" fmla="*/ 621437 h 2241752"/>
+              <a:gd name="connsiteX18" fmla="*/ 1941081 w 1954010"/>
+              <a:gd name="connsiteY18" fmla="*/ 932156 h 2241752"/>
+              <a:gd name="connsiteX19" fmla="*/ 1923326 w 1954010"/>
+              <a:gd name="connsiteY19" fmla="*/ 1713391 h 2241752"/>
+              <a:gd name="connsiteX20" fmla="*/ 1728017 w 1954010"/>
+              <a:gd name="connsiteY20" fmla="*/ 1961965 h 2241752"/>
+              <a:gd name="connsiteX21" fmla="*/ 1585974 w 1954010"/>
+              <a:gd name="connsiteY21" fmla="*/ 2041864 h 2241752"/>
+              <a:gd name="connsiteX22" fmla="*/ 1479442 w 1954010"/>
+              <a:gd name="connsiteY22" fmla="*/ 2104008 h 2241752"/>
+              <a:gd name="connsiteX23" fmla="*/ 1159846 w 1954010"/>
+              <a:gd name="connsiteY23" fmla="*/ 2192785 h 2241752"/>
+              <a:gd name="connsiteX24" fmla="*/ 1062192 w 1954010"/>
+              <a:gd name="connsiteY24" fmla="*/ 2219418 h 2241752"/>
+              <a:gd name="connsiteX0" fmla="*/ 1078280 w 1970098"/>
+              <a:gd name="connsiteY0" fmla="*/ 2219418 h 2241752"/>
+              <a:gd name="connsiteX1" fmla="*/ 687662 w 1970098"/>
+              <a:gd name="connsiteY1" fmla="*/ 2237173 h 2241752"/>
+              <a:gd name="connsiteX2" fmla="*/ 554497 w 1970098"/>
+              <a:gd name="connsiteY2" fmla="*/ 2130641 h 2241752"/>
+              <a:gd name="connsiteX3" fmla="*/ 412454 w 1970098"/>
+              <a:gd name="connsiteY3" fmla="*/ 1961965 h 2241752"/>
+              <a:gd name="connsiteX4" fmla="*/ 314800 w 1970098"/>
+              <a:gd name="connsiteY4" fmla="*/ 1846556 h 2241752"/>
+              <a:gd name="connsiteX5" fmla="*/ 297045 w 1970098"/>
+              <a:gd name="connsiteY5" fmla="*/ 1819923 h 2241752"/>
+              <a:gd name="connsiteX6" fmla="*/ 21837 w 1970098"/>
+              <a:gd name="connsiteY6" fmla="*/ 1402672 h 2241752"/>
+              <a:gd name="connsiteX7" fmla="*/ 39592 w 1970098"/>
+              <a:gd name="connsiteY7" fmla="*/ 870012 h 2241752"/>
+              <a:gd name="connsiteX8" fmla="*/ 217146 w 1970098"/>
+              <a:gd name="connsiteY8" fmla="*/ 435006 h 2241752"/>
+              <a:gd name="connsiteX9" fmla="*/ 341433 w 1970098"/>
+              <a:gd name="connsiteY9" fmla="*/ 221942 h 2241752"/>
+              <a:gd name="connsiteX10" fmla="*/ 652151 w 1970098"/>
+              <a:gd name="connsiteY10" fmla="*/ 35511 h 2241752"/>
+              <a:gd name="connsiteX11" fmla="*/ 918482 w 1970098"/>
+              <a:gd name="connsiteY11" fmla="*/ 0 h 2241752"/>
+              <a:gd name="connsiteX12" fmla="*/ 1167056 w 1970098"/>
+              <a:gd name="connsiteY12" fmla="*/ 26633 h 2241752"/>
+              <a:gd name="connsiteX13" fmla="*/ 1424509 w 1970098"/>
+              <a:gd name="connsiteY13" fmla="*/ 150921 h 2241752"/>
+              <a:gd name="connsiteX14" fmla="*/ 1531041 w 1970098"/>
+              <a:gd name="connsiteY14" fmla="*/ 221942 h 2241752"/>
+              <a:gd name="connsiteX15" fmla="*/ 1681961 w 1970098"/>
+              <a:gd name="connsiteY15" fmla="*/ 381740 h 2241752"/>
+              <a:gd name="connsiteX16" fmla="*/ 1815126 w 1970098"/>
+              <a:gd name="connsiteY16" fmla="*/ 621437 h 2241752"/>
+              <a:gd name="connsiteX17" fmla="*/ 1957169 w 1970098"/>
+              <a:gd name="connsiteY17" fmla="*/ 932156 h 2241752"/>
+              <a:gd name="connsiteX18" fmla="*/ 1939414 w 1970098"/>
+              <a:gd name="connsiteY18" fmla="*/ 1713391 h 2241752"/>
+              <a:gd name="connsiteX19" fmla="*/ 1744105 w 1970098"/>
+              <a:gd name="connsiteY19" fmla="*/ 1961965 h 2241752"/>
+              <a:gd name="connsiteX20" fmla="*/ 1602062 w 1970098"/>
+              <a:gd name="connsiteY20" fmla="*/ 2041864 h 2241752"/>
+              <a:gd name="connsiteX21" fmla="*/ 1495530 w 1970098"/>
+              <a:gd name="connsiteY21" fmla="*/ 2104008 h 2241752"/>
+              <a:gd name="connsiteX22" fmla="*/ 1175934 w 1970098"/>
+              <a:gd name="connsiteY22" fmla="*/ 2192785 h 2241752"/>
+              <a:gd name="connsiteX23" fmla="*/ 1078280 w 1970098"/>
+              <a:gd name="connsiteY23" fmla="*/ 2219418 h 2241752"/>
+              <a:gd name="connsiteX0" fmla="*/ 1078280 w 1970098"/>
+              <a:gd name="connsiteY0" fmla="*/ 2219418 h 2241752"/>
+              <a:gd name="connsiteX1" fmla="*/ 687662 w 1970098"/>
+              <a:gd name="connsiteY1" fmla="*/ 2237173 h 2241752"/>
+              <a:gd name="connsiteX2" fmla="*/ 554497 w 1970098"/>
+              <a:gd name="connsiteY2" fmla="*/ 2130641 h 2241752"/>
+              <a:gd name="connsiteX3" fmla="*/ 314800 w 1970098"/>
+              <a:gd name="connsiteY3" fmla="*/ 1846556 h 2241752"/>
+              <a:gd name="connsiteX4" fmla="*/ 297045 w 1970098"/>
+              <a:gd name="connsiteY4" fmla="*/ 1819923 h 2241752"/>
+              <a:gd name="connsiteX5" fmla="*/ 21837 w 1970098"/>
+              <a:gd name="connsiteY5" fmla="*/ 1402672 h 2241752"/>
+              <a:gd name="connsiteX6" fmla="*/ 39592 w 1970098"/>
+              <a:gd name="connsiteY6" fmla="*/ 870012 h 2241752"/>
+              <a:gd name="connsiteX7" fmla="*/ 217146 w 1970098"/>
+              <a:gd name="connsiteY7" fmla="*/ 435006 h 2241752"/>
+              <a:gd name="connsiteX8" fmla="*/ 341433 w 1970098"/>
+              <a:gd name="connsiteY8" fmla="*/ 221942 h 2241752"/>
+              <a:gd name="connsiteX9" fmla="*/ 652151 w 1970098"/>
+              <a:gd name="connsiteY9" fmla="*/ 35511 h 2241752"/>
+              <a:gd name="connsiteX10" fmla="*/ 918482 w 1970098"/>
+              <a:gd name="connsiteY10" fmla="*/ 0 h 2241752"/>
+              <a:gd name="connsiteX11" fmla="*/ 1167056 w 1970098"/>
+              <a:gd name="connsiteY11" fmla="*/ 26633 h 2241752"/>
+              <a:gd name="connsiteX12" fmla="*/ 1424509 w 1970098"/>
+              <a:gd name="connsiteY12" fmla="*/ 150921 h 2241752"/>
+              <a:gd name="connsiteX13" fmla="*/ 1531041 w 1970098"/>
+              <a:gd name="connsiteY13" fmla="*/ 221942 h 2241752"/>
+              <a:gd name="connsiteX14" fmla="*/ 1681961 w 1970098"/>
+              <a:gd name="connsiteY14" fmla="*/ 381740 h 2241752"/>
+              <a:gd name="connsiteX15" fmla="*/ 1815126 w 1970098"/>
+              <a:gd name="connsiteY15" fmla="*/ 621437 h 2241752"/>
+              <a:gd name="connsiteX16" fmla="*/ 1957169 w 1970098"/>
+              <a:gd name="connsiteY16" fmla="*/ 932156 h 2241752"/>
+              <a:gd name="connsiteX17" fmla="*/ 1939414 w 1970098"/>
+              <a:gd name="connsiteY17" fmla="*/ 1713391 h 2241752"/>
+              <a:gd name="connsiteX18" fmla="*/ 1744105 w 1970098"/>
+              <a:gd name="connsiteY18" fmla="*/ 1961965 h 2241752"/>
+              <a:gd name="connsiteX19" fmla="*/ 1602062 w 1970098"/>
+              <a:gd name="connsiteY19" fmla="*/ 2041864 h 2241752"/>
+              <a:gd name="connsiteX20" fmla="*/ 1495530 w 1970098"/>
+              <a:gd name="connsiteY20" fmla="*/ 2104008 h 2241752"/>
+              <a:gd name="connsiteX21" fmla="*/ 1175934 w 1970098"/>
+              <a:gd name="connsiteY21" fmla="*/ 2192785 h 2241752"/>
+              <a:gd name="connsiteX22" fmla="*/ 1078280 w 1970098"/>
+              <a:gd name="connsiteY22" fmla="*/ 2219418 h 2241752"/>
+              <a:gd name="connsiteX0" fmla="*/ 1078280 w 1970098"/>
+              <a:gd name="connsiteY0" fmla="*/ 2219418 h 2222472"/>
+              <a:gd name="connsiteX1" fmla="*/ 554497 w 1970098"/>
+              <a:gd name="connsiteY1" fmla="*/ 2130641 h 2222472"/>
+              <a:gd name="connsiteX2" fmla="*/ 314800 w 1970098"/>
+              <a:gd name="connsiteY2" fmla="*/ 1846556 h 2222472"/>
+              <a:gd name="connsiteX3" fmla="*/ 297045 w 1970098"/>
+              <a:gd name="connsiteY3" fmla="*/ 1819923 h 2222472"/>
+              <a:gd name="connsiteX4" fmla="*/ 21837 w 1970098"/>
+              <a:gd name="connsiteY4" fmla="*/ 1402672 h 2222472"/>
+              <a:gd name="connsiteX5" fmla="*/ 39592 w 1970098"/>
+              <a:gd name="connsiteY5" fmla="*/ 870012 h 2222472"/>
+              <a:gd name="connsiteX6" fmla="*/ 217146 w 1970098"/>
+              <a:gd name="connsiteY6" fmla="*/ 435006 h 2222472"/>
+              <a:gd name="connsiteX7" fmla="*/ 341433 w 1970098"/>
+              <a:gd name="connsiteY7" fmla="*/ 221942 h 2222472"/>
+              <a:gd name="connsiteX8" fmla="*/ 652151 w 1970098"/>
+              <a:gd name="connsiteY8" fmla="*/ 35511 h 2222472"/>
+              <a:gd name="connsiteX9" fmla="*/ 918482 w 1970098"/>
+              <a:gd name="connsiteY9" fmla="*/ 0 h 2222472"/>
+              <a:gd name="connsiteX10" fmla="*/ 1167056 w 1970098"/>
+              <a:gd name="connsiteY10" fmla="*/ 26633 h 2222472"/>
+              <a:gd name="connsiteX11" fmla="*/ 1424509 w 1970098"/>
+              <a:gd name="connsiteY11" fmla="*/ 150921 h 2222472"/>
+              <a:gd name="connsiteX12" fmla="*/ 1531041 w 1970098"/>
+              <a:gd name="connsiteY12" fmla="*/ 221942 h 2222472"/>
+              <a:gd name="connsiteX13" fmla="*/ 1681961 w 1970098"/>
+              <a:gd name="connsiteY13" fmla="*/ 381740 h 2222472"/>
+              <a:gd name="connsiteX14" fmla="*/ 1815126 w 1970098"/>
+              <a:gd name="connsiteY14" fmla="*/ 621437 h 2222472"/>
+              <a:gd name="connsiteX15" fmla="*/ 1957169 w 1970098"/>
+              <a:gd name="connsiteY15" fmla="*/ 932156 h 2222472"/>
+              <a:gd name="connsiteX16" fmla="*/ 1939414 w 1970098"/>
+              <a:gd name="connsiteY16" fmla="*/ 1713391 h 2222472"/>
+              <a:gd name="connsiteX17" fmla="*/ 1744105 w 1970098"/>
+              <a:gd name="connsiteY17" fmla="*/ 1961965 h 2222472"/>
+              <a:gd name="connsiteX18" fmla="*/ 1602062 w 1970098"/>
+              <a:gd name="connsiteY18" fmla="*/ 2041864 h 2222472"/>
+              <a:gd name="connsiteX19" fmla="*/ 1495530 w 1970098"/>
+              <a:gd name="connsiteY19" fmla="*/ 2104008 h 2222472"/>
+              <a:gd name="connsiteX20" fmla="*/ 1175934 w 1970098"/>
+              <a:gd name="connsiteY20" fmla="*/ 2192785 h 2222472"/>
+              <a:gd name="connsiteX21" fmla="*/ 1078280 w 1970098"/>
+              <a:gd name="connsiteY21" fmla="*/ 2219418 h 2222472"/>
+              <a:gd name="connsiteX0" fmla="*/ 1175934 w 1970098"/>
+              <a:gd name="connsiteY0" fmla="*/ 2192785 h 2193768"/>
+              <a:gd name="connsiteX1" fmla="*/ 554497 w 1970098"/>
+              <a:gd name="connsiteY1" fmla="*/ 2130641 h 2193768"/>
+              <a:gd name="connsiteX2" fmla="*/ 314800 w 1970098"/>
+              <a:gd name="connsiteY2" fmla="*/ 1846556 h 2193768"/>
+              <a:gd name="connsiteX3" fmla="*/ 297045 w 1970098"/>
+              <a:gd name="connsiteY3" fmla="*/ 1819923 h 2193768"/>
+              <a:gd name="connsiteX4" fmla="*/ 21837 w 1970098"/>
+              <a:gd name="connsiteY4" fmla="*/ 1402672 h 2193768"/>
+              <a:gd name="connsiteX5" fmla="*/ 39592 w 1970098"/>
+              <a:gd name="connsiteY5" fmla="*/ 870012 h 2193768"/>
+              <a:gd name="connsiteX6" fmla="*/ 217146 w 1970098"/>
+              <a:gd name="connsiteY6" fmla="*/ 435006 h 2193768"/>
+              <a:gd name="connsiteX7" fmla="*/ 341433 w 1970098"/>
+              <a:gd name="connsiteY7" fmla="*/ 221942 h 2193768"/>
+              <a:gd name="connsiteX8" fmla="*/ 652151 w 1970098"/>
+              <a:gd name="connsiteY8" fmla="*/ 35511 h 2193768"/>
+              <a:gd name="connsiteX9" fmla="*/ 918482 w 1970098"/>
+              <a:gd name="connsiteY9" fmla="*/ 0 h 2193768"/>
+              <a:gd name="connsiteX10" fmla="*/ 1167056 w 1970098"/>
+              <a:gd name="connsiteY10" fmla="*/ 26633 h 2193768"/>
+              <a:gd name="connsiteX11" fmla="*/ 1424509 w 1970098"/>
+              <a:gd name="connsiteY11" fmla="*/ 150921 h 2193768"/>
+              <a:gd name="connsiteX12" fmla="*/ 1531041 w 1970098"/>
+              <a:gd name="connsiteY12" fmla="*/ 221942 h 2193768"/>
+              <a:gd name="connsiteX13" fmla="*/ 1681961 w 1970098"/>
+              <a:gd name="connsiteY13" fmla="*/ 381740 h 2193768"/>
+              <a:gd name="connsiteX14" fmla="*/ 1815126 w 1970098"/>
+              <a:gd name="connsiteY14" fmla="*/ 621437 h 2193768"/>
+              <a:gd name="connsiteX15" fmla="*/ 1957169 w 1970098"/>
+              <a:gd name="connsiteY15" fmla="*/ 932156 h 2193768"/>
+              <a:gd name="connsiteX16" fmla="*/ 1939414 w 1970098"/>
+              <a:gd name="connsiteY16" fmla="*/ 1713391 h 2193768"/>
+              <a:gd name="connsiteX17" fmla="*/ 1744105 w 1970098"/>
+              <a:gd name="connsiteY17" fmla="*/ 1961965 h 2193768"/>
+              <a:gd name="connsiteX18" fmla="*/ 1602062 w 1970098"/>
+              <a:gd name="connsiteY18" fmla="*/ 2041864 h 2193768"/>
+              <a:gd name="connsiteX19" fmla="*/ 1495530 w 1970098"/>
+              <a:gd name="connsiteY19" fmla="*/ 2104008 h 2193768"/>
+              <a:gd name="connsiteX20" fmla="*/ 1175934 w 1970098"/>
+              <a:gd name="connsiteY20" fmla="*/ 2192785 h 2193768"/>
+              <a:gd name="connsiteX0" fmla="*/ 1175934 w 1970098"/>
+              <a:gd name="connsiteY0" fmla="*/ 2192785 h 2193768"/>
+              <a:gd name="connsiteX1" fmla="*/ 554497 w 1970098"/>
+              <a:gd name="connsiteY1" fmla="*/ 2130641 h 2193768"/>
+              <a:gd name="connsiteX2" fmla="*/ 314800 w 1970098"/>
+              <a:gd name="connsiteY2" fmla="*/ 1846556 h 2193768"/>
+              <a:gd name="connsiteX3" fmla="*/ 297045 w 1970098"/>
+              <a:gd name="connsiteY3" fmla="*/ 1819923 h 2193768"/>
+              <a:gd name="connsiteX4" fmla="*/ 21837 w 1970098"/>
+              <a:gd name="connsiteY4" fmla="*/ 1402672 h 2193768"/>
+              <a:gd name="connsiteX5" fmla="*/ 39592 w 1970098"/>
+              <a:gd name="connsiteY5" fmla="*/ 870012 h 2193768"/>
+              <a:gd name="connsiteX6" fmla="*/ 217146 w 1970098"/>
+              <a:gd name="connsiteY6" fmla="*/ 435006 h 2193768"/>
+              <a:gd name="connsiteX7" fmla="*/ 341433 w 1970098"/>
+              <a:gd name="connsiteY7" fmla="*/ 221942 h 2193768"/>
+              <a:gd name="connsiteX8" fmla="*/ 652151 w 1970098"/>
+              <a:gd name="connsiteY8" fmla="*/ 35511 h 2193768"/>
+              <a:gd name="connsiteX9" fmla="*/ 918482 w 1970098"/>
+              <a:gd name="connsiteY9" fmla="*/ 0 h 2193768"/>
+              <a:gd name="connsiteX10" fmla="*/ 1167056 w 1970098"/>
+              <a:gd name="connsiteY10" fmla="*/ 26633 h 2193768"/>
+              <a:gd name="connsiteX11" fmla="*/ 1424509 w 1970098"/>
+              <a:gd name="connsiteY11" fmla="*/ 150921 h 2193768"/>
+              <a:gd name="connsiteX12" fmla="*/ 1531041 w 1970098"/>
+              <a:gd name="connsiteY12" fmla="*/ 221942 h 2193768"/>
+              <a:gd name="connsiteX13" fmla="*/ 1681961 w 1970098"/>
+              <a:gd name="connsiteY13" fmla="*/ 381740 h 2193768"/>
+              <a:gd name="connsiteX14" fmla="*/ 1815126 w 1970098"/>
+              <a:gd name="connsiteY14" fmla="*/ 621437 h 2193768"/>
+              <a:gd name="connsiteX15" fmla="*/ 1957169 w 1970098"/>
+              <a:gd name="connsiteY15" fmla="*/ 932156 h 2193768"/>
+              <a:gd name="connsiteX16" fmla="*/ 1939414 w 1970098"/>
+              <a:gd name="connsiteY16" fmla="*/ 1713391 h 2193768"/>
+              <a:gd name="connsiteX17" fmla="*/ 1744105 w 1970098"/>
+              <a:gd name="connsiteY17" fmla="*/ 1961965 h 2193768"/>
+              <a:gd name="connsiteX18" fmla="*/ 1495530 w 1970098"/>
+              <a:gd name="connsiteY18" fmla="*/ 2104008 h 2193768"/>
+              <a:gd name="connsiteX19" fmla="*/ 1175934 w 1970098"/>
+              <a:gd name="connsiteY19" fmla="*/ 2192785 h 2193768"/>
+              <a:gd name="connsiteX0" fmla="*/ 1175934 w 1970098"/>
+              <a:gd name="connsiteY0" fmla="*/ 2192785 h 2193768"/>
+              <a:gd name="connsiteX1" fmla="*/ 554497 w 1970098"/>
+              <a:gd name="connsiteY1" fmla="*/ 2130641 h 2193768"/>
+              <a:gd name="connsiteX2" fmla="*/ 314800 w 1970098"/>
+              <a:gd name="connsiteY2" fmla="*/ 1846556 h 2193768"/>
+              <a:gd name="connsiteX3" fmla="*/ 297045 w 1970098"/>
+              <a:gd name="connsiteY3" fmla="*/ 1819923 h 2193768"/>
+              <a:gd name="connsiteX4" fmla="*/ 21837 w 1970098"/>
+              <a:gd name="connsiteY4" fmla="*/ 1402672 h 2193768"/>
+              <a:gd name="connsiteX5" fmla="*/ 39592 w 1970098"/>
+              <a:gd name="connsiteY5" fmla="*/ 870012 h 2193768"/>
+              <a:gd name="connsiteX6" fmla="*/ 217146 w 1970098"/>
+              <a:gd name="connsiteY6" fmla="*/ 435006 h 2193768"/>
+              <a:gd name="connsiteX7" fmla="*/ 341433 w 1970098"/>
+              <a:gd name="connsiteY7" fmla="*/ 221942 h 2193768"/>
+              <a:gd name="connsiteX8" fmla="*/ 652151 w 1970098"/>
+              <a:gd name="connsiteY8" fmla="*/ 35511 h 2193768"/>
+              <a:gd name="connsiteX9" fmla="*/ 918482 w 1970098"/>
+              <a:gd name="connsiteY9" fmla="*/ 0 h 2193768"/>
+              <a:gd name="connsiteX10" fmla="*/ 1167056 w 1970098"/>
+              <a:gd name="connsiteY10" fmla="*/ 26633 h 2193768"/>
+              <a:gd name="connsiteX11" fmla="*/ 1424509 w 1970098"/>
+              <a:gd name="connsiteY11" fmla="*/ 150921 h 2193768"/>
+              <a:gd name="connsiteX12" fmla="*/ 1531041 w 1970098"/>
+              <a:gd name="connsiteY12" fmla="*/ 221942 h 2193768"/>
+              <a:gd name="connsiteX13" fmla="*/ 1815126 w 1970098"/>
+              <a:gd name="connsiteY13" fmla="*/ 621437 h 2193768"/>
+              <a:gd name="connsiteX14" fmla="*/ 1957169 w 1970098"/>
+              <a:gd name="connsiteY14" fmla="*/ 932156 h 2193768"/>
+              <a:gd name="connsiteX15" fmla="*/ 1939414 w 1970098"/>
+              <a:gd name="connsiteY15" fmla="*/ 1713391 h 2193768"/>
+              <a:gd name="connsiteX16" fmla="*/ 1744105 w 1970098"/>
+              <a:gd name="connsiteY16" fmla="*/ 1961965 h 2193768"/>
+              <a:gd name="connsiteX17" fmla="*/ 1495530 w 1970098"/>
+              <a:gd name="connsiteY17" fmla="*/ 2104008 h 2193768"/>
+              <a:gd name="connsiteX18" fmla="*/ 1175934 w 1970098"/>
+              <a:gd name="connsiteY18" fmla="*/ 2192785 h 2193768"/>
+              <a:gd name="connsiteX0" fmla="*/ 1175934 w 1970098"/>
+              <a:gd name="connsiteY0" fmla="*/ 2192785 h 2193768"/>
+              <a:gd name="connsiteX1" fmla="*/ 554497 w 1970098"/>
+              <a:gd name="connsiteY1" fmla="*/ 2130641 h 2193768"/>
+              <a:gd name="connsiteX2" fmla="*/ 314800 w 1970098"/>
+              <a:gd name="connsiteY2" fmla="*/ 1846556 h 2193768"/>
+              <a:gd name="connsiteX3" fmla="*/ 297045 w 1970098"/>
+              <a:gd name="connsiteY3" fmla="*/ 1819923 h 2193768"/>
+              <a:gd name="connsiteX4" fmla="*/ 21837 w 1970098"/>
+              <a:gd name="connsiteY4" fmla="*/ 1402672 h 2193768"/>
+              <a:gd name="connsiteX5" fmla="*/ 39592 w 1970098"/>
+              <a:gd name="connsiteY5" fmla="*/ 870012 h 2193768"/>
+              <a:gd name="connsiteX6" fmla="*/ 217146 w 1970098"/>
+              <a:gd name="connsiteY6" fmla="*/ 435006 h 2193768"/>
+              <a:gd name="connsiteX7" fmla="*/ 341433 w 1970098"/>
+              <a:gd name="connsiteY7" fmla="*/ 221942 h 2193768"/>
+              <a:gd name="connsiteX8" fmla="*/ 652151 w 1970098"/>
+              <a:gd name="connsiteY8" fmla="*/ 35511 h 2193768"/>
+              <a:gd name="connsiteX9" fmla="*/ 918482 w 1970098"/>
+              <a:gd name="connsiteY9" fmla="*/ 0 h 2193768"/>
+              <a:gd name="connsiteX10" fmla="*/ 1167056 w 1970098"/>
+              <a:gd name="connsiteY10" fmla="*/ 26633 h 2193768"/>
+              <a:gd name="connsiteX11" fmla="*/ 1531041 w 1970098"/>
+              <a:gd name="connsiteY11" fmla="*/ 221942 h 2193768"/>
+              <a:gd name="connsiteX12" fmla="*/ 1815126 w 1970098"/>
+              <a:gd name="connsiteY12" fmla="*/ 621437 h 2193768"/>
+              <a:gd name="connsiteX13" fmla="*/ 1957169 w 1970098"/>
+              <a:gd name="connsiteY13" fmla="*/ 932156 h 2193768"/>
+              <a:gd name="connsiteX14" fmla="*/ 1939414 w 1970098"/>
+              <a:gd name="connsiteY14" fmla="*/ 1713391 h 2193768"/>
+              <a:gd name="connsiteX15" fmla="*/ 1744105 w 1970098"/>
+              <a:gd name="connsiteY15" fmla="*/ 1961965 h 2193768"/>
+              <a:gd name="connsiteX16" fmla="*/ 1495530 w 1970098"/>
+              <a:gd name="connsiteY16" fmla="*/ 2104008 h 2193768"/>
+              <a:gd name="connsiteX17" fmla="*/ 1175934 w 1970098"/>
+              <a:gd name="connsiteY17" fmla="*/ 2192785 h 2193768"/>
+              <a:gd name="connsiteX0" fmla="*/ 1175934 w 1970098"/>
+              <a:gd name="connsiteY0" fmla="*/ 2208571 h 2209554"/>
+              <a:gd name="connsiteX1" fmla="*/ 554497 w 1970098"/>
+              <a:gd name="connsiteY1" fmla="*/ 2146427 h 2209554"/>
+              <a:gd name="connsiteX2" fmla="*/ 314800 w 1970098"/>
+              <a:gd name="connsiteY2" fmla="*/ 1862342 h 2209554"/>
+              <a:gd name="connsiteX3" fmla="*/ 297045 w 1970098"/>
+              <a:gd name="connsiteY3" fmla="*/ 1835709 h 2209554"/>
+              <a:gd name="connsiteX4" fmla="*/ 21837 w 1970098"/>
+              <a:gd name="connsiteY4" fmla="*/ 1418458 h 2209554"/>
+              <a:gd name="connsiteX5" fmla="*/ 39592 w 1970098"/>
+              <a:gd name="connsiteY5" fmla="*/ 885798 h 2209554"/>
+              <a:gd name="connsiteX6" fmla="*/ 217146 w 1970098"/>
+              <a:gd name="connsiteY6" fmla="*/ 450792 h 2209554"/>
+              <a:gd name="connsiteX7" fmla="*/ 341433 w 1970098"/>
+              <a:gd name="connsiteY7" fmla="*/ 237728 h 2209554"/>
+              <a:gd name="connsiteX8" fmla="*/ 918482 w 1970098"/>
+              <a:gd name="connsiteY8" fmla="*/ 15786 h 2209554"/>
+              <a:gd name="connsiteX9" fmla="*/ 1167056 w 1970098"/>
+              <a:gd name="connsiteY9" fmla="*/ 42419 h 2209554"/>
+              <a:gd name="connsiteX10" fmla="*/ 1531041 w 1970098"/>
+              <a:gd name="connsiteY10" fmla="*/ 237728 h 2209554"/>
+              <a:gd name="connsiteX11" fmla="*/ 1815126 w 1970098"/>
+              <a:gd name="connsiteY11" fmla="*/ 637223 h 2209554"/>
+              <a:gd name="connsiteX12" fmla="*/ 1957169 w 1970098"/>
+              <a:gd name="connsiteY12" fmla="*/ 947942 h 2209554"/>
+              <a:gd name="connsiteX13" fmla="*/ 1939414 w 1970098"/>
+              <a:gd name="connsiteY13" fmla="*/ 1729177 h 2209554"/>
+              <a:gd name="connsiteX14" fmla="*/ 1744105 w 1970098"/>
+              <a:gd name="connsiteY14" fmla="*/ 1977751 h 2209554"/>
+              <a:gd name="connsiteX15" fmla="*/ 1495530 w 1970098"/>
+              <a:gd name="connsiteY15" fmla="*/ 2119794 h 2209554"/>
+              <a:gd name="connsiteX16" fmla="*/ 1175934 w 1970098"/>
+              <a:gd name="connsiteY16" fmla="*/ 2208571 h 2209554"/>
+              <a:gd name="connsiteX0" fmla="*/ 1175934 w 1970098"/>
+              <a:gd name="connsiteY0" fmla="*/ 2224352 h 2225335"/>
+              <a:gd name="connsiteX1" fmla="*/ 554497 w 1970098"/>
+              <a:gd name="connsiteY1" fmla="*/ 2162208 h 2225335"/>
+              <a:gd name="connsiteX2" fmla="*/ 314800 w 1970098"/>
+              <a:gd name="connsiteY2" fmla="*/ 1878123 h 2225335"/>
+              <a:gd name="connsiteX3" fmla="*/ 297045 w 1970098"/>
+              <a:gd name="connsiteY3" fmla="*/ 1851490 h 2225335"/>
+              <a:gd name="connsiteX4" fmla="*/ 21837 w 1970098"/>
+              <a:gd name="connsiteY4" fmla="*/ 1434239 h 2225335"/>
+              <a:gd name="connsiteX5" fmla="*/ 39592 w 1970098"/>
+              <a:gd name="connsiteY5" fmla="*/ 901579 h 2225335"/>
+              <a:gd name="connsiteX6" fmla="*/ 217146 w 1970098"/>
+              <a:gd name="connsiteY6" fmla="*/ 466573 h 2225335"/>
+              <a:gd name="connsiteX7" fmla="*/ 918482 w 1970098"/>
+              <a:gd name="connsiteY7" fmla="*/ 31567 h 2225335"/>
+              <a:gd name="connsiteX8" fmla="*/ 1167056 w 1970098"/>
+              <a:gd name="connsiteY8" fmla="*/ 58200 h 2225335"/>
+              <a:gd name="connsiteX9" fmla="*/ 1531041 w 1970098"/>
+              <a:gd name="connsiteY9" fmla="*/ 253509 h 2225335"/>
+              <a:gd name="connsiteX10" fmla="*/ 1815126 w 1970098"/>
+              <a:gd name="connsiteY10" fmla="*/ 653004 h 2225335"/>
+              <a:gd name="connsiteX11" fmla="*/ 1957169 w 1970098"/>
+              <a:gd name="connsiteY11" fmla="*/ 963723 h 2225335"/>
+              <a:gd name="connsiteX12" fmla="*/ 1939414 w 1970098"/>
+              <a:gd name="connsiteY12" fmla="*/ 1744958 h 2225335"/>
+              <a:gd name="connsiteX13" fmla="*/ 1744105 w 1970098"/>
+              <a:gd name="connsiteY13" fmla="*/ 1993532 h 2225335"/>
+              <a:gd name="connsiteX14" fmla="*/ 1495530 w 1970098"/>
+              <a:gd name="connsiteY14" fmla="*/ 2135575 h 2225335"/>
+              <a:gd name="connsiteX15" fmla="*/ 1175934 w 1970098"/>
+              <a:gd name="connsiteY15" fmla="*/ 2224352 h 2225335"/>
+              <a:gd name="connsiteX0" fmla="*/ 1155918 w 1950082"/>
+              <a:gd name="connsiteY0" fmla="*/ 2224352 h 2225335"/>
+              <a:gd name="connsiteX1" fmla="*/ 534481 w 1950082"/>
+              <a:gd name="connsiteY1" fmla="*/ 2162208 h 2225335"/>
+              <a:gd name="connsiteX2" fmla="*/ 294784 w 1950082"/>
+              <a:gd name="connsiteY2" fmla="*/ 1878123 h 2225335"/>
+              <a:gd name="connsiteX3" fmla="*/ 277029 w 1950082"/>
+              <a:gd name="connsiteY3" fmla="*/ 1851490 h 2225335"/>
+              <a:gd name="connsiteX4" fmla="*/ 1821 w 1950082"/>
+              <a:gd name="connsiteY4" fmla="*/ 1434239 h 2225335"/>
+              <a:gd name="connsiteX5" fmla="*/ 197130 w 1950082"/>
+              <a:gd name="connsiteY5" fmla="*/ 466573 h 2225335"/>
+              <a:gd name="connsiteX6" fmla="*/ 898466 w 1950082"/>
+              <a:gd name="connsiteY6" fmla="*/ 31567 h 2225335"/>
+              <a:gd name="connsiteX7" fmla="*/ 1147040 w 1950082"/>
+              <a:gd name="connsiteY7" fmla="*/ 58200 h 2225335"/>
+              <a:gd name="connsiteX8" fmla="*/ 1511025 w 1950082"/>
+              <a:gd name="connsiteY8" fmla="*/ 253509 h 2225335"/>
+              <a:gd name="connsiteX9" fmla="*/ 1795110 w 1950082"/>
+              <a:gd name="connsiteY9" fmla="*/ 653004 h 2225335"/>
+              <a:gd name="connsiteX10" fmla="*/ 1937153 w 1950082"/>
+              <a:gd name="connsiteY10" fmla="*/ 963723 h 2225335"/>
+              <a:gd name="connsiteX11" fmla="*/ 1919398 w 1950082"/>
+              <a:gd name="connsiteY11" fmla="*/ 1744958 h 2225335"/>
+              <a:gd name="connsiteX12" fmla="*/ 1724089 w 1950082"/>
+              <a:gd name="connsiteY12" fmla="*/ 1993532 h 2225335"/>
+              <a:gd name="connsiteX13" fmla="*/ 1475514 w 1950082"/>
+              <a:gd name="connsiteY13" fmla="*/ 2135575 h 2225335"/>
+              <a:gd name="connsiteX14" fmla="*/ 1155918 w 1950082"/>
+              <a:gd name="connsiteY14" fmla="*/ 2224352 h 2225335"/>
+              <a:gd name="connsiteX0" fmla="*/ 1156620 w 1950784"/>
+              <a:gd name="connsiteY0" fmla="*/ 2224352 h 2225335"/>
+              <a:gd name="connsiteX1" fmla="*/ 535183 w 1950784"/>
+              <a:gd name="connsiteY1" fmla="*/ 2162208 h 2225335"/>
+              <a:gd name="connsiteX2" fmla="*/ 295486 w 1950784"/>
+              <a:gd name="connsiteY2" fmla="*/ 1878123 h 2225335"/>
+              <a:gd name="connsiteX3" fmla="*/ 2523 w 1950784"/>
+              <a:gd name="connsiteY3" fmla="*/ 1434239 h 2225335"/>
+              <a:gd name="connsiteX4" fmla="*/ 197832 w 1950784"/>
+              <a:gd name="connsiteY4" fmla="*/ 466573 h 2225335"/>
+              <a:gd name="connsiteX5" fmla="*/ 899168 w 1950784"/>
+              <a:gd name="connsiteY5" fmla="*/ 31567 h 2225335"/>
+              <a:gd name="connsiteX6" fmla="*/ 1147742 w 1950784"/>
+              <a:gd name="connsiteY6" fmla="*/ 58200 h 2225335"/>
+              <a:gd name="connsiteX7" fmla="*/ 1511727 w 1950784"/>
+              <a:gd name="connsiteY7" fmla="*/ 253509 h 2225335"/>
+              <a:gd name="connsiteX8" fmla="*/ 1795812 w 1950784"/>
+              <a:gd name="connsiteY8" fmla="*/ 653004 h 2225335"/>
+              <a:gd name="connsiteX9" fmla="*/ 1937855 w 1950784"/>
+              <a:gd name="connsiteY9" fmla="*/ 963723 h 2225335"/>
+              <a:gd name="connsiteX10" fmla="*/ 1920100 w 1950784"/>
+              <a:gd name="connsiteY10" fmla="*/ 1744958 h 2225335"/>
+              <a:gd name="connsiteX11" fmla="*/ 1724791 w 1950784"/>
+              <a:gd name="connsiteY11" fmla="*/ 1993532 h 2225335"/>
+              <a:gd name="connsiteX12" fmla="*/ 1476216 w 1950784"/>
+              <a:gd name="connsiteY12" fmla="*/ 2135575 h 2225335"/>
+              <a:gd name="connsiteX13" fmla="*/ 1156620 w 1950784"/>
+              <a:gd name="connsiteY13" fmla="*/ 2224352 h 2225335"/>
+              <a:gd name="connsiteX0" fmla="*/ 1169760 w 1963924"/>
+              <a:gd name="connsiteY0" fmla="*/ 2224352 h 2244332"/>
+              <a:gd name="connsiteX1" fmla="*/ 548323 w 1963924"/>
+              <a:gd name="connsiteY1" fmla="*/ 2162208 h 2244332"/>
+              <a:gd name="connsiteX2" fmla="*/ 15663 w 1963924"/>
+              <a:gd name="connsiteY2" fmla="*/ 1434239 h 2244332"/>
+              <a:gd name="connsiteX3" fmla="*/ 210972 w 1963924"/>
+              <a:gd name="connsiteY3" fmla="*/ 466573 h 2244332"/>
+              <a:gd name="connsiteX4" fmla="*/ 912308 w 1963924"/>
+              <a:gd name="connsiteY4" fmla="*/ 31567 h 2244332"/>
+              <a:gd name="connsiteX5" fmla="*/ 1160882 w 1963924"/>
+              <a:gd name="connsiteY5" fmla="*/ 58200 h 2244332"/>
+              <a:gd name="connsiteX6" fmla="*/ 1524867 w 1963924"/>
+              <a:gd name="connsiteY6" fmla="*/ 253509 h 2244332"/>
+              <a:gd name="connsiteX7" fmla="*/ 1808952 w 1963924"/>
+              <a:gd name="connsiteY7" fmla="*/ 653004 h 2244332"/>
+              <a:gd name="connsiteX8" fmla="*/ 1950995 w 1963924"/>
+              <a:gd name="connsiteY8" fmla="*/ 963723 h 2244332"/>
+              <a:gd name="connsiteX9" fmla="*/ 1933240 w 1963924"/>
+              <a:gd name="connsiteY9" fmla="*/ 1744958 h 2244332"/>
+              <a:gd name="connsiteX10" fmla="*/ 1737931 w 1963924"/>
+              <a:gd name="connsiteY10" fmla="*/ 1993532 h 2244332"/>
+              <a:gd name="connsiteX11" fmla="*/ 1489356 w 1963924"/>
+              <a:gd name="connsiteY11" fmla="*/ 2135575 h 2244332"/>
+              <a:gd name="connsiteX12" fmla="*/ 1169760 w 1963924"/>
+              <a:gd name="connsiteY12" fmla="*/ 2224352 h 2244332"/>
+              <a:gd name="connsiteX0" fmla="*/ 1169760 w 1984693"/>
+              <a:gd name="connsiteY0" fmla="*/ 2224352 h 2244332"/>
+              <a:gd name="connsiteX1" fmla="*/ 548323 w 1984693"/>
+              <a:gd name="connsiteY1" fmla="*/ 2162208 h 2244332"/>
+              <a:gd name="connsiteX2" fmla="*/ 15663 w 1984693"/>
+              <a:gd name="connsiteY2" fmla="*/ 1434239 h 2244332"/>
+              <a:gd name="connsiteX3" fmla="*/ 210972 w 1984693"/>
+              <a:gd name="connsiteY3" fmla="*/ 466573 h 2244332"/>
+              <a:gd name="connsiteX4" fmla="*/ 912308 w 1984693"/>
+              <a:gd name="connsiteY4" fmla="*/ 31567 h 2244332"/>
+              <a:gd name="connsiteX5" fmla="*/ 1160882 w 1984693"/>
+              <a:gd name="connsiteY5" fmla="*/ 58200 h 2244332"/>
+              <a:gd name="connsiteX6" fmla="*/ 1524867 w 1984693"/>
+              <a:gd name="connsiteY6" fmla="*/ 253509 h 2244332"/>
+              <a:gd name="connsiteX7" fmla="*/ 1950995 w 1984693"/>
+              <a:gd name="connsiteY7" fmla="*/ 963723 h 2244332"/>
+              <a:gd name="connsiteX8" fmla="*/ 1933240 w 1984693"/>
+              <a:gd name="connsiteY8" fmla="*/ 1744958 h 2244332"/>
+              <a:gd name="connsiteX9" fmla="*/ 1737931 w 1984693"/>
+              <a:gd name="connsiteY9" fmla="*/ 1993532 h 2244332"/>
+              <a:gd name="connsiteX10" fmla="*/ 1489356 w 1984693"/>
+              <a:gd name="connsiteY10" fmla="*/ 2135575 h 2244332"/>
+              <a:gd name="connsiteX11" fmla="*/ 1169760 w 1984693"/>
+              <a:gd name="connsiteY11" fmla="*/ 2224352 h 2244332"/>
+              <a:gd name="connsiteX0" fmla="*/ 1169760 w 1984693"/>
+              <a:gd name="connsiteY0" fmla="*/ 2199851 h 2219831"/>
+              <a:gd name="connsiteX1" fmla="*/ 548323 w 1984693"/>
+              <a:gd name="connsiteY1" fmla="*/ 2137707 h 2219831"/>
+              <a:gd name="connsiteX2" fmla="*/ 15663 w 1984693"/>
+              <a:gd name="connsiteY2" fmla="*/ 1409738 h 2219831"/>
+              <a:gd name="connsiteX3" fmla="*/ 210972 w 1984693"/>
+              <a:gd name="connsiteY3" fmla="*/ 442072 h 2219831"/>
+              <a:gd name="connsiteX4" fmla="*/ 912308 w 1984693"/>
+              <a:gd name="connsiteY4" fmla="*/ 7066 h 2219831"/>
+              <a:gd name="connsiteX5" fmla="*/ 1524867 w 1984693"/>
+              <a:gd name="connsiteY5" fmla="*/ 229008 h 2219831"/>
+              <a:gd name="connsiteX6" fmla="*/ 1950995 w 1984693"/>
+              <a:gd name="connsiteY6" fmla="*/ 939222 h 2219831"/>
+              <a:gd name="connsiteX7" fmla="*/ 1933240 w 1984693"/>
+              <a:gd name="connsiteY7" fmla="*/ 1720457 h 2219831"/>
+              <a:gd name="connsiteX8" fmla="*/ 1737931 w 1984693"/>
+              <a:gd name="connsiteY8" fmla="*/ 1969031 h 2219831"/>
+              <a:gd name="connsiteX9" fmla="*/ 1489356 w 1984693"/>
+              <a:gd name="connsiteY9" fmla="*/ 2111074 h 2219831"/>
+              <a:gd name="connsiteX10" fmla="*/ 1169760 w 1984693"/>
+              <a:gd name="connsiteY10" fmla="*/ 2199851 h 2219831"/>
+              <a:gd name="connsiteX0" fmla="*/ 1169760 w 1984693"/>
+              <a:gd name="connsiteY0" fmla="*/ 2199851 h 2219831"/>
+              <a:gd name="connsiteX1" fmla="*/ 548323 w 1984693"/>
+              <a:gd name="connsiteY1" fmla="*/ 2137707 h 2219831"/>
+              <a:gd name="connsiteX2" fmla="*/ 15663 w 1984693"/>
+              <a:gd name="connsiteY2" fmla="*/ 1409738 h 2219831"/>
+              <a:gd name="connsiteX3" fmla="*/ 210972 w 1984693"/>
+              <a:gd name="connsiteY3" fmla="*/ 442072 h 2219831"/>
+              <a:gd name="connsiteX4" fmla="*/ 912308 w 1984693"/>
+              <a:gd name="connsiteY4" fmla="*/ 7066 h 2219831"/>
+              <a:gd name="connsiteX5" fmla="*/ 1524867 w 1984693"/>
+              <a:gd name="connsiteY5" fmla="*/ 229008 h 2219831"/>
+              <a:gd name="connsiteX6" fmla="*/ 1950995 w 1984693"/>
+              <a:gd name="connsiteY6" fmla="*/ 939222 h 2219831"/>
+              <a:gd name="connsiteX7" fmla="*/ 1933240 w 1984693"/>
+              <a:gd name="connsiteY7" fmla="*/ 1720457 h 2219831"/>
+              <a:gd name="connsiteX8" fmla="*/ 1737931 w 1984693"/>
+              <a:gd name="connsiteY8" fmla="*/ 1969031 h 2219831"/>
+              <a:gd name="connsiteX9" fmla="*/ 1705060 w 1984693"/>
+              <a:gd name="connsiteY9" fmla="*/ 1984877 h 2219831"/>
+              <a:gd name="connsiteX10" fmla="*/ 1489356 w 1984693"/>
+              <a:gd name="connsiteY10" fmla="*/ 2111074 h 2219831"/>
+              <a:gd name="connsiteX11" fmla="*/ 1169760 w 1984693"/>
+              <a:gd name="connsiteY11" fmla="*/ 2199851 h 2219831"/>
+              <a:gd name="connsiteX0" fmla="*/ 1169760 w 1984693"/>
+              <a:gd name="connsiteY0" fmla="*/ 2199851 h 2219831"/>
+              <a:gd name="connsiteX1" fmla="*/ 548323 w 1984693"/>
+              <a:gd name="connsiteY1" fmla="*/ 2137707 h 2219831"/>
+              <a:gd name="connsiteX2" fmla="*/ 15663 w 1984693"/>
+              <a:gd name="connsiteY2" fmla="*/ 1409738 h 2219831"/>
+              <a:gd name="connsiteX3" fmla="*/ 210972 w 1984693"/>
+              <a:gd name="connsiteY3" fmla="*/ 442072 h 2219831"/>
+              <a:gd name="connsiteX4" fmla="*/ 912308 w 1984693"/>
+              <a:gd name="connsiteY4" fmla="*/ 7066 h 2219831"/>
+              <a:gd name="connsiteX5" fmla="*/ 1524867 w 1984693"/>
+              <a:gd name="connsiteY5" fmla="*/ 229008 h 2219831"/>
+              <a:gd name="connsiteX6" fmla="*/ 1950995 w 1984693"/>
+              <a:gd name="connsiteY6" fmla="*/ 939222 h 2219831"/>
+              <a:gd name="connsiteX7" fmla="*/ 1933240 w 1984693"/>
+              <a:gd name="connsiteY7" fmla="*/ 1720457 h 2219831"/>
+              <a:gd name="connsiteX8" fmla="*/ 1737931 w 1984693"/>
+              <a:gd name="connsiteY8" fmla="*/ 1969031 h 2219831"/>
+              <a:gd name="connsiteX9" fmla="*/ 1489356 w 1984693"/>
+              <a:gd name="connsiteY9" fmla="*/ 2111074 h 2219831"/>
+              <a:gd name="connsiteX10" fmla="*/ 1169760 w 1984693"/>
+              <a:gd name="connsiteY10" fmla="*/ 2199851 h 2219831"/>
+              <a:gd name="connsiteX0" fmla="*/ 1169760 w 1996950"/>
+              <a:gd name="connsiteY0" fmla="*/ 2199851 h 2219831"/>
+              <a:gd name="connsiteX1" fmla="*/ 548323 w 1996950"/>
+              <a:gd name="connsiteY1" fmla="*/ 2137707 h 2219831"/>
+              <a:gd name="connsiteX2" fmla="*/ 15663 w 1996950"/>
+              <a:gd name="connsiteY2" fmla="*/ 1409738 h 2219831"/>
+              <a:gd name="connsiteX3" fmla="*/ 210972 w 1996950"/>
+              <a:gd name="connsiteY3" fmla="*/ 442072 h 2219831"/>
+              <a:gd name="connsiteX4" fmla="*/ 912308 w 1996950"/>
+              <a:gd name="connsiteY4" fmla="*/ 7066 h 2219831"/>
+              <a:gd name="connsiteX5" fmla="*/ 1524867 w 1996950"/>
+              <a:gd name="connsiteY5" fmla="*/ 229008 h 2219831"/>
+              <a:gd name="connsiteX6" fmla="*/ 1950995 w 1996950"/>
+              <a:gd name="connsiteY6" fmla="*/ 939222 h 2219831"/>
+              <a:gd name="connsiteX7" fmla="*/ 1933240 w 1996950"/>
+              <a:gd name="connsiteY7" fmla="*/ 1720457 h 2219831"/>
+              <a:gd name="connsiteX8" fmla="*/ 1489356 w 1996950"/>
+              <a:gd name="connsiteY8" fmla="*/ 2111074 h 2219831"/>
+              <a:gd name="connsiteX9" fmla="*/ 1169760 w 1996950"/>
+              <a:gd name="connsiteY9" fmla="*/ 2199851 h 2219831"/>
+              <a:gd name="connsiteX0" fmla="*/ 1169760 w 1996950"/>
+              <a:gd name="connsiteY0" fmla="*/ 2199851 h 2246068"/>
+              <a:gd name="connsiteX1" fmla="*/ 548323 w 1996950"/>
+              <a:gd name="connsiteY1" fmla="*/ 2137707 h 2246068"/>
+              <a:gd name="connsiteX2" fmla="*/ 15663 w 1996950"/>
+              <a:gd name="connsiteY2" fmla="*/ 1409738 h 2246068"/>
+              <a:gd name="connsiteX3" fmla="*/ 210972 w 1996950"/>
+              <a:gd name="connsiteY3" fmla="*/ 442072 h 2246068"/>
+              <a:gd name="connsiteX4" fmla="*/ 912308 w 1996950"/>
+              <a:gd name="connsiteY4" fmla="*/ 7066 h 2246068"/>
+              <a:gd name="connsiteX5" fmla="*/ 1524867 w 1996950"/>
+              <a:gd name="connsiteY5" fmla="*/ 229008 h 2246068"/>
+              <a:gd name="connsiteX6" fmla="*/ 1950995 w 1996950"/>
+              <a:gd name="connsiteY6" fmla="*/ 939222 h 2246068"/>
+              <a:gd name="connsiteX7" fmla="*/ 1933240 w 1996950"/>
+              <a:gd name="connsiteY7" fmla="*/ 1720457 h 2246068"/>
+              <a:gd name="connsiteX8" fmla="*/ 1169760 w 1996950"/>
+              <a:gd name="connsiteY8" fmla="*/ 2199851 h 2246068"/>
+              <a:gd name="connsiteX0" fmla="*/ 1933240 w 1996950"/>
+              <a:gd name="connsiteY0" fmla="*/ 1720457 h 2144193"/>
+              <a:gd name="connsiteX1" fmla="*/ 548323 w 1996950"/>
+              <a:gd name="connsiteY1" fmla="*/ 2137707 h 2144193"/>
+              <a:gd name="connsiteX2" fmla="*/ 15663 w 1996950"/>
+              <a:gd name="connsiteY2" fmla="*/ 1409738 h 2144193"/>
+              <a:gd name="connsiteX3" fmla="*/ 210972 w 1996950"/>
+              <a:gd name="connsiteY3" fmla="*/ 442072 h 2144193"/>
+              <a:gd name="connsiteX4" fmla="*/ 912308 w 1996950"/>
+              <a:gd name="connsiteY4" fmla="*/ 7066 h 2144193"/>
+              <a:gd name="connsiteX5" fmla="*/ 1524867 w 1996950"/>
+              <a:gd name="connsiteY5" fmla="*/ 229008 h 2144193"/>
+              <a:gd name="connsiteX6" fmla="*/ 1950995 w 1996950"/>
+              <a:gd name="connsiteY6" fmla="*/ 939222 h 2144193"/>
+              <a:gd name="connsiteX7" fmla="*/ 1933240 w 1996950"/>
+              <a:gd name="connsiteY7" fmla="*/ 1720457 h 2144193"/>
+              <a:gd name="connsiteX0" fmla="*/ 1933240 w 2001434"/>
+              <a:gd name="connsiteY0" fmla="*/ 1720457 h 2250801"/>
+              <a:gd name="connsiteX1" fmla="*/ 1412096 w 2001434"/>
+              <a:gd name="connsiteY1" fmla="*/ 2206819 h 2250801"/>
+              <a:gd name="connsiteX2" fmla="*/ 548323 w 2001434"/>
+              <a:gd name="connsiteY2" fmla="*/ 2137707 h 2250801"/>
+              <a:gd name="connsiteX3" fmla="*/ 15663 w 2001434"/>
+              <a:gd name="connsiteY3" fmla="*/ 1409738 h 2250801"/>
+              <a:gd name="connsiteX4" fmla="*/ 210972 w 2001434"/>
+              <a:gd name="connsiteY4" fmla="*/ 442072 h 2250801"/>
+              <a:gd name="connsiteX5" fmla="*/ 912308 w 2001434"/>
+              <a:gd name="connsiteY5" fmla="*/ 7066 h 2250801"/>
+              <a:gd name="connsiteX6" fmla="*/ 1524867 w 2001434"/>
+              <a:gd name="connsiteY6" fmla="*/ 229008 h 2250801"/>
+              <a:gd name="connsiteX7" fmla="*/ 1950995 w 2001434"/>
+              <a:gd name="connsiteY7" fmla="*/ 939222 h 2250801"/>
+              <a:gd name="connsiteX8" fmla="*/ 1933240 w 2001434"/>
+              <a:gd name="connsiteY8" fmla="*/ 1720457 h 2250801"/>
+              <a:gd name="connsiteX0" fmla="*/ 1933240 w 1937781"/>
+              <a:gd name="connsiteY0" fmla="*/ 1720745 h 2251089"/>
+              <a:gd name="connsiteX1" fmla="*/ 1412096 w 1937781"/>
+              <a:gd name="connsiteY1" fmla="*/ 2207107 h 2251089"/>
+              <a:gd name="connsiteX2" fmla="*/ 548323 w 1937781"/>
+              <a:gd name="connsiteY2" fmla="*/ 2137995 h 2251089"/>
+              <a:gd name="connsiteX3" fmla="*/ 15663 w 1937781"/>
+              <a:gd name="connsiteY3" fmla="*/ 1410026 h 2251089"/>
+              <a:gd name="connsiteX4" fmla="*/ 210972 w 1937781"/>
+              <a:gd name="connsiteY4" fmla="*/ 442360 h 2251089"/>
+              <a:gd name="connsiteX5" fmla="*/ 912308 w 1937781"/>
+              <a:gd name="connsiteY5" fmla="*/ 7354 h 2251089"/>
+              <a:gd name="connsiteX6" fmla="*/ 1524867 w 1937781"/>
+              <a:gd name="connsiteY6" fmla="*/ 229296 h 2251089"/>
+              <a:gd name="connsiteX7" fmla="*/ 1658031 w 1937781"/>
+              <a:gd name="connsiteY7" fmla="*/ 975020 h 2251089"/>
+              <a:gd name="connsiteX8" fmla="*/ 1933240 w 1937781"/>
+              <a:gd name="connsiteY8" fmla="*/ 1720745 h 2251089"/>
+              <a:gd name="connsiteX0" fmla="*/ 1551500 w 1658232"/>
+              <a:gd name="connsiteY0" fmla="*/ 1720745 h 2251089"/>
+              <a:gd name="connsiteX1" fmla="*/ 1412096 w 1658232"/>
+              <a:gd name="connsiteY1" fmla="*/ 2207107 h 2251089"/>
+              <a:gd name="connsiteX2" fmla="*/ 548323 w 1658232"/>
+              <a:gd name="connsiteY2" fmla="*/ 2137995 h 2251089"/>
+              <a:gd name="connsiteX3" fmla="*/ 15663 w 1658232"/>
+              <a:gd name="connsiteY3" fmla="*/ 1410026 h 2251089"/>
+              <a:gd name="connsiteX4" fmla="*/ 210972 w 1658232"/>
+              <a:gd name="connsiteY4" fmla="*/ 442360 h 2251089"/>
+              <a:gd name="connsiteX5" fmla="*/ 912308 w 1658232"/>
+              <a:gd name="connsiteY5" fmla="*/ 7354 h 2251089"/>
+              <a:gd name="connsiteX6" fmla="*/ 1524867 w 1658232"/>
+              <a:gd name="connsiteY6" fmla="*/ 229296 h 2251089"/>
+              <a:gd name="connsiteX7" fmla="*/ 1658031 w 1658232"/>
+              <a:gd name="connsiteY7" fmla="*/ 975020 h 2251089"/>
+              <a:gd name="connsiteX8" fmla="*/ 1551500 w 1658232"/>
+              <a:gd name="connsiteY8" fmla="*/ 1720745 h 2251089"/>
+              <a:gd name="connsiteX0" fmla="*/ 1551500 w 1658362"/>
+              <a:gd name="connsiteY0" fmla="*/ 1720745 h 2284237"/>
+              <a:gd name="connsiteX1" fmla="*/ 1234543 w 1658362"/>
+              <a:gd name="connsiteY1" fmla="*/ 2251495 h 2284237"/>
+              <a:gd name="connsiteX2" fmla="*/ 548323 w 1658362"/>
+              <a:gd name="connsiteY2" fmla="*/ 2137995 h 2284237"/>
+              <a:gd name="connsiteX3" fmla="*/ 15663 w 1658362"/>
+              <a:gd name="connsiteY3" fmla="*/ 1410026 h 2284237"/>
+              <a:gd name="connsiteX4" fmla="*/ 210972 w 1658362"/>
+              <a:gd name="connsiteY4" fmla="*/ 442360 h 2284237"/>
+              <a:gd name="connsiteX5" fmla="*/ 912308 w 1658362"/>
+              <a:gd name="connsiteY5" fmla="*/ 7354 h 2284237"/>
+              <a:gd name="connsiteX6" fmla="*/ 1524867 w 1658362"/>
+              <a:gd name="connsiteY6" fmla="*/ 229296 h 2284237"/>
+              <a:gd name="connsiteX7" fmla="*/ 1658031 w 1658362"/>
+              <a:gd name="connsiteY7" fmla="*/ 975020 h 2284237"/>
+              <a:gd name="connsiteX8" fmla="*/ 1551500 w 1658362"/>
+              <a:gd name="connsiteY8" fmla="*/ 1720745 h 2284237"/>
+              <a:gd name="connsiteX0" fmla="*/ 1551500 w 1658362"/>
+              <a:gd name="connsiteY0" fmla="*/ 1720745 h 2144365"/>
+              <a:gd name="connsiteX1" fmla="*/ 548323 w 1658362"/>
+              <a:gd name="connsiteY1" fmla="*/ 2137995 h 2144365"/>
+              <a:gd name="connsiteX2" fmla="*/ 15663 w 1658362"/>
+              <a:gd name="connsiteY2" fmla="*/ 1410026 h 2144365"/>
+              <a:gd name="connsiteX3" fmla="*/ 210972 w 1658362"/>
+              <a:gd name="connsiteY3" fmla="*/ 442360 h 2144365"/>
+              <a:gd name="connsiteX4" fmla="*/ 912308 w 1658362"/>
+              <a:gd name="connsiteY4" fmla="*/ 7354 h 2144365"/>
+              <a:gd name="connsiteX5" fmla="*/ 1524867 w 1658362"/>
+              <a:gd name="connsiteY5" fmla="*/ 229296 h 2144365"/>
+              <a:gd name="connsiteX6" fmla="*/ 1658031 w 1658362"/>
+              <a:gd name="connsiteY6" fmla="*/ 975020 h 2144365"/>
+              <a:gd name="connsiteX7" fmla="*/ 1551500 w 1658362"/>
+              <a:gd name="connsiteY7" fmla="*/ 1720745 h 2144365"/>
+              <a:gd name="connsiteX0" fmla="*/ 1551500 w 1661021"/>
+              <a:gd name="connsiteY0" fmla="*/ 1721813 h 2145433"/>
+              <a:gd name="connsiteX1" fmla="*/ 548323 w 1661021"/>
+              <a:gd name="connsiteY1" fmla="*/ 2139063 h 2145433"/>
+              <a:gd name="connsiteX2" fmla="*/ 15663 w 1661021"/>
+              <a:gd name="connsiteY2" fmla="*/ 1411094 h 2145433"/>
+              <a:gd name="connsiteX3" fmla="*/ 210972 w 1661021"/>
+              <a:gd name="connsiteY3" fmla="*/ 443428 h 2145433"/>
+              <a:gd name="connsiteX4" fmla="*/ 912308 w 1661021"/>
+              <a:gd name="connsiteY4" fmla="*/ 8422 h 2145433"/>
+              <a:gd name="connsiteX5" fmla="*/ 1453846 w 1661021"/>
+              <a:gd name="connsiteY5" fmla="*/ 212609 h 2145433"/>
+              <a:gd name="connsiteX6" fmla="*/ 1658031 w 1661021"/>
+              <a:gd name="connsiteY6" fmla="*/ 976088 h 2145433"/>
+              <a:gd name="connsiteX7" fmla="*/ 1551500 w 1661021"/>
+              <a:gd name="connsiteY7" fmla="*/ 1721813 h 2145433"/>
+              <a:gd name="connsiteX0" fmla="*/ 1543618 w 1653139"/>
+              <a:gd name="connsiteY0" fmla="*/ 1721813 h 2145433"/>
+              <a:gd name="connsiteX1" fmla="*/ 540441 w 1653139"/>
+              <a:gd name="connsiteY1" fmla="*/ 2139063 h 2145433"/>
+              <a:gd name="connsiteX2" fmla="*/ 7781 w 1653139"/>
+              <a:gd name="connsiteY2" fmla="*/ 1411094 h 2145433"/>
+              <a:gd name="connsiteX3" fmla="*/ 362888 w 1653139"/>
+              <a:gd name="connsiteY3" fmla="*/ 319141 h 2145433"/>
+              <a:gd name="connsiteX4" fmla="*/ 904426 w 1653139"/>
+              <a:gd name="connsiteY4" fmla="*/ 8422 h 2145433"/>
+              <a:gd name="connsiteX5" fmla="*/ 1445964 w 1653139"/>
+              <a:gd name="connsiteY5" fmla="*/ 212609 h 2145433"/>
+              <a:gd name="connsiteX6" fmla="*/ 1650149 w 1653139"/>
+              <a:gd name="connsiteY6" fmla="*/ 976088 h 2145433"/>
+              <a:gd name="connsiteX7" fmla="*/ 1543618 w 1653139"/>
+              <a:gd name="connsiteY7" fmla="*/ 1721813 h 2145433"/>
+              <a:gd name="connsiteX0" fmla="*/ 1262012 w 1371533"/>
+              <a:gd name="connsiteY0" fmla="*/ 1721813 h 2139849"/>
+              <a:gd name="connsiteX1" fmla="*/ 258835 w 1371533"/>
+              <a:gd name="connsiteY1" fmla="*/ 2139063 h 2139849"/>
+              <a:gd name="connsiteX2" fmla="*/ 36894 w 1371533"/>
+              <a:gd name="connsiteY2" fmla="*/ 1624158 h 2139849"/>
+              <a:gd name="connsiteX3" fmla="*/ 81282 w 1371533"/>
+              <a:gd name="connsiteY3" fmla="*/ 319141 h 2139849"/>
+              <a:gd name="connsiteX4" fmla="*/ 622820 w 1371533"/>
+              <a:gd name="connsiteY4" fmla="*/ 8422 h 2139849"/>
+              <a:gd name="connsiteX5" fmla="*/ 1164358 w 1371533"/>
+              <a:gd name="connsiteY5" fmla="*/ 212609 h 2139849"/>
+              <a:gd name="connsiteX6" fmla="*/ 1368543 w 1371533"/>
+              <a:gd name="connsiteY6" fmla="*/ 976088 h 2139849"/>
+              <a:gd name="connsiteX7" fmla="*/ 1262012 w 1371533"/>
+              <a:gd name="connsiteY7" fmla="*/ 1721813 h 2139849"/>
+              <a:gd name="connsiteX0" fmla="*/ 1262012 w 1371533"/>
+              <a:gd name="connsiteY0" fmla="*/ 1854978 h 2145865"/>
+              <a:gd name="connsiteX1" fmla="*/ 258835 w 1371533"/>
+              <a:gd name="connsiteY1" fmla="*/ 2139063 h 2145865"/>
+              <a:gd name="connsiteX2" fmla="*/ 36894 w 1371533"/>
+              <a:gd name="connsiteY2" fmla="*/ 1624158 h 2145865"/>
+              <a:gd name="connsiteX3" fmla="*/ 81282 w 1371533"/>
+              <a:gd name="connsiteY3" fmla="*/ 319141 h 2145865"/>
+              <a:gd name="connsiteX4" fmla="*/ 622820 w 1371533"/>
+              <a:gd name="connsiteY4" fmla="*/ 8422 h 2145865"/>
+              <a:gd name="connsiteX5" fmla="*/ 1164358 w 1371533"/>
+              <a:gd name="connsiteY5" fmla="*/ 212609 h 2145865"/>
+              <a:gd name="connsiteX6" fmla="*/ 1368543 w 1371533"/>
+              <a:gd name="connsiteY6" fmla="*/ 976088 h 2145865"/>
+              <a:gd name="connsiteX7" fmla="*/ 1262012 w 1371533"/>
+              <a:gd name="connsiteY7" fmla="*/ 1854978 h 2145865"/>
+              <a:gd name="connsiteX0" fmla="*/ 1262012 w 1397573"/>
+              <a:gd name="connsiteY0" fmla="*/ 1854793 h 2145794"/>
+              <a:gd name="connsiteX1" fmla="*/ 258835 w 1397573"/>
+              <a:gd name="connsiteY1" fmla="*/ 2138878 h 2145794"/>
+              <a:gd name="connsiteX2" fmla="*/ 36894 w 1397573"/>
+              <a:gd name="connsiteY2" fmla="*/ 1623973 h 2145794"/>
+              <a:gd name="connsiteX3" fmla="*/ 81282 w 1397573"/>
+              <a:gd name="connsiteY3" fmla="*/ 318956 h 2145794"/>
+              <a:gd name="connsiteX4" fmla="*/ 622820 w 1397573"/>
+              <a:gd name="connsiteY4" fmla="*/ 8237 h 2145794"/>
+              <a:gd name="connsiteX5" fmla="*/ 1164358 w 1397573"/>
+              <a:gd name="connsiteY5" fmla="*/ 212424 h 2145794"/>
+              <a:gd name="connsiteX6" fmla="*/ 1377421 w 1397573"/>
+              <a:gd name="connsiteY6" fmla="*/ 958148 h 2145794"/>
+              <a:gd name="connsiteX7" fmla="*/ 1262012 w 1397573"/>
+              <a:gd name="connsiteY7" fmla="*/ 1854793 h 2145794"/>
+              <a:gd name="connsiteX0" fmla="*/ 1262012 w 1327695"/>
+              <a:gd name="connsiteY0" fmla="*/ 1878741 h 2179825"/>
+              <a:gd name="connsiteX1" fmla="*/ 258835 w 1327695"/>
+              <a:gd name="connsiteY1" fmla="*/ 2162826 h 2179825"/>
+              <a:gd name="connsiteX2" fmla="*/ 36894 w 1327695"/>
+              <a:gd name="connsiteY2" fmla="*/ 1647921 h 2179825"/>
+              <a:gd name="connsiteX3" fmla="*/ 81282 w 1327695"/>
+              <a:gd name="connsiteY3" fmla="*/ 342904 h 2179825"/>
+              <a:gd name="connsiteX4" fmla="*/ 622820 w 1327695"/>
+              <a:gd name="connsiteY4" fmla="*/ 32185 h 2179825"/>
+              <a:gd name="connsiteX5" fmla="*/ 1164358 w 1327695"/>
+              <a:gd name="connsiteY5" fmla="*/ 236372 h 2179825"/>
+              <a:gd name="connsiteX6" fmla="*/ 1262012 w 1327695"/>
+              <a:gd name="connsiteY6" fmla="*/ 1878741 h 2179825"/>
+              <a:gd name="connsiteX0" fmla="*/ 1270889 w 1334856"/>
+              <a:gd name="connsiteY0" fmla="*/ 1850907 h 2173214"/>
+              <a:gd name="connsiteX1" fmla="*/ 258835 w 1334856"/>
+              <a:gd name="connsiteY1" fmla="*/ 2161625 h 2173214"/>
+              <a:gd name="connsiteX2" fmla="*/ 36894 w 1334856"/>
+              <a:gd name="connsiteY2" fmla="*/ 1646720 h 2173214"/>
+              <a:gd name="connsiteX3" fmla="*/ 81282 w 1334856"/>
+              <a:gd name="connsiteY3" fmla="*/ 341703 h 2173214"/>
+              <a:gd name="connsiteX4" fmla="*/ 622820 w 1334856"/>
+              <a:gd name="connsiteY4" fmla="*/ 30984 h 2173214"/>
+              <a:gd name="connsiteX5" fmla="*/ 1164358 w 1334856"/>
+              <a:gd name="connsiteY5" fmla="*/ 235171 h 2173214"/>
+              <a:gd name="connsiteX6" fmla="*/ 1270889 w 1334856"/>
+              <a:gd name="connsiteY6" fmla="*/ 1850907 h 2173214"/>
+              <a:gd name="connsiteX0" fmla="*/ 1270889 w 1299728"/>
+              <a:gd name="connsiteY0" fmla="*/ 1850907 h 2206013"/>
+              <a:gd name="connsiteX1" fmla="*/ 738229 w 1299728"/>
+              <a:gd name="connsiteY1" fmla="*/ 2197135 h 2206013"/>
+              <a:gd name="connsiteX2" fmla="*/ 36894 w 1299728"/>
+              <a:gd name="connsiteY2" fmla="*/ 1646720 h 2206013"/>
+              <a:gd name="connsiteX3" fmla="*/ 81282 w 1299728"/>
+              <a:gd name="connsiteY3" fmla="*/ 341703 h 2206013"/>
+              <a:gd name="connsiteX4" fmla="*/ 622820 w 1299728"/>
+              <a:gd name="connsiteY4" fmla="*/ 30984 h 2206013"/>
+              <a:gd name="connsiteX5" fmla="*/ 1164358 w 1299728"/>
+              <a:gd name="connsiteY5" fmla="*/ 235171 h 2206013"/>
+              <a:gd name="connsiteX6" fmla="*/ 1270889 w 1299728"/>
+              <a:gd name="connsiteY6" fmla="*/ 1850907 h 2206013"/>
+              <a:gd name="connsiteX0" fmla="*/ 1270889 w 1308788"/>
+              <a:gd name="connsiteY0" fmla="*/ 1850907 h 2231222"/>
+              <a:gd name="connsiteX1" fmla="*/ 613941 w 1308788"/>
+              <a:gd name="connsiteY1" fmla="*/ 2223768 h 2231222"/>
+              <a:gd name="connsiteX2" fmla="*/ 36894 w 1308788"/>
+              <a:gd name="connsiteY2" fmla="*/ 1646720 h 2231222"/>
+              <a:gd name="connsiteX3" fmla="*/ 81282 w 1308788"/>
+              <a:gd name="connsiteY3" fmla="*/ 341703 h 2231222"/>
+              <a:gd name="connsiteX4" fmla="*/ 622820 w 1308788"/>
+              <a:gd name="connsiteY4" fmla="*/ 30984 h 2231222"/>
+              <a:gd name="connsiteX5" fmla="*/ 1164358 w 1308788"/>
+              <a:gd name="connsiteY5" fmla="*/ 235171 h 2231222"/>
+              <a:gd name="connsiteX6" fmla="*/ 1270889 w 1308788"/>
+              <a:gd name="connsiteY6" fmla="*/ 1850907 h 2231222"/>
+              <a:gd name="connsiteX0" fmla="*/ 1270889 w 1308788"/>
+              <a:gd name="connsiteY0" fmla="*/ 1850907 h 2231222"/>
+              <a:gd name="connsiteX1" fmla="*/ 613941 w 1308788"/>
+              <a:gd name="connsiteY1" fmla="*/ 2223768 h 2231222"/>
+              <a:gd name="connsiteX2" fmla="*/ 36894 w 1308788"/>
+              <a:gd name="connsiteY2" fmla="*/ 1646720 h 2231222"/>
+              <a:gd name="connsiteX3" fmla="*/ 81282 w 1308788"/>
+              <a:gd name="connsiteY3" fmla="*/ 341703 h 2231222"/>
+              <a:gd name="connsiteX4" fmla="*/ 622820 w 1308788"/>
+              <a:gd name="connsiteY4" fmla="*/ 30984 h 2231222"/>
+              <a:gd name="connsiteX5" fmla="*/ 1164358 w 1308788"/>
+              <a:gd name="connsiteY5" fmla="*/ 235171 h 2231222"/>
+              <a:gd name="connsiteX6" fmla="*/ 1270889 w 1308788"/>
+              <a:gd name="connsiteY6" fmla="*/ 1850907 h 2231222"/>
+              <a:gd name="connsiteX0" fmla="*/ 1270889 w 1308788"/>
+              <a:gd name="connsiteY0" fmla="*/ 1850907 h 2231222"/>
+              <a:gd name="connsiteX1" fmla="*/ 613941 w 1308788"/>
+              <a:gd name="connsiteY1" fmla="*/ 2223768 h 2231222"/>
+              <a:gd name="connsiteX2" fmla="*/ 36894 w 1308788"/>
+              <a:gd name="connsiteY2" fmla="*/ 1646720 h 2231222"/>
+              <a:gd name="connsiteX3" fmla="*/ 81282 w 1308788"/>
+              <a:gd name="connsiteY3" fmla="*/ 341703 h 2231222"/>
+              <a:gd name="connsiteX4" fmla="*/ 622820 w 1308788"/>
+              <a:gd name="connsiteY4" fmla="*/ 30984 h 2231222"/>
+              <a:gd name="connsiteX5" fmla="*/ 1164358 w 1308788"/>
+              <a:gd name="connsiteY5" fmla="*/ 235171 h 2231222"/>
+              <a:gd name="connsiteX6" fmla="*/ 1270889 w 1308788"/>
+              <a:gd name="connsiteY6" fmla="*/ 1850907 h 2231222"/>
+              <a:gd name="connsiteX0" fmla="*/ 1270889 w 1308788"/>
+              <a:gd name="connsiteY0" fmla="*/ 1850907 h 2231222"/>
+              <a:gd name="connsiteX1" fmla="*/ 613941 w 1308788"/>
+              <a:gd name="connsiteY1" fmla="*/ 2223768 h 2231222"/>
+              <a:gd name="connsiteX2" fmla="*/ 36894 w 1308788"/>
+              <a:gd name="connsiteY2" fmla="*/ 1646720 h 2231222"/>
+              <a:gd name="connsiteX3" fmla="*/ 81282 w 1308788"/>
+              <a:gd name="connsiteY3" fmla="*/ 341703 h 2231222"/>
+              <a:gd name="connsiteX4" fmla="*/ 622820 w 1308788"/>
+              <a:gd name="connsiteY4" fmla="*/ 30984 h 2231222"/>
+              <a:gd name="connsiteX5" fmla="*/ 1164358 w 1308788"/>
+              <a:gd name="connsiteY5" fmla="*/ 235171 h 2231222"/>
+              <a:gd name="connsiteX6" fmla="*/ 1270889 w 1308788"/>
+              <a:gd name="connsiteY6" fmla="*/ 1850907 h 2231222"/>
+              <a:gd name="connsiteX0" fmla="*/ 1270889 w 1308788"/>
+              <a:gd name="connsiteY0" fmla="*/ 1850907 h 2231222"/>
+              <a:gd name="connsiteX1" fmla="*/ 613941 w 1308788"/>
+              <a:gd name="connsiteY1" fmla="*/ 2223768 h 2231222"/>
+              <a:gd name="connsiteX2" fmla="*/ 36894 w 1308788"/>
+              <a:gd name="connsiteY2" fmla="*/ 1646720 h 2231222"/>
+              <a:gd name="connsiteX3" fmla="*/ 81282 w 1308788"/>
+              <a:gd name="connsiteY3" fmla="*/ 341703 h 2231222"/>
+              <a:gd name="connsiteX4" fmla="*/ 622820 w 1308788"/>
+              <a:gd name="connsiteY4" fmla="*/ 30984 h 2231222"/>
+              <a:gd name="connsiteX5" fmla="*/ 1164358 w 1308788"/>
+              <a:gd name="connsiteY5" fmla="*/ 235171 h 2231222"/>
+              <a:gd name="connsiteX6" fmla="*/ 1270889 w 1308788"/>
+              <a:gd name="connsiteY6" fmla="*/ 1850907 h 2231222"/>
+              <a:gd name="connsiteX0" fmla="*/ 1270889 w 1308788"/>
+              <a:gd name="connsiteY0" fmla="*/ 1839269 h 2219584"/>
+              <a:gd name="connsiteX1" fmla="*/ 613941 w 1308788"/>
+              <a:gd name="connsiteY1" fmla="*/ 2212130 h 2219584"/>
+              <a:gd name="connsiteX2" fmla="*/ 36894 w 1308788"/>
+              <a:gd name="connsiteY2" fmla="*/ 1635082 h 2219584"/>
+              <a:gd name="connsiteX3" fmla="*/ 81282 w 1308788"/>
+              <a:gd name="connsiteY3" fmla="*/ 330065 h 2219584"/>
+              <a:gd name="connsiteX4" fmla="*/ 622820 w 1308788"/>
+              <a:gd name="connsiteY4" fmla="*/ 19346 h 2219584"/>
+              <a:gd name="connsiteX5" fmla="*/ 1164358 w 1308788"/>
+              <a:gd name="connsiteY5" fmla="*/ 223533 h 2219584"/>
+              <a:gd name="connsiteX6" fmla="*/ 1270889 w 1308788"/>
+              <a:gd name="connsiteY6" fmla="*/ 1839269 h 2219584"/>
+              <a:gd name="connsiteX0" fmla="*/ 1270889 w 1308788"/>
+              <a:gd name="connsiteY0" fmla="*/ 1980745 h 2361060"/>
+              <a:gd name="connsiteX1" fmla="*/ 613941 w 1308788"/>
+              <a:gd name="connsiteY1" fmla="*/ 2353606 h 2361060"/>
+              <a:gd name="connsiteX2" fmla="*/ 36894 w 1308788"/>
+              <a:gd name="connsiteY2" fmla="*/ 1776558 h 2361060"/>
+              <a:gd name="connsiteX3" fmla="*/ 81282 w 1308788"/>
+              <a:gd name="connsiteY3" fmla="*/ 471541 h 2361060"/>
+              <a:gd name="connsiteX4" fmla="*/ 622820 w 1308788"/>
+              <a:gd name="connsiteY4" fmla="*/ 1024 h 2361060"/>
+              <a:gd name="connsiteX5" fmla="*/ 1164358 w 1308788"/>
+              <a:gd name="connsiteY5" fmla="*/ 365009 h 2361060"/>
+              <a:gd name="connsiteX6" fmla="*/ 1270889 w 1308788"/>
+              <a:gd name="connsiteY6" fmla="*/ 1980745 h 2361060"/>
+              <a:gd name="connsiteX0" fmla="*/ 1199868 w 1254752"/>
+              <a:gd name="connsiteY0" fmla="*/ 1669568 h 2353870"/>
+              <a:gd name="connsiteX1" fmla="*/ 613941 w 1254752"/>
+              <a:gd name="connsiteY1" fmla="*/ 2353147 h 2353870"/>
+              <a:gd name="connsiteX2" fmla="*/ 36894 w 1254752"/>
+              <a:gd name="connsiteY2" fmla="*/ 1776099 h 2353870"/>
+              <a:gd name="connsiteX3" fmla="*/ 81282 w 1254752"/>
+              <a:gd name="connsiteY3" fmla="*/ 471082 h 2353870"/>
+              <a:gd name="connsiteX4" fmla="*/ 622820 w 1254752"/>
+              <a:gd name="connsiteY4" fmla="*/ 565 h 2353870"/>
+              <a:gd name="connsiteX5" fmla="*/ 1164358 w 1254752"/>
+              <a:gd name="connsiteY5" fmla="*/ 364550 h 2353870"/>
+              <a:gd name="connsiteX6" fmla="*/ 1199868 w 1254752"/>
+              <a:gd name="connsiteY6" fmla="*/ 1669568 h 2353870"/>
+              <a:gd name="connsiteX0" fmla="*/ 1214470 w 1268723"/>
+              <a:gd name="connsiteY0" fmla="*/ 1669568 h 2300818"/>
+              <a:gd name="connsiteX1" fmla="*/ 637421 w 1268723"/>
+              <a:gd name="connsiteY1" fmla="*/ 2299881 h 2300818"/>
+              <a:gd name="connsiteX2" fmla="*/ 51496 w 1268723"/>
+              <a:gd name="connsiteY2" fmla="*/ 1776099 h 2300818"/>
+              <a:gd name="connsiteX3" fmla="*/ 95884 w 1268723"/>
+              <a:gd name="connsiteY3" fmla="*/ 471082 h 2300818"/>
+              <a:gd name="connsiteX4" fmla="*/ 637422 w 1268723"/>
+              <a:gd name="connsiteY4" fmla="*/ 565 h 2300818"/>
+              <a:gd name="connsiteX5" fmla="*/ 1178960 w 1268723"/>
+              <a:gd name="connsiteY5" fmla="*/ 364550 h 2300818"/>
+              <a:gd name="connsiteX6" fmla="*/ 1214470 w 1268723"/>
+              <a:gd name="connsiteY6" fmla="*/ 1669568 h 2300818"/>
+              <a:gd name="connsiteX0" fmla="*/ 1212819 w 1268886"/>
+              <a:gd name="connsiteY0" fmla="*/ 1749250 h 2380500"/>
+              <a:gd name="connsiteX1" fmla="*/ 635770 w 1268886"/>
+              <a:gd name="connsiteY1" fmla="*/ 2379563 h 2380500"/>
+              <a:gd name="connsiteX2" fmla="*/ 49845 w 1268886"/>
+              <a:gd name="connsiteY2" fmla="*/ 1855781 h 2380500"/>
+              <a:gd name="connsiteX3" fmla="*/ 94233 w 1268886"/>
+              <a:gd name="connsiteY3" fmla="*/ 550764 h 2380500"/>
+              <a:gd name="connsiteX4" fmla="*/ 600261 w 1268886"/>
+              <a:gd name="connsiteY4" fmla="*/ 348 h 2380500"/>
+              <a:gd name="connsiteX5" fmla="*/ 1177309 w 1268886"/>
+              <a:gd name="connsiteY5" fmla="*/ 444232 h 2380500"/>
+              <a:gd name="connsiteX6" fmla="*/ 1212819 w 1268886"/>
+              <a:gd name="connsiteY6" fmla="*/ 1749250 h 2380500"/>
+              <a:gd name="connsiteX0" fmla="*/ 1212819 w 1268886"/>
+              <a:gd name="connsiteY0" fmla="*/ 1749250 h 2495652"/>
+              <a:gd name="connsiteX1" fmla="*/ 635770 w 1268886"/>
+              <a:gd name="connsiteY1" fmla="*/ 2494972 h 2495652"/>
+              <a:gd name="connsiteX2" fmla="*/ 49845 w 1268886"/>
+              <a:gd name="connsiteY2" fmla="*/ 1855781 h 2495652"/>
+              <a:gd name="connsiteX3" fmla="*/ 94233 w 1268886"/>
+              <a:gd name="connsiteY3" fmla="*/ 550764 h 2495652"/>
+              <a:gd name="connsiteX4" fmla="*/ 600261 w 1268886"/>
+              <a:gd name="connsiteY4" fmla="*/ 348 h 2495652"/>
+              <a:gd name="connsiteX5" fmla="*/ 1177309 w 1268886"/>
+              <a:gd name="connsiteY5" fmla="*/ 444232 h 2495652"/>
+              <a:gd name="connsiteX6" fmla="*/ 1212819 w 1268886"/>
+              <a:gd name="connsiteY6" fmla="*/ 1749250 h 2495652"/>
+              <a:gd name="connsiteX0" fmla="*/ 1212819 w 1268886"/>
+              <a:gd name="connsiteY0" fmla="*/ 1749250 h 2371650"/>
+              <a:gd name="connsiteX1" fmla="*/ 635770 w 1268886"/>
+              <a:gd name="connsiteY1" fmla="*/ 2370685 h 2371650"/>
+              <a:gd name="connsiteX2" fmla="*/ 49845 w 1268886"/>
+              <a:gd name="connsiteY2" fmla="*/ 1855781 h 2371650"/>
+              <a:gd name="connsiteX3" fmla="*/ 94233 w 1268886"/>
+              <a:gd name="connsiteY3" fmla="*/ 550764 h 2371650"/>
+              <a:gd name="connsiteX4" fmla="*/ 600261 w 1268886"/>
+              <a:gd name="connsiteY4" fmla="*/ 348 h 2371650"/>
+              <a:gd name="connsiteX5" fmla="*/ 1177309 w 1268886"/>
+              <a:gd name="connsiteY5" fmla="*/ 444232 h 2371650"/>
+              <a:gd name="connsiteX6" fmla="*/ 1212819 w 1268886"/>
+              <a:gd name="connsiteY6" fmla="*/ 1749250 h 2371650"/>
+              <a:gd name="connsiteX0" fmla="*/ 1212819 w 1268886"/>
+              <a:gd name="connsiteY0" fmla="*/ 1616677 h 2239077"/>
+              <a:gd name="connsiteX1" fmla="*/ 635770 w 1268886"/>
+              <a:gd name="connsiteY1" fmla="*/ 2238112 h 2239077"/>
+              <a:gd name="connsiteX2" fmla="*/ 49845 w 1268886"/>
+              <a:gd name="connsiteY2" fmla="*/ 1723208 h 2239077"/>
+              <a:gd name="connsiteX3" fmla="*/ 94233 w 1268886"/>
+              <a:gd name="connsiteY3" fmla="*/ 418191 h 2239077"/>
+              <a:gd name="connsiteX4" fmla="*/ 600261 w 1268886"/>
+              <a:gd name="connsiteY4" fmla="*/ 940 h 2239077"/>
+              <a:gd name="connsiteX5" fmla="*/ 1177309 w 1268886"/>
+              <a:gd name="connsiteY5" fmla="*/ 311659 h 2239077"/>
+              <a:gd name="connsiteX6" fmla="*/ 1212819 w 1268886"/>
+              <a:gd name="connsiteY6" fmla="*/ 1616677 h 2239077"/>
+              <a:gd name="connsiteX0" fmla="*/ 1212819 w 1268886"/>
+              <a:gd name="connsiteY0" fmla="*/ 1669567 h 2291967"/>
+              <a:gd name="connsiteX1" fmla="*/ 635770 w 1268886"/>
+              <a:gd name="connsiteY1" fmla="*/ 2291002 h 2291967"/>
+              <a:gd name="connsiteX2" fmla="*/ 49845 w 1268886"/>
+              <a:gd name="connsiteY2" fmla="*/ 1776098 h 2291967"/>
+              <a:gd name="connsiteX3" fmla="*/ 94233 w 1268886"/>
+              <a:gd name="connsiteY3" fmla="*/ 471081 h 2291967"/>
+              <a:gd name="connsiteX4" fmla="*/ 600261 w 1268886"/>
+              <a:gd name="connsiteY4" fmla="*/ 564 h 2291967"/>
+              <a:gd name="connsiteX5" fmla="*/ 1177309 w 1268886"/>
+              <a:gd name="connsiteY5" fmla="*/ 364549 h 2291967"/>
+              <a:gd name="connsiteX6" fmla="*/ 1212819 w 1268886"/>
+              <a:gd name="connsiteY6" fmla="*/ 1669567 h 2291967"/>
+              <a:gd name="connsiteX0" fmla="*/ 1212819 w 1251633"/>
+              <a:gd name="connsiteY0" fmla="*/ 1669040 h 2291440"/>
+              <a:gd name="connsiteX1" fmla="*/ 635770 w 1251633"/>
+              <a:gd name="connsiteY1" fmla="*/ 2290475 h 2291440"/>
+              <a:gd name="connsiteX2" fmla="*/ 49845 w 1251633"/>
+              <a:gd name="connsiteY2" fmla="*/ 1775571 h 2291440"/>
+              <a:gd name="connsiteX3" fmla="*/ 94233 w 1251633"/>
+              <a:gd name="connsiteY3" fmla="*/ 470554 h 2291440"/>
+              <a:gd name="connsiteX4" fmla="*/ 600261 w 1251633"/>
+              <a:gd name="connsiteY4" fmla="*/ 37 h 2291440"/>
+              <a:gd name="connsiteX5" fmla="*/ 1132921 w 1251633"/>
+              <a:gd name="connsiteY5" fmla="*/ 452798 h 2291440"/>
+              <a:gd name="connsiteX6" fmla="*/ 1212819 w 1251633"/>
+              <a:gd name="connsiteY6" fmla="*/ 1669040 h 2291440"/>
+            </a:gdLst>
+            <a:ahLst/>
+            <a:cxnLst>
+              <a:cxn ang="0">
+                <a:pos x="connsiteX0" y="connsiteY0"/>
+              </a:cxn>
+              <a:cxn ang="0">
+                <a:pos x="connsiteX1" y="connsiteY1"/>
+              </a:cxn>
+              <a:cxn ang="0">
+                <a:pos x="connsiteX2" y="connsiteY2"/>
+              </a:cxn>
+              <a:cxn ang="0">
+                <a:pos x="connsiteX3" y="connsiteY3"/>
+              </a:cxn>
+              <a:cxn ang="0">
+                <a:pos x="connsiteX4" y="connsiteY4"/>
+              </a:cxn>
+              <a:cxn ang="0">
+                <a:pos x="connsiteX5" y="connsiteY5"/>
+              </a:cxn>
+              <a:cxn ang="0">
+                <a:pos x="connsiteX6" y="connsiteY6"/>
+              </a:cxn>
+            </a:cxnLst>
+            <a:rect l="l" t="t" r="r" b="b"/>
+            <a:pathLst>
+              <a:path w="1251633" h="2291440">
+                <a:moveTo>
+                  <a:pt x="1212819" y="1669040"/>
+                </a:moveTo>
+                <a:cubicBezTo>
+                  <a:pt x="1129961" y="1975320"/>
+                  <a:pt x="829599" y="2272720"/>
+                  <a:pt x="635770" y="2290475"/>
+                </a:cubicBezTo>
+                <a:cubicBezTo>
+                  <a:pt x="441941" y="2308230"/>
+                  <a:pt x="140101" y="2078891"/>
+                  <a:pt x="49845" y="1775571"/>
+                </a:cubicBezTo>
+                <a:cubicBezTo>
+                  <a:pt x="-40411" y="1472251"/>
+                  <a:pt x="2497" y="766476"/>
+                  <a:pt x="94233" y="470554"/>
+                </a:cubicBezTo>
+                <a:cubicBezTo>
+                  <a:pt x="185969" y="174632"/>
+                  <a:pt x="427146" y="2996"/>
+                  <a:pt x="600261" y="37"/>
+                </a:cubicBezTo>
+                <a:cubicBezTo>
+                  <a:pt x="773376" y="-2922"/>
+                  <a:pt x="1030828" y="174631"/>
+                  <a:pt x="1132921" y="452798"/>
+                </a:cubicBezTo>
+                <a:cubicBezTo>
+                  <a:pt x="1235014" y="730965"/>
+                  <a:pt x="1295678" y="1362761"/>
+                  <a:pt x="1212819" y="1669040"/>
+                </a:cubicBezTo>
+                <a:close/>
+              </a:path>
+            </a:pathLst>
+          </a:custGeom>
+          <a:ln w="19050">
+            <a:prstDash val="dash"/>
+          </a:ln>
+        </p:spPr>
+        <p:style>
+          <a:lnRef idx="2">
+            <a:schemeClr val="dk1"/>
+          </a:lnRef>
+          <a:fillRef idx="1">
+            <a:schemeClr val="lt1"/>
+          </a:fillRef>
+          <a:effectRef idx="0">
+            <a:schemeClr val="dk1"/>
+          </a:effectRef>
+          <a:fontRef idx="minor">
+            <a:schemeClr val="dk1"/>
+          </a:fontRef>
+        </p:style>
+        <p:txBody>
+          <a:bodyPr rot="0" spcFirstLastPara="0" vertOverflow="overflow" horzOverflow="overflow" vert="horz" wrap="square" lIns="91440" tIns="45720" rIns="91440" bIns="45720" numCol="1" spcCol="0" rtlCol="0" fromWordArt="0" anchor="ctr" anchorCtr="0" forceAA="0" compatLnSpc="1">
+            <a:prstTxWarp prst="textNoShape">
+              <a:avLst/>
+            </a:prstTxWarp>
+            <a:noAutofit/>
+          </a:bodyPr>
+          <a:lstStyle/>
+          <a:p>
+            <a:pPr algn="ctr"/>
+            <a:endParaRPr lang="zh-CN" altLang="en-US">
+              <a:solidFill>
+                <a:schemeClr val="dk1"/>
+              </a:solidFill>
+            </a:endParaRPr>
+          </a:p>
+        </p:txBody>
+      </p:sp>
       <p:graphicFrame>
         <p:nvGraphicFramePr>
           <p:cNvPr id="4" name="表格 3">
